--- a/GRW2017/grw2017_poster.pptx
+++ b/GRW2017/grw2017_poster.pptx
@@ -1520,7 +1520,7 @@
         <p:spPr bwMode="auto">
           <a:xfrm>
             <a:off x="1057275" y="9536354"/>
-            <a:ext cx="13087350" cy="677108"/>
+            <a:ext cx="13087350" cy="5355312"/>
           </a:xfrm>
           <a:prstGeom prst="rect">
             <a:avLst/>
@@ -1551,7 +1551,133 @@
             </a:r>
             <a:r>
               <a:rPr lang="en-US" sz="4000" dirty="0"/>
-              <a:t>motor drive systems vs.</a:t>
+              <a:t>motor drive systems vs</a:t>
+            </a:r>
+            <a:r>
+              <a:rPr lang="en-US" sz="4000" dirty="0" smtClean="0"/>
+              <a:t>.</a:t>
+            </a:r>
+            <a:endParaRPr lang="tr-TR" sz="4000" dirty="0" smtClean="0"/>
+          </a:p>
+          <a:p>
+            <a:pPr algn="l" defTabSz="4389438" eaLnBrk="0" hangingPunct="0">
+              <a:lnSpc>
+                <a:spcPct val="95000"/>
+              </a:lnSpc>
+            </a:pPr>
+            <a:r>
+              <a:rPr lang="tr-TR" sz="4000" dirty="0" smtClean="0"/>
+              <a:t>* </a:t>
+            </a:r>
+            <a:r>
+              <a:rPr lang="en-US" sz="4000" dirty="0" smtClean="0"/>
+              <a:t>increased </a:t>
+            </a:r>
+            <a:r>
+              <a:rPr lang="en-US" sz="4000" dirty="0"/>
+              <a:t>volume and </a:t>
+            </a:r>
+            <a:r>
+              <a:rPr lang="en-US" sz="4000" dirty="0" smtClean="0"/>
+              <a:t>weight</a:t>
+            </a:r>
+            <a:endParaRPr lang="tr-TR" sz="4000" dirty="0" smtClean="0"/>
+          </a:p>
+          <a:p>
+            <a:pPr marL="571500" indent="-571500" algn="l" defTabSz="4389438" eaLnBrk="0" hangingPunct="0">
+              <a:lnSpc>
+                <a:spcPct val="95000"/>
+              </a:lnSpc>
+              <a:buFont typeface="Arial" panose="020B0604020202020204" pitchFamily="34" charset="0"/>
+              <a:buChar char="•"/>
+            </a:pPr>
+            <a:r>
+              <a:rPr lang="en-US" sz="4000" dirty="0" smtClean="0"/>
+              <a:t>electric </a:t>
+            </a:r>
+            <a:r>
+              <a:rPr lang="en-US" sz="4000" dirty="0"/>
+              <a:t>traction and aerospace where power density is </a:t>
+            </a:r>
+            <a:r>
+              <a:rPr lang="en-US" sz="4000" dirty="0" smtClean="0"/>
+              <a:t>critical</a:t>
+            </a:r>
+            <a:endParaRPr lang="tr-TR" sz="4000" dirty="0" smtClean="0"/>
+          </a:p>
+          <a:p>
+            <a:pPr marL="571500" indent="-571500" algn="l" defTabSz="4389438" eaLnBrk="0" hangingPunct="0">
+              <a:lnSpc>
+                <a:spcPct val="95000"/>
+              </a:lnSpc>
+              <a:buFont typeface="Arial" panose="020B0604020202020204" pitchFamily="34" charset="0"/>
+              <a:buChar char="•"/>
+            </a:pPr>
+            <a:r>
+              <a:rPr lang="en-US" sz="4000" dirty="0"/>
+              <a:t>Electromagnetic interference (EMI) </a:t>
+            </a:r>
+            <a:r>
+              <a:rPr lang="en-US" sz="4000" dirty="0" smtClean="0"/>
+              <a:t>problems</a:t>
+            </a:r>
+            <a:endParaRPr lang="tr-TR" sz="4000" dirty="0" smtClean="0"/>
+          </a:p>
+          <a:p>
+            <a:pPr marL="571500" indent="-571500" algn="l" defTabSz="4389438" eaLnBrk="0" hangingPunct="0">
+              <a:lnSpc>
+                <a:spcPct val="95000"/>
+              </a:lnSpc>
+              <a:buFont typeface="Arial" panose="020B0604020202020204" pitchFamily="34" charset="0"/>
+              <a:buChar char="•"/>
+            </a:pPr>
+            <a:endParaRPr lang="tr-TR" sz="4000" dirty="0" smtClean="0">
+              <a:latin typeface="+mj-lt"/>
+            </a:endParaRPr>
+          </a:p>
+          <a:p>
+            <a:pPr algn="l" defTabSz="4389438" eaLnBrk="0" hangingPunct="0">
+              <a:lnSpc>
+                <a:spcPct val="95000"/>
+              </a:lnSpc>
+            </a:pPr>
+            <a:endParaRPr lang="tr-TR" sz="4000" dirty="0" smtClean="0">
+              <a:latin typeface="+mj-lt"/>
+            </a:endParaRPr>
+          </a:p>
+          <a:p>
+            <a:pPr algn="l" defTabSz="4389438" eaLnBrk="0" hangingPunct="0">
+              <a:lnSpc>
+                <a:spcPct val="95000"/>
+              </a:lnSpc>
+            </a:pPr>
+            <a:r>
+              <a:rPr lang="en-US" sz="4000" dirty="0"/>
+              <a:t>integrated directly to the motor </a:t>
+            </a:r>
+            <a:r>
+              <a:rPr lang="en-US" sz="4000" dirty="0" smtClean="0"/>
+              <a:t>back-end</a:t>
+            </a:r>
+            <a:endParaRPr lang="tr-TR" sz="4000" dirty="0" smtClean="0"/>
+          </a:p>
+          <a:p>
+            <a:pPr algn="l" defTabSz="4389438" eaLnBrk="0" hangingPunct="0">
+              <a:lnSpc>
+                <a:spcPct val="95000"/>
+              </a:lnSpc>
+            </a:pPr>
+            <a:r>
+              <a:rPr lang="en-US" sz="4000" dirty="0"/>
+              <a:t>Modularization </a:t>
+            </a:r>
+            <a:r>
+              <a:rPr lang="en-US" sz="4000" dirty="0" smtClean="0"/>
+              <a:t>divided </a:t>
+            </a:r>
+            <a:r>
+              <a:rPr lang="en-US" sz="4000" dirty="0"/>
+              <a:t>into several parts</a:t>
             </a:r>
             <a:endParaRPr lang="en-US" sz="4000" dirty="0">
               <a:latin typeface="+mj-lt"/>
@@ -1674,7 +1800,6 @@
               <a:rPr lang="en-US" sz="8000" b="1" dirty="0" smtClean="0"/>
               <a:t>System</a:t>
             </a:r>
-            <a:endParaRPr lang="en-US" sz="8000" b="1" dirty="0" smtClean="0"/>
           </a:p>
         </p:txBody>
       </p:sp>
@@ -2112,7 +2237,7 @@
         <p:spPr bwMode="auto">
           <a:xfrm>
             <a:off x="1082842" y="17618208"/>
-            <a:ext cx="13087350" cy="2554545"/>
+            <a:ext cx="13087350" cy="5632311"/>
           </a:xfrm>
           <a:prstGeom prst="rect">
             <a:avLst/>
@@ -2198,8 +2323,47 @@
               <a:t>Critical </a:t>
             </a:r>
             <a:r>
-              <a:rPr lang="tr-TR" sz="4000" dirty="0" err="1"/>
+              <a:rPr lang="tr-TR" sz="4000" dirty="0" err="1" smtClean="0"/>
               <a:t>applications</a:t>
+            </a:r>
+            <a:endParaRPr lang="tr-TR" sz="4000" dirty="0" smtClean="0"/>
+          </a:p>
+          <a:p>
+            <a:endParaRPr lang="tr-TR" sz="4000" dirty="0" smtClean="0">
+              <a:latin typeface="+mj-lt"/>
+            </a:endParaRPr>
+          </a:p>
+          <a:p>
+            <a:r>
+              <a:rPr lang="en-US" sz="4000" dirty="0"/>
+              <a:t>power density of the overall system can be enhanced</a:t>
+            </a:r>
+            <a:endParaRPr lang="tr-TR" sz="4000" dirty="0">
+              <a:latin typeface="+mj-lt"/>
+            </a:endParaRPr>
+          </a:p>
+          <a:p>
+            <a:r>
+              <a:rPr lang="en-US" sz="4000" dirty="0"/>
+              <a:t> fault </a:t>
+            </a:r>
+            <a:r>
+              <a:rPr lang="en-US" sz="4000" dirty="0" smtClean="0"/>
+              <a:t>tolerance</a:t>
+            </a:r>
+            <a:endParaRPr lang="tr-TR" sz="4000" dirty="0" smtClean="0"/>
+          </a:p>
+          <a:p>
+            <a:r>
+              <a:rPr lang="en-US" sz="4000" dirty="0"/>
+              <a:t>voltage stress </a:t>
+            </a:r>
+            <a:endParaRPr lang="tr-TR" sz="4000" dirty="0" smtClean="0"/>
+          </a:p>
+          <a:p>
+            <a:r>
+              <a:rPr lang="en-US" sz="4000" dirty="0"/>
+              <a:t>heat dissipation</a:t>
             </a:r>
             <a:endParaRPr lang="en-US" sz="4000" dirty="0">
               <a:latin typeface="+mj-lt"/>

--- a/GRW2017/grw2017_poster.pptx
+++ b/GRW2017/grw2017_poster.pptx
@@ -1748,7 +1748,7 @@
         <p:spPr bwMode="auto">
           <a:xfrm>
             <a:off x="4248150" y="948530"/>
-            <a:ext cx="22098000" cy="2554545"/>
+            <a:ext cx="22098000" cy="2862322"/>
           </a:xfrm>
           <a:prstGeom prst="rect">
             <a:avLst/>
@@ -1774,30 +1774,30 @@
               </a:spcBef>
             </a:pPr>
             <a:r>
-              <a:rPr lang="en-US" sz="8000" b="1" dirty="0"/>
+              <a:rPr lang="en-US" sz="9000" b="1" dirty="0"/>
               <a:t>Development of an Integrated </a:t>
             </a:r>
             <a:r>
-              <a:rPr lang="en-US" sz="8000" b="1" dirty="0" smtClean="0"/>
+              <a:rPr lang="en-US" sz="9000" b="1" dirty="0" smtClean="0"/>
               <a:t>Modular</a:t>
             </a:r>
             <a:r>
-              <a:rPr lang="tr-TR" sz="8000" b="1" dirty="0"/>
+              <a:rPr lang="tr-TR" sz="9000" b="1" dirty="0"/>
               <a:t/>
             </a:r>
             <a:br>
-              <a:rPr lang="tr-TR" sz="8000" b="1" dirty="0"/>
+              <a:rPr lang="tr-TR" sz="9000" b="1" dirty="0"/>
             </a:br>
             <a:r>
-              <a:rPr lang="en-US" sz="8000" b="1" dirty="0" smtClean="0"/>
+              <a:rPr lang="en-US" sz="9000" b="1" dirty="0" smtClean="0"/>
               <a:t>Motor </a:t>
             </a:r>
             <a:r>
-              <a:rPr lang="en-US" sz="8000" b="1" dirty="0"/>
+              <a:rPr lang="en-US" sz="9000" b="1" dirty="0"/>
               <a:t>Drive (IMMD) </a:t>
             </a:r>
             <a:r>
-              <a:rPr lang="en-US" sz="8000" b="1" dirty="0" smtClean="0"/>
+              <a:rPr lang="en-US" sz="9000" b="1" dirty="0" smtClean="0"/>
               <a:t>System</a:t>
             </a:r>
           </a:p>
@@ -1901,7 +1901,7 @@
               </a:spcBef>
             </a:pPr>
             <a:r>
-              <a:rPr lang="en-US" sz="5000" b="1" i="1" dirty="0" smtClean="0">
+              <a:rPr lang="en-US" sz="5000" i="1" dirty="0" smtClean="0">
                 <a:latin typeface="Times New Roman" panose="02020603050405020304" pitchFamily="18" charset="0"/>
                 <a:cs typeface="Times New Roman" panose="02020603050405020304" pitchFamily="18" charset="0"/>
               </a:rPr>
@@ -1915,7 +1915,7 @@
               </a:spcBef>
             </a:pPr>
             <a:r>
-              <a:rPr lang="en-US" sz="5000" b="1" i="1" dirty="0" smtClean="0">
+              <a:rPr lang="en-US" sz="5000" i="1" dirty="0" smtClean="0">
                 <a:latin typeface="Times New Roman" panose="02020603050405020304" pitchFamily="18" charset="0"/>
                 <a:cs typeface="Times New Roman" panose="02020603050405020304" pitchFamily="18" charset="0"/>
               </a:rPr>
@@ -1928,36 +1928,6 @@
           </a:p>
         </p:txBody>
       </p:sp>
-      <p:pic>
-        <p:nvPicPr>
-          <p:cNvPr id="3" name="Picture 2"/>
-          <p:cNvPicPr>
-            <a:picLocks noChangeAspect="1"/>
-          </p:cNvPicPr>
-          <p:nvPr/>
-        </p:nvPicPr>
-        <p:blipFill>
-          <a:blip r:embed="rId3">
-            <a:extLst>
-              <a:ext uri="{28A0092B-C50C-407E-A947-70E740481C1C}">
-                <a14:useLocalDpi xmlns:a14="http://schemas.microsoft.com/office/drawing/2010/main" val="0"/>
-              </a:ext>
-            </a:extLst>
-          </a:blip>
-          <a:stretch>
-            <a:fillRect/>
-          </a:stretch>
-        </p:blipFill>
-        <p:spPr>
-          <a:xfrm>
-            <a:off x="26346150" y="4411801"/>
-            <a:ext cx="2927350" cy="2927350"/>
-          </a:xfrm>
-          <a:prstGeom prst="rect">
-            <a:avLst/>
-          </a:prstGeom>
-        </p:spPr>
-      </p:pic>
       <p:sp>
         <p:nvSpPr>
           <p:cNvPr id="4" name="Rectangle 3"/>
@@ -2102,7 +2072,7 @@
           <p:nvPr/>
         </p:nvPicPr>
         <p:blipFill rotWithShape="1">
-          <a:blip r:embed="rId4" cstate="print">
+          <a:blip r:embed="rId3" cstate="print">
             <a:extLst>
               <a:ext uri="{28A0092B-C50C-407E-A947-70E740481C1C}">
                 <a14:useLocalDpi xmlns:a14="http://schemas.microsoft.com/office/drawing/2010/main" val="0"/>
@@ -3043,6 +3013,65 @@
           </a:p>
         </p:txBody>
       </p:sp>
+      <p:pic>
+        <p:nvPicPr>
+          <p:cNvPr id="2" name="Picture 1"/>
+          <p:cNvPicPr>
+            <a:picLocks noChangeAspect="1"/>
+          </p:cNvPicPr>
+          <p:nvPr/>
+        </p:nvPicPr>
+        <p:blipFill rotWithShape="1">
+          <a:blip r:embed="rId4">
+            <a:extLst>
+              <a:ext uri="{28A0092B-C50C-407E-A947-70E740481C1C}">
+                <a14:useLocalDpi xmlns:a14="http://schemas.microsoft.com/office/drawing/2010/main" val="0"/>
+              </a:ext>
+            </a:extLst>
+          </a:blip>
+          <a:srcRect l="15632" t="37525" r="70097" b="40370"/>
+          <a:stretch/>
+        </p:blipFill>
+        <p:spPr>
+          <a:xfrm>
+            <a:off x="26518480" y="3772374"/>
+            <a:ext cx="2912890" cy="3384010"/>
+          </a:xfrm>
+          <a:prstGeom prst="rect">
+            <a:avLst/>
+          </a:prstGeom>
+        </p:spPr>
+      </p:pic>
+      <p:pic>
+        <p:nvPicPr>
+          <p:cNvPr id="7" name="Picture 6"/>
+          <p:cNvPicPr>
+            <a:picLocks noChangeAspect="1"/>
+          </p:cNvPicPr>
+          <p:nvPr/>
+        </p:nvPicPr>
+        <p:blipFill>
+          <a:blip r:embed="rId5">
+            <a:extLst>
+              <a:ext uri="{28A0092B-C50C-407E-A947-70E740481C1C}">
+                <a14:useLocalDpi xmlns:a14="http://schemas.microsoft.com/office/drawing/2010/main" val="0"/>
+              </a:ext>
+            </a:extLst>
+          </a:blip>
+          <a:stretch>
+            <a:fillRect/>
+          </a:stretch>
+        </p:blipFill>
+        <p:spPr>
+          <a:xfrm>
+            <a:off x="11308419" y="13500867"/>
+            <a:ext cx="6643961" cy="5577049"/>
+          </a:xfrm>
+          <a:prstGeom prst="rect">
+            <a:avLst/>
+          </a:prstGeom>
+        </p:spPr>
+      </p:pic>
     </p:spTree>
   </p:cSld>
   <p:clrMapOvr>

--- a/GRW2017/grw2017_poster.pptx
+++ b/GRW2017/grw2017_poster.pptx
@@ -1519,8 +1519,8 @@
         </p:nvSpPr>
         <p:spPr bwMode="auto">
           <a:xfrm>
-            <a:off x="1057275" y="9536354"/>
-            <a:ext cx="13087350" cy="5355312"/>
+            <a:off x="1057274" y="9536354"/>
+            <a:ext cx="13112917" cy="4829014"/>
           </a:xfrm>
           <a:prstGeom prst="rect">
             <a:avLst/>
@@ -1540,146 +1540,51 @@
           </a:bodyPr>
           <a:lstStyle/>
           <a:p>
-            <a:pPr algn="l" defTabSz="4389438" eaLnBrk="0" hangingPunct="0">
+            <a:pPr algn="just" defTabSz="4389438" eaLnBrk="0" hangingPunct="0">
               <a:lnSpc>
                 <a:spcPct val="95000"/>
               </a:lnSpc>
             </a:pPr>
             <a:r>
-              <a:rPr lang="en-US" sz="4000" dirty="0" smtClean="0"/>
-              <a:t>Conventional </a:t>
-            </a:r>
-            <a:r>
-              <a:rPr lang="en-US" sz="4000" dirty="0"/>
-              <a:t>motor drive systems vs</a:t>
-            </a:r>
-            <a:r>
-              <a:rPr lang="en-US" sz="4000" dirty="0" smtClean="0"/>
-              <a:t>.</a:t>
-            </a:r>
-            <a:endParaRPr lang="tr-TR" sz="4000" dirty="0" smtClean="0"/>
-          </a:p>
-          <a:p>
-            <a:pPr algn="l" defTabSz="4389438" eaLnBrk="0" hangingPunct="0">
+              <a:rPr lang="en-US" sz="3600" dirty="0" smtClean="0"/>
+              <a:t>In </a:t>
+            </a:r>
+            <a:r>
+              <a:rPr lang="en-US" sz="3600" b="1" dirty="0" smtClean="0"/>
+              <a:t>conventional motor drive </a:t>
+            </a:r>
+            <a:r>
+              <a:rPr lang="en-US" sz="3600" dirty="0" smtClean="0"/>
+              <a:t>systems, drive units are placed in a separate cabinet, and they are connected to the motor via long cables. This brings increased volume and weight as well as increased voltage overshoot and electromagnetic interference (EMI) problems.</a:t>
+            </a:r>
+          </a:p>
+          <a:p>
+            <a:pPr algn="just" defTabSz="4389438" eaLnBrk="0" hangingPunct="0">
               <a:lnSpc>
                 <a:spcPct val="95000"/>
               </a:lnSpc>
             </a:pPr>
-            <a:r>
-              <a:rPr lang="tr-TR" sz="4000" dirty="0" smtClean="0"/>
-              <a:t>* </a:t>
-            </a:r>
-            <a:r>
-              <a:rPr lang="en-US" sz="4000" dirty="0" smtClean="0"/>
-              <a:t>increased </a:t>
-            </a:r>
-            <a:r>
-              <a:rPr lang="en-US" sz="4000" dirty="0"/>
-              <a:t>volume and </a:t>
-            </a:r>
-            <a:r>
-              <a:rPr lang="en-US" sz="4000" dirty="0" smtClean="0"/>
-              <a:t>weight</a:t>
-            </a:r>
-            <a:endParaRPr lang="tr-TR" sz="4000" dirty="0" smtClean="0"/>
-          </a:p>
-          <a:p>
-            <a:pPr marL="571500" indent="-571500" algn="l" defTabSz="4389438" eaLnBrk="0" hangingPunct="0">
-              <a:lnSpc>
-                <a:spcPct val="95000"/>
-              </a:lnSpc>
-              <a:buFont typeface="Arial" panose="020B0604020202020204" pitchFamily="34" charset="0"/>
-              <a:buChar char="•"/>
-            </a:pPr>
-            <a:r>
-              <a:rPr lang="en-US" sz="4000" dirty="0" smtClean="0"/>
-              <a:t>electric </a:t>
-            </a:r>
-            <a:r>
-              <a:rPr lang="en-US" sz="4000" dirty="0"/>
-              <a:t>traction and aerospace where power density is </a:t>
-            </a:r>
-            <a:r>
-              <a:rPr lang="en-US" sz="4000" dirty="0" smtClean="0"/>
-              <a:t>critical</a:t>
-            </a:r>
-            <a:endParaRPr lang="tr-TR" sz="4000" dirty="0" smtClean="0"/>
-          </a:p>
-          <a:p>
-            <a:pPr marL="571500" indent="-571500" algn="l" defTabSz="4389438" eaLnBrk="0" hangingPunct="0">
-              <a:lnSpc>
-                <a:spcPct val="95000"/>
-              </a:lnSpc>
-              <a:buFont typeface="Arial" panose="020B0604020202020204" pitchFamily="34" charset="0"/>
-              <a:buChar char="•"/>
-            </a:pPr>
-            <a:r>
-              <a:rPr lang="en-US" sz="4000" dirty="0"/>
-              <a:t>Electromagnetic interference (EMI) </a:t>
-            </a:r>
-            <a:r>
-              <a:rPr lang="en-US" sz="4000" dirty="0" smtClean="0"/>
-              <a:t>problems</a:t>
-            </a:r>
-            <a:endParaRPr lang="tr-TR" sz="4000" dirty="0" smtClean="0"/>
-          </a:p>
-          <a:p>
-            <a:pPr marL="571500" indent="-571500" algn="l" defTabSz="4389438" eaLnBrk="0" hangingPunct="0">
-              <a:lnSpc>
-                <a:spcPct val="95000"/>
-              </a:lnSpc>
-              <a:buFont typeface="Arial" panose="020B0604020202020204" pitchFamily="34" charset="0"/>
-              <a:buChar char="•"/>
-            </a:pPr>
-            <a:endParaRPr lang="tr-TR" sz="4000" dirty="0" smtClean="0">
-              <a:latin typeface="+mj-lt"/>
-            </a:endParaRPr>
-          </a:p>
-          <a:p>
-            <a:pPr algn="l" defTabSz="4389438" eaLnBrk="0" hangingPunct="0">
+            <a:endParaRPr lang="en-US" sz="3600" dirty="0" smtClean="0"/>
+          </a:p>
+          <a:p>
+            <a:pPr algn="just" defTabSz="4389438" eaLnBrk="0" hangingPunct="0">
               <a:lnSpc>
                 <a:spcPct val="95000"/>
               </a:lnSpc>
             </a:pPr>
-            <a:endParaRPr lang="tr-TR" sz="4000" dirty="0" smtClean="0">
-              <a:latin typeface="+mj-lt"/>
-            </a:endParaRPr>
-          </a:p>
-          <a:p>
-            <a:pPr algn="l" defTabSz="4389438" eaLnBrk="0" hangingPunct="0">
-              <a:lnSpc>
-                <a:spcPct val="95000"/>
-              </a:lnSpc>
-            </a:pPr>
-            <a:r>
-              <a:rPr lang="en-US" sz="4000" dirty="0"/>
-              <a:t>integrated directly to the motor </a:t>
-            </a:r>
-            <a:r>
-              <a:rPr lang="en-US" sz="4000" dirty="0" smtClean="0"/>
-              <a:t>back-end</a:t>
-            </a:r>
-            <a:endParaRPr lang="tr-TR" sz="4000" dirty="0" smtClean="0"/>
-          </a:p>
-          <a:p>
-            <a:pPr algn="l" defTabSz="4389438" eaLnBrk="0" hangingPunct="0">
-              <a:lnSpc>
-                <a:spcPct val="95000"/>
-              </a:lnSpc>
-            </a:pPr>
-            <a:r>
-              <a:rPr lang="en-US" sz="4000" dirty="0"/>
-              <a:t>Modularization </a:t>
-            </a:r>
-            <a:r>
-              <a:rPr lang="en-US" sz="4000" dirty="0" smtClean="0"/>
-              <a:t>divided </a:t>
-            </a:r>
-            <a:r>
-              <a:rPr lang="en-US" sz="4000" dirty="0"/>
-              <a:t>into several parts</a:t>
-            </a:r>
-            <a:endParaRPr lang="en-US" sz="4000" dirty="0">
+            <a:r>
+              <a:rPr lang="en-US" sz="3600" dirty="0" smtClean="0"/>
+              <a:t>In </a:t>
+            </a:r>
+            <a:r>
+              <a:rPr lang="en-US" sz="3600" b="1" dirty="0" smtClean="0"/>
+              <a:t>integrated modular motor drives (IMMD), </a:t>
+            </a:r>
+            <a:r>
+              <a:rPr lang="en-US" sz="3600" dirty="0" smtClean="0"/>
+              <a:t>the motor drive is integrated directly to the motor back-end and the system is modularized by dividing into several parts.</a:t>
+            </a:r>
+            <a:endParaRPr lang="en-US" sz="3600" dirty="0">
               <a:latin typeface="+mj-lt"/>
             </a:endParaRPr>
           </a:p>
@@ -1747,8 +1652,8 @@
         </p:nvSpPr>
         <p:spPr bwMode="auto">
           <a:xfrm>
-            <a:off x="4248150" y="948530"/>
-            <a:ext cx="22098000" cy="2862322"/>
+            <a:off x="4248150" y="745667"/>
+            <a:ext cx="22098000" cy="2554545"/>
           </a:xfrm>
           <a:prstGeom prst="rect">
             <a:avLst/>
@@ -1774,31 +1679,21 @@
               </a:spcBef>
             </a:pPr>
             <a:r>
-              <a:rPr lang="en-US" sz="9000" b="1" dirty="0"/>
-              <a:t>Development of an Integrated </a:t>
-            </a:r>
-            <a:r>
-              <a:rPr lang="en-US" sz="9000" b="1" dirty="0" smtClean="0"/>
-              <a:t>Modular</a:t>
-            </a:r>
-            <a:r>
-              <a:rPr lang="tr-TR" sz="9000" b="1" dirty="0"/>
-              <a:t/>
+              <a:rPr lang="en-US" sz="8000" b="1" dirty="0" smtClean="0">
+                <a:latin typeface="+mj-lt"/>
+              </a:rPr>
+              <a:t>Development of an Integrated Modular</a:t>
             </a:r>
             <a:br>
-              <a:rPr lang="tr-TR" sz="9000" b="1" dirty="0"/>
+              <a:rPr lang="en-US" sz="8000" b="1" dirty="0" smtClean="0">
+                <a:latin typeface="+mj-lt"/>
+              </a:rPr>
             </a:br>
             <a:r>
-              <a:rPr lang="en-US" sz="9000" b="1" dirty="0" smtClean="0"/>
-              <a:t>Motor </a:t>
-            </a:r>
-            <a:r>
-              <a:rPr lang="en-US" sz="9000" b="1" dirty="0"/>
-              <a:t>Drive (IMMD) </a:t>
-            </a:r>
-            <a:r>
-              <a:rPr lang="en-US" sz="9000" b="1" dirty="0" smtClean="0"/>
-              <a:t>System</a:t>
+              <a:rPr lang="en-US" sz="8000" b="1" dirty="0" smtClean="0">
+                <a:latin typeface="+mj-lt"/>
+              </a:rPr>
+              <a:t>Motor Drive (IMMD) System</a:t>
             </a:r>
           </a:p>
         </p:txBody>
@@ -1813,8 +1708,8 @@
         </p:nvSpPr>
         <p:spPr bwMode="auto">
           <a:xfrm>
-            <a:off x="4029075" y="8383548"/>
-            <a:ext cx="7372350" cy="1015663"/>
+            <a:off x="1057275" y="8383548"/>
+            <a:ext cx="13087350" cy="1015663"/>
           </a:xfrm>
           <a:prstGeom prst="rect">
             <a:avLst/>
@@ -1829,12 +1724,12 @@
           <a:effectLst/>
         </p:spPr>
         <p:txBody>
-          <a:bodyPr>
+          <a:bodyPr wrap="square">
             <a:spAutoFit/>
           </a:bodyPr>
           <a:lstStyle/>
           <a:p>
-            <a:pPr defTabSz="4389438">
+            <a:pPr algn="l" defTabSz="4389438">
               <a:spcBef>
                 <a:spcPct val="50000"/>
               </a:spcBef>
@@ -1860,8 +1755,8 @@
         </p:nvSpPr>
         <p:spPr bwMode="auto">
           <a:xfrm>
-            <a:off x="4133850" y="4228249"/>
-            <a:ext cx="22098000" cy="2862322"/>
+            <a:off x="4133850" y="3686159"/>
+            <a:ext cx="22098000" cy="3631763"/>
           </a:xfrm>
           <a:prstGeom prst="rect">
             <a:avLst/>
@@ -1887,11 +1782,11 @@
               </a:spcBef>
             </a:pPr>
             <a:r>
-              <a:rPr lang="en-US" sz="7000" b="1" dirty="0" smtClean="0">
-                <a:latin typeface="Times New Roman" panose="02020603050405020304" pitchFamily="18" charset="0"/>
+              <a:rPr lang="en-US" sz="6000" b="1" dirty="0" smtClean="0">
+                <a:latin typeface="+mj-lt"/>
                 <a:cs typeface="Times New Roman" panose="02020603050405020304" pitchFamily="18" charset="0"/>
               </a:rPr>
-              <a:t>Mesut Uğur		Ozan Keysan</a:t>
+              <a:t>Mesut Uğur	                            	Ozan Keysan</a:t>
             </a:r>
           </a:p>
           <a:p>
@@ -1901,11 +1796,34 @@
               </a:spcBef>
             </a:pPr>
             <a:r>
-              <a:rPr lang="en-US" sz="5000" i="1" dirty="0" smtClean="0">
+              <a:rPr lang="en-US" sz="4000" b="1" dirty="0" smtClean="0">
+                <a:latin typeface="Times New Roman" panose="02020603050405020304" pitchFamily="18" charset="0"/>
+                <a:cs typeface="Times New Roman" panose="02020603050405020304" pitchFamily="18" charset="0"/>
+                <a:hlinkClick r:id="rId3"/>
+              </a:rPr>
+              <a:t>ugurm@metu.edu.tr</a:t>
+            </a:r>
+            <a:r>
+              <a:rPr lang="en-US" sz="4000" b="1" dirty="0" smtClean="0">
                 <a:latin typeface="Times New Roman" panose="02020603050405020304" pitchFamily="18" charset="0"/>
                 <a:cs typeface="Times New Roman" panose="02020603050405020304" pitchFamily="18" charset="0"/>
               </a:rPr>
-              <a:t>Department of Electrical and Electronics Engineering</a:t>
+              <a:t>  		   </a:t>
+            </a:r>
+            <a:r>
+              <a:rPr lang="en-US" sz="4000" b="1" dirty="0" smtClean="0">
+                <a:latin typeface="Times New Roman" panose="02020603050405020304" pitchFamily="18" charset="0"/>
+                <a:cs typeface="Times New Roman" panose="02020603050405020304" pitchFamily="18" charset="0"/>
+                <a:hlinkClick r:id="rId4"/>
+              </a:rPr>
+              <a:t>keysan@metu.edu.tr</a:t>
+            </a:r>
+            <a:r>
+              <a:rPr lang="en-US" sz="4000" b="1" dirty="0" smtClean="0">
+                <a:latin typeface="Times New Roman" panose="02020603050405020304" pitchFamily="18" charset="0"/>
+                <a:cs typeface="Times New Roman" panose="02020603050405020304" pitchFamily="18" charset="0"/>
+              </a:rPr>
+              <a:t> </a:t>
             </a:r>
           </a:p>
           <a:p>
@@ -1914,15 +1832,40 @@
                 <a:spcPts val="600"/>
               </a:spcBef>
             </a:pPr>
-            <a:r>
-              <a:rPr lang="en-US" sz="5000" i="1" dirty="0" smtClean="0">
-                <a:latin typeface="Times New Roman" panose="02020603050405020304" pitchFamily="18" charset="0"/>
+            <a:endParaRPr lang="en-US" sz="3000" i="1" dirty="0" smtClean="0">
+              <a:latin typeface="+mn-lt"/>
+              <a:cs typeface="Times New Roman" panose="02020603050405020304" pitchFamily="18" charset="0"/>
+            </a:endParaRPr>
+          </a:p>
+          <a:p>
+            <a:pPr defTabSz="4389438">
+              <a:spcBef>
+                <a:spcPts val="600"/>
+              </a:spcBef>
+            </a:pPr>
+            <a:r>
+              <a:rPr lang="en-US" sz="4000" i="1" dirty="0" smtClean="0">
+                <a:latin typeface="+mn-lt"/>
+                <a:cs typeface="Times New Roman" panose="02020603050405020304" pitchFamily="18" charset="0"/>
+              </a:rPr>
+              <a:t>Department of Electrical and Electronics Engineering</a:t>
+            </a:r>
+          </a:p>
+          <a:p>
+            <a:pPr defTabSz="4389438">
+              <a:spcBef>
+                <a:spcPts val="600"/>
+              </a:spcBef>
+            </a:pPr>
+            <a:r>
+              <a:rPr lang="en-US" sz="4000" i="1" dirty="0" smtClean="0">
+                <a:latin typeface="+mn-lt"/>
                 <a:cs typeface="Times New Roman" panose="02020603050405020304" pitchFamily="18" charset="0"/>
               </a:rPr>
               <a:t>Middle East Technical University</a:t>
             </a:r>
-            <a:endParaRPr lang="en-US" sz="5000" i="1" dirty="0">
-              <a:latin typeface="Times New Roman" panose="02020603050405020304" pitchFamily="18" charset="0"/>
+            <a:endParaRPr lang="en-US" sz="4000" i="1" dirty="0">
+              <a:latin typeface="+mn-lt"/>
               <a:cs typeface="Times New Roman" panose="02020603050405020304" pitchFamily="18" charset="0"/>
             </a:endParaRPr>
           </a:p>
@@ -1980,7 +1923,7 @@
               <a:buNone/>
               <a:tabLst/>
             </a:pPr>
-            <a:endParaRPr kumimoji="0" lang="en-US" sz="8600" b="0" i="0" u="none" strike="noStrike" cap="none" normalizeH="0" baseline="0" smtClean="0">
+            <a:endParaRPr kumimoji="0" lang="en-US" sz="8600" b="0" i="0" u="none" strike="noStrike" cap="none" normalizeH="0" baseline="0" dirty="0" smtClean="0">
               <a:ln>
                 <a:noFill/>
               </a:ln>
@@ -2016,44 +1959,12 @@
           <a:lstStyle/>
           <a:p>
             <a:r>
-              <a:rPr lang="tr-TR" sz="3000" dirty="0" smtClean="0">
-                <a:solidFill>
-                  <a:srgbClr val="FFFF00"/>
-                </a:solidFill>
-              </a:rPr>
-              <a:t>EEE </a:t>
-            </a:r>
-            <a:r>
               <a:rPr lang="en-US" sz="3000" dirty="0" smtClean="0">
                 <a:solidFill>
                   <a:srgbClr val="FFFF00"/>
                 </a:solidFill>
               </a:rPr>
-              <a:t>Graduate</a:t>
-            </a:r>
-            <a:r>
-              <a:rPr lang="tr-TR" sz="3000" dirty="0" smtClean="0">
-                <a:solidFill>
-                  <a:srgbClr val="FFFF00"/>
-                </a:solidFill>
-              </a:rPr>
-              <a:t> </a:t>
-            </a:r>
-            <a:r>
-              <a:rPr lang="en-US" sz="3000" dirty="0" smtClean="0">
-                <a:solidFill>
-                  <a:srgbClr val="FFFF00"/>
-                </a:solidFill>
-              </a:rPr>
-              <a:t>Research</a:t>
-            </a:r>
-            <a:r>
-              <a:rPr lang="tr-TR" sz="3000" dirty="0" smtClean="0">
-                <a:solidFill>
-                  <a:srgbClr val="FFFF00"/>
-                </a:solidFill>
-              </a:rPr>
-              <a:t> Workshop 2017</a:t>
+              <a:t>EEE Graduate Research Workshop 2017</a:t>
             </a:r>
             <a:endParaRPr lang="en-US" sz="3000" dirty="0">
               <a:solidFill>
@@ -2072,7 +1983,7 @@
           <p:nvPr/>
         </p:nvPicPr>
         <p:blipFill rotWithShape="1">
-          <a:blip r:embed="rId3" cstate="print">
+          <a:blip r:embed="rId5" cstate="print">
             <a:extLst>
               <a:ext uri="{28A0092B-C50C-407E-A947-70E740481C1C}">
                 <a14:useLocalDpi xmlns:a14="http://schemas.microsoft.com/office/drawing/2010/main" val="0"/>
@@ -2102,8 +2013,8 @@
         </p:nvSpPr>
         <p:spPr bwMode="auto">
           <a:xfrm>
-            <a:off x="1685925" y="16470626"/>
-            <a:ext cx="11830050" cy="1015663"/>
+            <a:off x="1070057" y="19961888"/>
+            <a:ext cx="13112917" cy="1015663"/>
           </a:xfrm>
           <a:prstGeom prst="rect">
             <a:avLst/>
@@ -2123,13 +2034,13 @@
           </a:bodyPr>
           <a:lstStyle/>
           <a:p>
-            <a:pPr defTabSz="4389438">
+            <a:pPr algn="l" defTabSz="4389438">
               <a:spcBef>
                 <a:spcPct val="50000"/>
               </a:spcBef>
             </a:pPr>
             <a:r>
-              <a:rPr lang="tr-TR" sz="6000" b="1" dirty="0" err="1" smtClean="0">
+              <a:rPr lang="en-US" sz="6000" b="1" dirty="0" smtClean="0">
                 <a:solidFill>
                   <a:srgbClr val="003399"/>
                 </a:solidFill>
@@ -2154,8 +2065,8 @@
         </p:nvSpPr>
         <p:spPr bwMode="auto">
           <a:xfrm>
-            <a:off x="1685925" y="29079982"/>
-            <a:ext cx="11830050" cy="1015663"/>
+            <a:off x="1032738" y="28899905"/>
+            <a:ext cx="13087351" cy="1015663"/>
           </a:xfrm>
           <a:prstGeom prst="rect">
             <a:avLst/>
@@ -2175,13 +2086,13 @@
           </a:bodyPr>
           <a:lstStyle/>
           <a:p>
-            <a:pPr defTabSz="4389438">
+            <a:pPr algn="l" defTabSz="4389438">
               <a:spcBef>
                 <a:spcPct val="50000"/>
               </a:spcBef>
             </a:pPr>
             <a:r>
-              <a:rPr lang="tr-TR" sz="6000" b="1" dirty="0" err="1" smtClean="0">
+              <a:rPr lang="en-US" sz="6000" b="1" dirty="0" smtClean="0">
                 <a:solidFill>
                   <a:srgbClr val="003399"/>
                 </a:solidFill>
@@ -2206,8 +2117,8 @@
         </p:nvSpPr>
         <p:spPr bwMode="auto">
           <a:xfrm>
-            <a:off x="1082842" y="17618208"/>
-            <a:ext cx="13087350" cy="5632311"/>
+            <a:off x="1057273" y="21032214"/>
+            <a:ext cx="6294053" cy="3400931"/>
           </a:xfrm>
           <a:prstGeom prst="rect">
             <a:avLst/>
@@ -2228,116 +2139,38 @@
           <a:lstStyle/>
           <a:p>
             <a:r>
-              <a:rPr lang="tr-TR" sz="4000" dirty="0" err="1"/>
-              <a:t>Motivation</a:t>
-            </a:r>
-            <a:r>
-              <a:rPr lang="tr-TR" sz="4000" dirty="0"/>
-              <a:t> </a:t>
-            </a:r>
-            <a:r>
-              <a:rPr lang="tr-TR" sz="4000" dirty="0" err="1"/>
-              <a:t>behind</a:t>
-            </a:r>
-            <a:r>
-              <a:rPr lang="tr-TR" sz="4000" dirty="0"/>
-              <a:t> </a:t>
-            </a:r>
-            <a:r>
-              <a:rPr lang="tr-TR" sz="4000" dirty="0" err="1"/>
-              <a:t>integration</a:t>
-            </a:r>
-            <a:endParaRPr lang="tr-TR" sz="4000" dirty="0"/>
-          </a:p>
-          <a:p>
-            <a:r>
-              <a:rPr lang="tr-TR" sz="4000" dirty="0" err="1"/>
-              <a:t>Motivation</a:t>
-            </a:r>
-            <a:r>
-              <a:rPr lang="tr-TR" sz="4000" dirty="0"/>
-              <a:t> </a:t>
-            </a:r>
-            <a:r>
-              <a:rPr lang="tr-TR" sz="4000" dirty="0" err="1"/>
-              <a:t>behind</a:t>
-            </a:r>
-            <a:r>
-              <a:rPr lang="tr-TR" sz="4000" dirty="0"/>
-              <a:t> </a:t>
-            </a:r>
-            <a:r>
-              <a:rPr lang="tr-TR" sz="4000" dirty="0" err="1"/>
-              <a:t>modularization</a:t>
-            </a:r>
-            <a:endParaRPr lang="tr-TR" sz="4000" dirty="0"/>
-          </a:p>
-          <a:p>
-            <a:r>
-              <a:rPr lang="tr-TR" sz="4000" dirty="0" err="1"/>
-              <a:t>Advantages</a:t>
-            </a:r>
-            <a:r>
-              <a:rPr lang="tr-TR" sz="4000" dirty="0"/>
-              <a:t> of </a:t>
-            </a:r>
-            <a:r>
-              <a:rPr lang="tr-TR" sz="4000" dirty="0" err="1"/>
-              <a:t>IMMDs</a:t>
-            </a:r>
-            <a:endParaRPr lang="tr-TR" sz="4000" dirty="0"/>
-          </a:p>
-          <a:p>
-            <a:r>
-              <a:rPr lang="tr-TR" sz="4000" dirty="0"/>
-              <a:t>Critical </a:t>
-            </a:r>
-            <a:r>
-              <a:rPr lang="tr-TR" sz="4000" dirty="0" err="1" smtClean="0"/>
-              <a:t>applications</a:t>
-            </a:r>
-            <a:endParaRPr lang="tr-TR" sz="4000" dirty="0" smtClean="0"/>
-          </a:p>
-          <a:p>
-            <a:endParaRPr lang="tr-TR" sz="4000" dirty="0" smtClean="0">
-              <a:latin typeface="+mj-lt"/>
-            </a:endParaRPr>
-          </a:p>
-          <a:p>
-            <a:r>
-              <a:rPr lang="en-US" sz="4000" dirty="0"/>
-              <a:t>power density of the overall system can be enhanced</a:t>
-            </a:r>
-            <a:endParaRPr lang="tr-TR" sz="4000" dirty="0">
-              <a:latin typeface="+mj-lt"/>
-            </a:endParaRPr>
-          </a:p>
-          <a:p>
-            <a:r>
-              <a:rPr lang="en-US" sz="4000" dirty="0"/>
-              <a:t> fault </a:t>
-            </a:r>
-            <a:r>
-              <a:rPr lang="en-US" sz="4000" dirty="0" smtClean="0"/>
-              <a:t>tolerance</a:t>
-            </a:r>
-            <a:endParaRPr lang="tr-TR" sz="4000" dirty="0" smtClean="0"/>
-          </a:p>
-          <a:p>
-            <a:r>
-              <a:rPr lang="en-US" sz="4000" dirty="0"/>
-              <a:t>voltage stress </a:t>
-            </a:r>
-            <a:endParaRPr lang="tr-TR" sz="4000" dirty="0" smtClean="0"/>
-          </a:p>
-          <a:p>
-            <a:r>
-              <a:rPr lang="en-US" sz="4000" dirty="0"/>
-              <a:t>heat dissipation</a:t>
-            </a:r>
-            <a:endParaRPr lang="en-US" sz="4000" dirty="0">
-              <a:latin typeface="+mj-lt"/>
-            </a:endParaRPr>
+              <a:rPr lang="tr-TR" sz="4000" b="1" dirty="0" smtClean="0"/>
+              <a:t>Integration</a:t>
+            </a:r>
+            <a:endParaRPr lang="en-US" sz="4000" dirty="0" smtClean="0"/>
+          </a:p>
+          <a:p>
+            <a:pPr marL="571500" indent="-571500" algn="l">
+              <a:buFont typeface="Wingdings" panose="05000000000000000000" pitchFamily="2" charset="2"/>
+              <a:buChar char="ü"/>
+            </a:pPr>
+            <a:r>
+              <a:rPr lang="en-US" sz="3500" b="1" dirty="0" smtClean="0"/>
+              <a:t>Power density </a:t>
+            </a:r>
+            <a:r>
+              <a:rPr lang="en-US" sz="3500" dirty="0" smtClean="0"/>
+              <a:t>of the overall system is enhanced significantly.</a:t>
+            </a:r>
+          </a:p>
+          <a:p>
+            <a:pPr marL="571500" indent="-571500" algn="l">
+              <a:buFont typeface="Wingdings" panose="05000000000000000000" pitchFamily="2" charset="2"/>
+              <a:buChar char="ü"/>
+            </a:pPr>
+            <a:r>
+              <a:rPr lang="en-US" sz="3500" b="1" dirty="0" smtClean="0"/>
+              <a:t>Voltage overshoots </a:t>
+            </a:r>
+            <a:r>
+              <a:rPr lang="en-US" sz="3500" dirty="0" smtClean="0"/>
+              <a:t>due to cabling effect is eliminated. </a:t>
+            </a:r>
           </a:p>
         </p:txBody>
       </p:sp>
@@ -2351,8 +2184,8 @@
         </p:nvSpPr>
         <p:spPr bwMode="auto">
           <a:xfrm>
-            <a:off x="1082842" y="30403272"/>
-            <a:ext cx="13087350" cy="3170099"/>
+            <a:off x="1049649" y="30135790"/>
+            <a:ext cx="13516810" cy="2785378"/>
           </a:xfrm>
           <a:prstGeom prst="rect">
             <a:avLst/>
@@ -2372,192 +2205,39 @@
           </a:bodyPr>
           <a:lstStyle/>
           <a:p>
-            <a:r>
-              <a:rPr lang="en-US" sz="4000" dirty="0"/>
-              <a:t>Fitting into a small volume</a:t>
-            </a:r>
-          </a:p>
-          <a:p>
-            <a:r>
-              <a:rPr lang="tr-TR" sz="4000" dirty="0" err="1"/>
-              <a:t>Subject</a:t>
-            </a:r>
-            <a:r>
-              <a:rPr lang="tr-TR" sz="4000" dirty="0"/>
-              <a:t> </a:t>
-            </a:r>
-            <a:r>
-              <a:rPr lang="tr-TR" sz="4000" dirty="0" err="1"/>
-              <a:t>to</a:t>
-            </a:r>
-            <a:r>
-              <a:rPr lang="tr-TR" sz="4000" dirty="0"/>
-              <a:t> </a:t>
-            </a:r>
-            <a:r>
-              <a:rPr lang="tr-TR" sz="4000" dirty="0" err="1"/>
-              <a:t>vibration</a:t>
-            </a:r>
-            <a:r>
-              <a:rPr lang="tr-TR" sz="4000" dirty="0"/>
-              <a:t> &amp; </a:t>
-            </a:r>
-            <a:r>
-              <a:rPr lang="tr-TR" sz="4000" dirty="0" err="1"/>
-              <a:t>temperature</a:t>
-            </a:r>
-            <a:endParaRPr lang="tr-TR" sz="4000" dirty="0"/>
-          </a:p>
-          <a:p>
-            <a:r>
-              <a:rPr lang="tr-TR" sz="4000" dirty="0"/>
-              <a:t>WBG </a:t>
-            </a:r>
-            <a:r>
-              <a:rPr lang="tr-TR" sz="4000" dirty="0" err="1"/>
-              <a:t>devices</a:t>
-            </a:r>
-            <a:r>
-              <a:rPr lang="tr-TR" sz="4000" dirty="0"/>
-              <a:t>: </a:t>
-            </a:r>
-            <a:r>
-              <a:rPr lang="tr-TR" sz="4000" dirty="0" err="1"/>
-              <a:t>address</a:t>
-            </a:r>
-            <a:endParaRPr lang="tr-TR" sz="4000" dirty="0"/>
-          </a:p>
-          <a:p>
-            <a:r>
-              <a:rPr lang="tr-TR" sz="4000" dirty="0" err="1"/>
-              <a:t>Parasitic</a:t>
-            </a:r>
-            <a:r>
-              <a:rPr lang="tr-TR" sz="4000" dirty="0"/>
-              <a:t> </a:t>
-            </a:r>
-            <a:r>
-              <a:rPr lang="tr-TR" sz="4000" dirty="0" err="1"/>
-              <a:t>problems</a:t>
-            </a:r>
-            <a:endParaRPr lang="tr-TR" sz="4000" dirty="0"/>
-          </a:p>
-          <a:p>
-            <a:r>
-              <a:rPr lang="tr-TR" sz="4000" dirty="0" err="1"/>
-              <a:t>Careful</a:t>
-            </a:r>
-            <a:r>
-              <a:rPr lang="tr-TR" sz="4000" dirty="0"/>
-              <a:t> </a:t>
-            </a:r>
-            <a:r>
-              <a:rPr lang="tr-TR" sz="4000" dirty="0" err="1"/>
-              <a:t>layout</a:t>
-            </a:r>
-            <a:r>
-              <a:rPr lang="tr-TR" sz="4000" dirty="0"/>
-              <a:t> </a:t>
-            </a:r>
-            <a:r>
-              <a:rPr lang="tr-TR" sz="4000" dirty="0" err="1"/>
-              <a:t>design</a:t>
-            </a:r>
-            <a:endParaRPr lang="en-US" sz="4000" dirty="0">
-              <a:latin typeface="+mj-lt"/>
-            </a:endParaRPr>
-          </a:p>
-        </p:txBody>
-      </p:sp>
-      <p:sp>
-        <p:nvSpPr>
-          <p:cNvPr id="57" name="Text Box 9"/>
-          <p:cNvSpPr txBox="1">
-            <a:spLocks noChangeArrowheads="1"/>
-          </p:cNvSpPr>
-          <p:nvPr/>
-        </p:nvSpPr>
-        <p:spPr bwMode="auto">
-          <a:xfrm>
-            <a:off x="16087725" y="9530677"/>
-            <a:ext cx="13087350" cy="3170099"/>
-          </a:xfrm>
-          <a:prstGeom prst="rect">
-            <a:avLst/>
-          </a:prstGeom>
-          <a:noFill/>
-          <a:ln w="9525">
-            <a:noFill/>
-            <a:miter lim="800000"/>
-            <a:headEnd/>
-            <a:tailEnd/>
-          </a:ln>
-          <a:effectLst/>
-        </p:spPr>
-        <p:txBody>
-          <a:bodyPr wrap="square">
-            <a:spAutoFit/>
-          </a:bodyPr>
-          <a:lstStyle/>
-          <a:p>
-            <a:r>
-              <a:rPr lang="tr-TR" sz="4000" dirty="0" err="1"/>
-              <a:t>Large</a:t>
-            </a:r>
-            <a:r>
-              <a:rPr lang="tr-TR" sz="4000" dirty="0"/>
-              <a:t> </a:t>
-            </a:r>
-            <a:r>
-              <a:rPr lang="tr-TR" sz="4000" dirty="0" err="1"/>
-              <a:t>volume</a:t>
-            </a:r>
-            <a:r>
-              <a:rPr lang="tr-TR" sz="4000" dirty="0"/>
-              <a:t>/</a:t>
-            </a:r>
-            <a:r>
-              <a:rPr lang="tr-TR" sz="4000" dirty="0" err="1"/>
-              <a:t>cost</a:t>
-            </a:r>
-            <a:endParaRPr lang="tr-TR" sz="4000" dirty="0"/>
-          </a:p>
-          <a:p>
-            <a:r>
-              <a:rPr lang="tr-TR" sz="4000" dirty="0"/>
-              <a:t>Model</a:t>
-            </a:r>
-          </a:p>
-          <a:p>
-            <a:r>
-              <a:rPr lang="tr-TR" sz="4000" dirty="0" err="1"/>
-              <a:t>Algorithm</a:t>
-            </a:r>
-            <a:endParaRPr lang="tr-TR" sz="4000" dirty="0"/>
-          </a:p>
-          <a:p>
-            <a:r>
-              <a:rPr lang="tr-TR" sz="4000" dirty="0" err="1"/>
-              <a:t>Effect</a:t>
-            </a:r>
-            <a:r>
-              <a:rPr lang="tr-TR" sz="4000" dirty="0"/>
-              <a:t> of </a:t>
-            </a:r>
-            <a:r>
-              <a:rPr lang="tr-TR" sz="4000" dirty="0" err="1"/>
-              <a:t>Interleaving</a:t>
-            </a:r>
-            <a:endParaRPr lang="tr-TR" sz="4000" dirty="0"/>
-          </a:p>
-          <a:p>
-            <a:r>
-              <a:rPr lang="tr-TR" sz="4000" dirty="0" err="1"/>
-              <a:t>Results</a:t>
-            </a:r>
-            <a:endParaRPr lang="en-US" sz="4000" dirty="0">
-              <a:latin typeface="+mj-lt"/>
-            </a:endParaRPr>
+            <a:pPr marL="571500" indent="-571500" algn="l">
+              <a:buFont typeface="Wingdings" panose="05000000000000000000" pitchFamily="2" charset="2"/>
+              <a:buChar char="v"/>
+            </a:pPr>
+            <a:r>
+              <a:rPr lang="en-US" sz="3500" dirty="0" smtClean="0"/>
+              <a:t>Fitting into a small volume requires size reduction and optimum placement of components.</a:t>
+            </a:r>
+          </a:p>
+          <a:p>
+            <a:pPr marL="571500" indent="-571500" algn="l">
+              <a:buFont typeface="Wingdings" panose="05000000000000000000" pitchFamily="2" charset="2"/>
+              <a:buChar char="v"/>
+            </a:pPr>
+            <a:r>
+              <a:rPr lang="en-US" sz="3500" dirty="0" smtClean="0"/>
+              <a:t>Cooling of both units should be achieved simultaneously</a:t>
+            </a:r>
+            <a:r>
+              <a:rPr lang="tr-TR" sz="3500" dirty="0" smtClean="0"/>
+              <a:t>.</a:t>
+            </a:r>
+            <a:endParaRPr lang="en-US" sz="3500" dirty="0" smtClean="0"/>
+          </a:p>
+          <a:p>
+            <a:pPr marL="571500" indent="-571500" algn="l">
+              <a:buFont typeface="Wingdings" panose="05000000000000000000" pitchFamily="2" charset="2"/>
+              <a:buChar char="v"/>
+            </a:pPr>
+            <a:r>
+              <a:rPr lang="en-US" sz="3500" dirty="0" smtClean="0"/>
+              <a:t>Power and control electronics components are subjected to high temperature and vibration</a:t>
+            </a:r>
           </a:p>
         </p:txBody>
       </p:sp>
@@ -2598,36 +2278,12 @@
               </a:spcBef>
             </a:pPr>
             <a:r>
-              <a:rPr lang="tr-TR" sz="6000" b="1" dirty="0" smtClean="0">
+              <a:rPr lang="en-US" sz="6000" b="1" dirty="0" smtClean="0">
                 <a:solidFill>
                   <a:srgbClr val="003399"/>
                 </a:solidFill>
               </a:rPr>
-              <a:t>DC link </a:t>
-            </a:r>
-            <a:r>
-              <a:rPr lang="tr-TR" sz="6000" b="1" dirty="0" err="1" smtClean="0">
-                <a:solidFill>
-                  <a:srgbClr val="003399"/>
-                </a:solidFill>
-              </a:rPr>
-              <a:t>capacitor</a:t>
-            </a:r>
-            <a:r>
-              <a:rPr lang="tr-TR" sz="6000" b="1" dirty="0" smtClean="0">
-                <a:solidFill>
-                  <a:srgbClr val="003399"/>
-                </a:solidFill>
-              </a:rPr>
-              <a:t> </a:t>
-            </a:r>
-            <a:r>
-              <a:rPr lang="tr-TR" sz="6000" b="1" dirty="0" err="1" smtClean="0">
-                <a:solidFill>
-                  <a:srgbClr val="003399"/>
-                </a:solidFill>
-              </a:rPr>
-              <a:t>optimization</a:t>
+              <a:t>DC link capacitor optimization</a:t>
             </a:r>
             <a:endParaRPr lang="en-US" sz="6000" b="1" dirty="0">
               <a:solidFill>
@@ -2647,8 +2303,8 @@
         </p:nvSpPr>
         <p:spPr bwMode="auto">
           <a:xfrm>
-            <a:off x="16719383" y="18774457"/>
-            <a:ext cx="11830050" cy="1015663"/>
+            <a:off x="16111537" y="24986309"/>
+            <a:ext cx="13115925" cy="1015663"/>
           </a:xfrm>
           <a:prstGeom prst="rect">
             <a:avLst/>
@@ -2668,13 +2324,13 @@
           </a:bodyPr>
           <a:lstStyle/>
           <a:p>
-            <a:pPr defTabSz="4389438">
+            <a:pPr algn="l" defTabSz="4389438">
               <a:spcBef>
                 <a:spcPct val="50000"/>
               </a:spcBef>
             </a:pPr>
             <a:r>
-              <a:rPr lang="tr-TR" sz="6000" b="1" dirty="0" smtClean="0">
+              <a:rPr lang="en-US" sz="6000" b="1" dirty="0" smtClean="0">
                 <a:solidFill>
                   <a:srgbClr val="003399"/>
                 </a:solidFill>
@@ -2699,8 +2355,8 @@
         </p:nvSpPr>
         <p:spPr bwMode="auto">
           <a:xfrm>
-            <a:off x="16719383" y="31248827"/>
-            <a:ext cx="11830050" cy="1015663"/>
+            <a:off x="16087723" y="33573371"/>
+            <a:ext cx="13087351" cy="1015663"/>
           </a:xfrm>
           <a:prstGeom prst="rect">
             <a:avLst/>
@@ -2720,13 +2376,13 @@
           </a:bodyPr>
           <a:lstStyle/>
           <a:p>
-            <a:pPr defTabSz="4389438">
+            <a:pPr algn="l" defTabSz="4389438">
               <a:spcBef>
                 <a:spcPct val="50000"/>
               </a:spcBef>
             </a:pPr>
             <a:r>
-              <a:rPr lang="tr-TR" sz="6000" b="1" dirty="0" err="1" smtClean="0">
+              <a:rPr lang="en-US" sz="6000" b="1" dirty="0" smtClean="0">
                 <a:solidFill>
                   <a:srgbClr val="003399"/>
                 </a:solidFill>
@@ -2751,7 +2407,7 @@
         </p:nvSpPr>
         <p:spPr bwMode="auto">
           <a:xfrm>
-            <a:off x="16116300" y="19878008"/>
+            <a:off x="16087723" y="27152395"/>
             <a:ext cx="13087350" cy="3170099"/>
           </a:xfrm>
           <a:prstGeom prst="rect">
@@ -2772,58 +2428,38 @@
           </a:bodyPr>
           <a:lstStyle/>
           <a:p>
-            <a:r>
-              <a:rPr lang="tr-TR" sz="4000" dirty="0" err="1"/>
-              <a:t>Fractional</a:t>
-            </a:r>
-            <a:r>
-              <a:rPr lang="tr-TR" sz="4000" dirty="0"/>
-              <a:t> </a:t>
-            </a:r>
-            <a:r>
-              <a:rPr lang="tr-TR" sz="4000" dirty="0" err="1"/>
-              <a:t>slot</a:t>
-            </a:r>
-            <a:r>
-              <a:rPr lang="tr-TR" sz="4000" dirty="0"/>
-              <a:t> </a:t>
-            </a:r>
-            <a:r>
-              <a:rPr lang="tr-TR" sz="4000" dirty="0" err="1"/>
-              <a:t>machines</a:t>
-            </a:r>
-            <a:endParaRPr lang="tr-TR" sz="4000" dirty="0"/>
-          </a:p>
-          <a:p>
-            <a:r>
-              <a:rPr lang="tr-TR" sz="4000" dirty="0" err="1"/>
-              <a:t>Frameless</a:t>
-            </a:r>
-            <a:r>
-              <a:rPr lang="tr-TR" sz="4000" dirty="0"/>
-              <a:t> motor</a:t>
-            </a:r>
-          </a:p>
-          <a:p>
-            <a:r>
-              <a:rPr lang="tr-TR" sz="4000" dirty="0"/>
+            <a:pPr algn="l"/>
+            <a:r>
+              <a:rPr lang="en-US" sz="4000" dirty="0" smtClean="0"/>
+              <a:t>Fractional slot machines</a:t>
+            </a:r>
+          </a:p>
+          <a:p>
+            <a:pPr algn="l"/>
+            <a:r>
+              <a:rPr lang="en-US" sz="4000" dirty="0" smtClean="0"/>
+              <a:t>Frameless motor</a:t>
+            </a:r>
+          </a:p>
+          <a:p>
+            <a:pPr algn="l"/>
+            <a:r>
+              <a:rPr lang="en-US" sz="4000" dirty="0" smtClean="0"/>
               <a:t>Modular PCB</a:t>
             </a:r>
           </a:p>
           <a:p>
-            <a:r>
-              <a:rPr lang="tr-TR" sz="4000" dirty="0"/>
+            <a:pPr algn="l"/>
+            <a:r>
+              <a:rPr lang="en-US" sz="4000" dirty="0" smtClean="0"/>
               <a:t>GaN</a:t>
             </a:r>
           </a:p>
           <a:p>
-            <a:r>
-              <a:rPr lang="tr-TR" sz="4000" dirty="0"/>
-              <a:t>Master/</a:t>
-            </a:r>
-            <a:r>
-              <a:rPr lang="tr-TR" sz="4000" dirty="0" err="1"/>
-              <a:t>slave</a:t>
+            <a:pPr algn="l"/>
+            <a:r>
+              <a:rPr lang="en-US" sz="4000" dirty="0" smtClean="0"/>
+              <a:t>Master/slave</a:t>
             </a:r>
             <a:endParaRPr lang="en-US" sz="4000" dirty="0">
               <a:latin typeface="+mj-lt"/>
@@ -2841,7 +2477,7 @@
         </p:nvSpPr>
         <p:spPr bwMode="auto">
           <a:xfrm>
-            <a:off x="16116300" y="32495409"/>
+            <a:off x="16125825" y="34882791"/>
             <a:ext cx="13087350" cy="707886"/>
           </a:xfrm>
           <a:prstGeom prst="rect">
@@ -2862,29 +2498,10 @@
           </a:bodyPr>
           <a:lstStyle/>
           <a:p>
-            <a:r>
-              <a:rPr lang="tr-TR" sz="4000" dirty="0" smtClean="0"/>
-              <a:t>Here </a:t>
-            </a:r>
-            <a:r>
-              <a:rPr lang="tr-TR" sz="4000" dirty="0" err="1" smtClean="0"/>
-              <a:t>are</a:t>
-            </a:r>
-            <a:r>
-              <a:rPr lang="tr-TR" sz="4000" dirty="0" smtClean="0"/>
-              <a:t> </a:t>
-            </a:r>
-            <a:r>
-              <a:rPr lang="tr-TR" sz="4000" dirty="0" err="1" smtClean="0"/>
-              <a:t>my</a:t>
-            </a:r>
-            <a:r>
-              <a:rPr lang="tr-TR" sz="4000" dirty="0" smtClean="0"/>
-              <a:t> </a:t>
-            </a:r>
-            <a:r>
-              <a:rPr lang="tr-TR" sz="4000" dirty="0" err="1" smtClean="0"/>
-              <a:t>conclusions</a:t>
+            <a:pPr algn="l"/>
+            <a:r>
+              <a:rPr lang="en-US" sz="4000" dirty="0" smtClean="0"/>
+              <a:t>Here are my conclusions</a:t>
             </a:r>
             <a:endParaRPr lang="en-US" sz="4000" dirty="0">
               <a:latin typeface="+mj-lt"/>
@@ -2902,8 +2519,8 @@
         </p:nvSpPr>
         <p:spPr bwMode="auto">
           <a:xfrm>
-            <a:off x="16770517" y="36800650"/>
-            <a:ext cx="11830050" cy="1015663"/>
+            <a:off x="16087724" y="39289478"/>
+            <a:ext cx="13115925" cy="1015663"/>
           </a:xfrm>
           <a:prstGeom prst="rect">
             <a:avLst/>
@@ -2923,13 +2540,13 @@
           </a:bodyPr>
           <a:lstStyle/>
           <a:p>
-            <a:pPr defTabSz="4389438">
+            <a:pPr algn="l" defTabSz="4389438">
               <a:spcBef>
                 <a:spcPct val="50000"/>
               </a:spcBef>
             </a:pPr>
             <a:r>
-              <a:rPr lang="tr-TR" sz="6000" b="1" dirty="0" err="1" smtClean="0">
+              <a:rPr lang="en-US" sz="6000" b="1" dirty="0" smtClean="0">
                 <a:solidFill>
                   <a:srgbClr val="003399"/>
                 </a:solidFill>
@@ -2941,75 +2558,6 @@
                 <a:srgbClr val="003399"/>
               </a:solidFill>
             </a:endParaRPr>
-          </a:p>
-        </p:txBody>
-      </p:sp>
-      <p:sp>
-        <p:nvSpPr>
-          <p:cNvPr id="64" name="Text Box 9"/>
-          <p:cNvSpPr txBox="1">
-            <a:spLocks noChangeArrowheads="1"/>
-          </p:cNvSpPr>
-          <p:nvPr/>
-        </p:nvSpPr>
-        <p:spPr bwMode="auto">
-          <a:xfrm>
-            <a:off x="16116300" y="38220702"/>
-            <a:ext cx="13087350" cy="1323439"/>
-          </a:xfrm>
-          <a:prstGeom prst="rect">
-            <a:avLst/>
-          </a:prstGeom>
-          <a:noFill/>
-          <a:ln w="9525">
-            <a:noFill/>
-            <a:miter lim="800000"/>
-            <a:headEnd/>
-            <a:tailEnd/>
-          </a:ln>
-          <a:effectLst/>
-        </p:spPr>
-        <p:txBody>
-          <a:bodyPr wrap="square">
-            <a:spAutoFit/>
-          </a:bodyPr>
-          <a:lstStyle/>
-          <a:p>
-            <a:r>
-              <a:rPr lang="en-US" sz="4000" dirty="0"/>
-              <a:t>Fitting into a small volume</a:t>
-            </a:r>
-          </a:p>
-          <a:p>
-            <a:r>
-              <a:rPr lang="tr-TR" sz="4000" dirty="0" err="1"/>
-              <a:t>Subject</a:t>
-            </a:r>
-            <a:r>
-              <a:rPr lang="tr-TR" sz="4000" dirty="0"/>
-              <a:t> </a:t>
-            </a:r>
-            <a:r>
-              <a:rPr lang="tr-TR" sz="4000" dirty="0" err="1"/>
-              <a:t>to</a:t>
-            </a:r>
-            <a:r>
-              <a:rPr lang="tr-TR" sz="4000" dirty="0"/>
-              <a:t> </a:t>
-            </a:r>
-            <a:r>
-              <a:rPr lang="tr-TR" sz="4000" dirty="0" err="1"/>
-              <a:t>vibration</a:t>
-            </a:r>
-            <a:r>
-              <a:rPr lang="tr-TR" sz="4000" dirty="0"/>
-              <a:t> &amp; </a:t>
-            </a:r>
-            <a:r>
-              <a:rPr lang="tr-TR" sz="4000" dirty="0" err="1" smtClean="0"/>
-              <a:t>temperature</a:t>
-            </a:r>
-            <a:endParaRPr lang="tr-TR" sz="4000" dirty="0"/>
           </a:p>
         </p:txBody>
       </p:sp>
@@ -3022,7 +2570,7 @@
           <p:nvPr/>
         </p:nvPicPr>
         <p:blipFill rotWithShape="1">
-          <a:blip r:embed="rId4">
+          <a:blip r:embed="rId6">
             <a:extLst>
               <a:ext uri="{28A0092B-C50C-407E-A947-70E740481C1C}">
                 <a14:useLocalDpi xmlns:a14="http://schemas.microsoft.com/office/drawing/2010/main" val="0"/>
@@ -3044,34 +2592,853 @@
       </p:pic>
       <p:pic>
         <p:nvPicPr>
-          <p:cNvPr id="7" name="Picture 6"/>
+          <p:cNvPr id="29" name="Picture 28"/>
           <p:cNvPicPr>
             <a:picLocks noChangeAspect="1"/>
           </p:cNvPicPr>
           <p:nvPr/>
         </p:nvPicPr>
         <p:blipFill>
-          <a:blip r:embed="rId5">
+          <a:blip r:embed="rId7"/>
+          <a:stretch>
+            <a:fillRect/>
+          </a:stretch>
+        </p:blipFill>
+        <p:spPr>
+          <a:xfrm>
+            <a:off x="21366734" y="9767975"/>
+            <a:ext cx="8095013" cy="3244406"/>
+          </a:xfrm>
+          <a:prstGeom prst="rect">
+            <a:avLst/>
+          </a:prstGeom>
+        </p:spPr>
+      </p:pic>
+      <p:pic>
+        <p:nvPicPr>
+          <p:cNvPr id="9" name="Picture 8"/>
+          <p:cNvPicPr>
+            <a:picLocks noChangeAspect="1"/>
+          </p:cNvPicPr>
+          <p:nvPr/>
+        </p:nvPicPr>
+        <p:blipFill rotWithShape="1">
+          <a:blip r:embed="rId8"/>
+          <a:srcRect r="51470"/>
+          <a:stretch/>
+        </p:blipFill>
+        <p:spPr>
+          <a:xfrm>
+            <a:off x="863831" y="14360113"/>
+            <a:ext cx="6381678" cy="5457041"/>
+          </a:xfrm>
+          <a:prstGeom prst="rect">
+            <a:avLst/>
+          </a:prstGeom>
+        </p:spPr>
+      </p:pic>
+      <p:pic>
+        <p:nvPicPr>
+          <p:cNvPr id="11" name="Picture 10"/>
+          <p:cNvPicPr>
+            <a:picLocks noChangeAspect="1"/>
+          </p:cNvPicPr>
+          <p:nvPr/>
+        </p:nvPicPr>
+        <p:blipFill>
+          <a:blip r:embed="rId9"/>
+          <a:stretch>
+            <a:fillRect/>
+          </a:stretch>
+        </p:blipFill>
+        <p:spPr>
+          <a:xfrm>
+            <a:off x="23072731" y="13276185"/>
+            <a:ext cx="6358639" cy="6139449"/>
+          </a:xfrm>
+          <a:prstGeom prst="rect">
+            <a:avLst/>
+          </a:prstGeom>
+        </p:spPr>
+      </p:pic>
+      <p:pic>
+        <p:nvPicPr>
+          <p:cNvPr id="15" name="Picture 14"/>
+          <p:cNvPicPr>
+            <a:picLocks noChangeAspect="1"/>
+          </p:cNvPicPr>
+          <p:nvPr/>
+        </p:nvPicPr>
+        <p:blipFill>
+          <a:blip r:embed="rId10"/>
+          <a:stretch>
+            <a:fillRect/>
+          </a:stretch>
+        </p:blipFill>
+        <p:spPr>
+          <a:xfrm>
+            <a:off x="22220353" y="20350545"/>
+            <a:ext cx="7944740" cy="5690114"/>
+          </a:xfrm>
+          <a:prstGeom prst="rect">
+            <a:avLst/>
+          </a:prstGeom>
+        </p:spPr>
+      </p:pic>
+      <p:pic>
+        <p:nvPicPr>
+          <p:cNvPr id="16" name="Picture 15"/>
+          <p:cNvPicPr>
+            <a:picLocks noChangeAspect="1"/>
+          </p:cNvPicPr>
+          <p:nvPr/>
+        </p:nvPicPr>
+        <p:blipFill>
+          <a:blip r:embed="rId11"/>
+          <a:stretch>
+            <a:fillRect/>
+          </a:stretch>
+        </p:blipFill>
+        <p:spPr>
+          <a:xfrm>
+            <a:off x="15766624" y="18910303"/>
+            <a:ext cx="7365022" cy="5450961"/>
+          </a:xfrm>
+          <a:prstGeom prst="rect">
+            <a:avLst/>
+          </a:prstGeom>
+        </p:spPr>
+      </p:pic>
+      <p:pic>
+        <p:nvPicPr>
+          <p:cNvPr id="19" name="Picture 18"/>
+          <p:cNvPicPr>
+            <a:picLocks noChangeAspect="1"/>
+          </p:cNvPicPr>
+          <p:nvPr/>
+        </p:nvPicPr>
+        <p:blipFill>
+          <a:blip r:embed="rId12"/>
+          <a:stretch>
+            <a:fillRect/>
+          </a:stretch>
+        </p:blipFill>
+        <p:spPr>
+          <a:xfrm>
+            <a:off x="9166738" y="33235830"/>
+            <a:ext cx="4433016" cy="4164102"/>
+          </a:xfrm>
+          <a:prstGeom prst="rect">
+            <a:avLst/>
+          </a:prstGeom>
+        </p:spPr>
+      </p:pic>
+      <p:pic>
+        <p:nvPicPr>
+          <p:cNvPr id="25" name="Picture 24"/>
+          <p:cNvPicPr>
+            <a:picLocks noChangeAspect="1"/>
+          </p:cNvPicPr>
+          <p:nvPr/>
+        </p:nvPicPr>
+        <p:blipFill>
+          <a:blip r:embed="rId13"/>
+          <a:stretch>
+            <a:fillRect/>
+          </a:stretch>
+        </p:blipFill>
+        <p:spPr>
+          <a:xfrm>
+            <a:off x="8161453" y="24764591"/>
+            <a:ext cx="5772150" cy="3981450"/>
+          </a:xfrm>
+          <a:prstGeom prst="rect">
+            <a:avLst/>
+          </a:prstGeom>
+        </p:spPr>
+      </p:pic>
+      <p:pic>
+        <p:nvPicPr>
+          <p:cNvPr id="26" name="Picture 25"/>
+          <p:cNvPicPr>
+            <a:picLocks noChangeAspect="1"/>
+          </p:cNvPicPr>
+          <p:nvPr/>
+        </p:nvPicPr>
+        <p:blipFill>
+          <a:blip r:embed="rId14"/>
+          <a:stretch>
+            <a:fillRect/>
+          </a:stretch>
+        </p:blipFill>
+        <p:spPr>
+          <a:xfrm>
+            <a:off x="22268826" y="26029318"/>
+            <a:ext cx="7106629" cy="5521817"/>
+          </a:xfrm>
+          <a:prstGeom prst="rect">
+            <a:avLst/>
+          </a:prstGeom>
+        </p:spPr>
+      </p:pic>
+      <p:pic>
+        <p:nvPicPr>
+          <p:cNvPr id="30" name="Picture 29"/>
+          <p:cNvPicPr>
+            <a:picLocks noChangeAspect="1"/>
+          </p:cNvPicPr>
+          <p:nvPr/>
+        </p:nvPicPr>
+        <p:blipFill>
+          <a:blip r:embed="rId15"/>
+          <a:stretch>
+            <a:fillRect/>
+          </a:stretch>
+        </p:blipFill>
+        <p:spPr>
+          <a:xfrm>
+            <a:off x="22887998" y="30729762"/>
+            <a:ext cx="6223101" cy="2543663"/>
+          </a:xfrm>
+          <a:prstGeom prst="rect">
+            <a:avLst/>
+          </a:prstGeom>
+        </p:spPr>
+      </p:pic>
+      <p:pic>
+        <p:nvPicPr>
+          <p:cNvPr id="33" name="Picture 32"/>
+          <p:cNvPicPr>
+            <a:picLocks noChangeAspect="1"/>
+          </p:cNvPicPr>
+          <p:nvPr/>
+        </p:nvPicPr>
+        <p:blipFill>
+          <a:blip r:embed="rId16"/>
+          <a:stretch>
+            <a:fillRect/>
+          </a:stretch>
+        </p:blipFill>
+        <p:spPr>
+          <a:xfrm>
+            <a:off x="7950433" y="14624712"/>
+            <a:ext cx="6194191" cy="4938469"/>
+          </a:xfrm>
+          <a:prstGeom prst="rect">
+            <a:avLst/>
+          </a:prstGeom>
+        </p:spPr>
+      </p:pic>
+      <p:pic>
+        <p:nvPicPr>
+          <p:cNvPr id="36" name="Picture 35"/>
+          <p:cNvPicPr>
+            <a:picLocks noChangeAspect="1"/>
+          </p:cNvPicPr>
+          <p:nvPr/>
+        </p:nvPicPr>
+        <p:blipFill>
+          <a:blip r:embed="rId17"/>
+          <a:stretch>
+            <a:fillRect/>
+          </a:stretch>
+        </p:blipFill>
+        <p:spPr>
+          <a:xfrm>
+            <a:off x="16569724" y="28482417"/>
+            <a:ext cx="4797010" cy="4251531"/>
+          </a:xfrm>
+          <a:prstGeom prst="rect">
+            <a:avLst/>
+          </a:prstGeom>
+        </p:spPr>
+      </p:pic>
+      <p:sp>
+        <p:nvSpPr>
+          <p:cNvPr id="52" name="Text Box 9"/>
+          <p:cNvSpPr txBox="1">
+            <a:spLocks noChangeArrowheads="1"/>
+          </p:cNvSpPr>
+          <p:nvPr/>
+        </p:nvSpPr>
+        <p:spPr bwMode="auto">
+          <a:xfrm>
+            <a:off x="7464802" y="21032213"/>
+            <a:ext cx="6672197" cy="3400931"/>
+          </a:xfrm>
+          <a:prstGeom prst="rect">
+            <a:avLst/>
+          </a:prstGeom>
+          <a:noFill/>
+          <a:ln w="9525">
+            <a:noFill/>
+            <a:miter lim="800000"/>
+            <a:headEnd/>
+            <a:tailEnd/>
+          </a:ln>
+          <a:effectLst/>
+        </p:spPr>
+        <p:txBody>
+          <a:bodyPr wrap="square">
+            <a:spAutoFit/>
+          </a:bodyPr>
+          <a:lstStyle/>
+          <a:p>
+            <a:r>
+              <a:rPr lang="en-US" sz="4000" b="1" dirty="0" smtClean="0"/>
+              <a:t>Modularization</a:t>
+            </a:r>
+            <a:endParaRPr lang="en-US" sz="4000" dirty="0" smtClean="0"/>
+          </a:p>
+          <a:p>
+            <a:pPr marL="571500" indent="-571500" algn="l">
+              <a:buFont typeface="Wingdings" panose="05000000000000000000" pitchFamily="2" charset="2"/>
+              <a:buChar char="ü"/>
+            </a:pPr>
+            <a:r>
+              <a:rPr lang="en-US" sz="3500" b="1" dirty="0" smtClean="0"/>
+              <a:t>Fault tolerance </a:t>
+            </a:r>
+            <a:r>
+              <a:rPr lang="en-US" sz="3500" dirty="0" smtClean="0"/>
+              <a:t>is increased</a:t>
+            </a:r>
+          </a:p>
+          <a:p>
+            <a:pPr marL="571500" indent="-571500" algn="l">
+              <a:buFont typeface="Wingdings" panose="05000000000000000000" pitchFamily="2" charset="2"/>
+              <a:buChar char="ü"/>
+            </a:pPr>
+            <a:r>
+              <a:rPr lang="en-US" sz="3500" b="1" dirty="0" smtClean="0"/>
+              <a:t>Voltage stress </a:t>
+            </a:r>
+            <a:r>
+              <a:rPr lang="en-US" sz="3500" dirty="0" smtClean="0"/>
+              <a:t>on modules is reduced</a:t>
+            </a:r>
+          </a:p>
+          <a:p>
+            <a:pPr marL="571500" indent="-571500" algn="l">
+              <a:buFont typeface="Wingdings" panose="05000000000000000000" pitchFamily="2" charset="2"/>
+              <a:buChar char="ü"/>
+            </a:pPr>
+            <a:r>
+              <a:rPr lang="en-US" sz="3500" b="1" dirty="0" smtClean="0"/>
+              <a:t>Heat dissipation </a:t>
+            </a:r>
+            <a:r>
+              <a:rPr lang="en-US" sz="3500" dirty="0" smtClean="0"/>
+              <a:t>is distributed to a wider area</a:t>
+            </a:r>
+          </a:p>
+        </p:txBody>
+      </p:sp>
+      <p:sp>
+        <p:nvSpPr>
+          <p:cNvPr id="53" name="Text Box 9"/>
+          <p:cNvSpPr txBox="1">
+            <a:spLocks noChangeArrowheads="1"/>
+          </p:cNvSpPr>
+          <p:nvPr/>
+        </p:nvSpPr>
+        <p:spPr bwMode="auto">
+          <a:xfrm>
+            <a:off x="1436295" y="25286163"/>
+            <a:ext cx="6514138" cy="2862322"/>
+          </a:xfrm>
+          <a:prstGeom prst="rect">
+            <a:avLst/>
+          </a:prstGeom>
+          <a:noFill/>
+          <a:ln w="9525">
+            <a:noFill/>
+            <a:miter lim="800000"/>
+            <a:headEnd/>
+            <a:tailEnd/>
+          </a:ln>
+          <a:effectLst/>
+        </p:spPr>
+        <p:txBody>
+          <a:bodyPr wrap="square">
+            <a:spAutoFit/>
+          </a:bodyPr>
+          <a:lstStyle/>
+          <a:p>
+            <a:r>
+              <a:rPr lang="en-US" sz="4000" b="1" dirty="0" smtClean="0"/>
+              <a:t>Applications</a:t>
+            </a:r>
+            <a:endParaRPr lang="en-US" sz="4000" dirty="0" smtClean="0">
+              <a:latin typeface="+mj-lt"/>
+            </a:endParaRPr>
+          </a:p>
+          <a:p>
+            <a:r>
+              <a:rPr lang="en-US" sz="3500" dirty="0" smtClean="0"/>
+              <a:t>Electric traction</a:t>
+            </a:r>
+            <a:r>
+              <a:rPr lang="tr-TR" sz="3500" dirty="0" smtClean="0"/>
+              <a:t>:</a:t>
+            </a:r>
+            <a:r>
+              <a:rPr lang="en-US" sz="3500" dirty="0" smtClean="0"/>
+              <a:t> electric vehicles, trains</a:t>
+            </a:r>
+            <a:endParaRPr lang="tr-TR" sz="3500" dirty="0" smtClean="0"/>
+          </a:p>
+          <a:p>
+            <a:r>
+              <a:rPr lang="en-US" sz="3500" dirty="0" smtClean="0"/>
+              <a:t>Aerospace: aircrafts, space crafts</a:t>
+            </a:r>
+          </a:p>
+        </p:txBody>
+      </p:sp>
+      <p:sp>
+        <p:nvSpPr>
+          <p:cNvPr id="54" name="Text Box 9"/>
+          <p:cNvSpPr txBox="1">
+            <a:spLocks noChangeArrowheads="1"/>
+          </p:cNvSpPr>
+          <p:nvPr/>
+        </p:nvSpPr>
+        <p:spPr bwMode="auto">
+          <a:xfrm>
+            <a:off x="1126240" y="33273425"/>
+            <a:ext cx="7035213" cy="5478423"/>
+          </a:xfrm>
+          <a:prstGeom prst="rect">
+            <a:avLst/>
+          </a:prstGeom>
+          <a:noFill/>
+          <a:ln w="9525">
+            <a:noFill/>
+            <a:miter lim="800000"/>
+            <a:headEnd/>
+            <a:tailEnd/>
+          </a:ln>
+          <a:effectLst/>
+        </p:spPr>
+        <p:txBody>
+          <a:bodyPr wrap="square">
+            <a:spAutoFit/>
+          </a:bodyPr>
+          <a:lstStyle/>
+          <a:p>
+            <a:pPr algn="just"/>
+            <a:r>
+              <a:rPr lang="en-US" sz="3500" dirty="0" smtClean="0">
+                <a:latin typeface="+mj-lt"/>
+              </a:rPr>
+              <a:t>These challenges can be addressed by using </a:t>
+            </a:r>
+            <a:r>
+              <a:rPr lang="en-US" sz="3500" b="1" dirty="0" smtClean="0">
+                <a:latin typeface="+mj-lt"/>
+              </a:rPr>
+              <a:t>wide band-gap (WBG) </a:t>
+            </a:r>
+            <a:r>
+              <a:rPr lang="en-US" sz="3500" dirty="0" smtClean="0">
+                <a:latin typeface="+mj-lt"/>
+              </a:rPr>
+              <a:t>power semiconductor devices such as </a:t>
+            </a:r>
+            <a:r>
+              <a:rPr lang="en-US" sz="3500" b="1" dirty="0" smtClean="0">
+                <a:latin typeface="+mj-lt"/>
+              </a:rPr>
+              <a:t>Gallium Nitride (GaN).</a:t>
+            </a:r>
+          </a:p>
+          <a:p>
+            <a:pPr marL="571500" indent="-571500" algn="l">
+              <a:buFont typeface="Arial" panose="020B0604020202020204" pitchFamily="34" charset="0"/>
+              <a:buChar char="•"/>
+            </a:pPr>
+            <a:r>
+              <a:rPr lang="en-US" sz="3500" dirty="0" smtClean="0"/>
+              <a:t>Low semiconductor  loss: </a:t>
+            </a:r>
+            <a:r>
+              <a:rPr lang="en-US" sz="3500" b="1" dirty="0" smtClean="0"/>
+              <a:t>heat sink </a:t>
+            </a:r>
+            <a:r>
+              <a:rPr lang="en-US" sz="3500" dirty="0" smtClean="0"/>
+              <a:t>size is reduced</a:t>
+            </a:r>
+          </a:p>
+          <a:p>
+            <a:pPr marL="571500" indent="-571500" algn="l">
+              <a:buFont typeface="Arial" panose="020B0604020202020204" pitchFamily="34" charset="0"/>
+              <a:buChar char="•"/>
+            </a:pPr>
+            <a:r>
+              <a:rPr lang="en-US" sz="3500" dirty="0" smtClean="0"/>
+              <a:t>High operation frequency: </a:t>
+            </a:r>
+            <a:r>
+              <a:rPr lang="en-US" sz="3500" b="1" dirty="0" smtClean="0"/>
+              <a:t>passive component </a:t>
+            </a:r>
+            <a:r>
+              <a:rPr lang="en-US" sz="3500" dirty="0" smtClean="0"/>
+              <a:t>size is reduced</a:t>
+            </a:r>
+            <a:endParaRPr lang="en-US" sz="3500" dirty="0"/>
+          </a:p>
+        </p:txBody>
+      </p:sp>
+      <p:sp>
+        <p:nvSpPr>
+          <p:cNvPr id="56" name="Text Box 9"/>
+          <p:cNvSpPr txBox="1">
+            <a:spLocks noChangeArrowheads="1"/>
+          </p:cNvSpPr>
+          <p:nvPr/>
+        </p:nvSpPr>
+        <p:spPr bwMode="auto">
+          <a:xfrm>
+            <a:off x="8022789" y="37771385"/>
+            <a:ext cx="6161621" cy="2785378"/>
+          </a:xfrm>
+          <a:prstGeom prst="rect">
+            <a:avLst/>
+          </a:prstGeom>
+          <a:noFill/>
+          <a:ln w="9525">
+            <a:noFill/>
+            <a:miter lim="800000"/>
+            <a:headEnd/>
+            <a:tailEnd/>
+          </a:ln>
+          <a:effectLst/>
+        </p:spPr>
+        <p:txBody>
+          <a:bodyPr wrap="square">
+            <a:spAutoFit/>
+          </a:bodyPr>
+          <a:lstStyle/>
+          <a:p>
+            <a:r>
+              <a:rPr lang="en-US" sz="3500" b="1" dirty="0" smtClean="0">
+                <a:latin typeface="+mj-lt"/>
+              </a:rPr>
+              <a:t>Additional challenges</a:t>
+            </a:r>
+          </a:p>
+          <a:p>
+            <a:r>
+              <a:rPr lang="en-US" sz="3500" dirty="0" smtClean="0">
+                <a:latin typeface="+mj-lt"/>
+              </a:rPr>
+              <a:t>Parasitic components become significant</a:t>
+            </a:r>
+          </a:p>
+          <a:p>
+            <a:r>
+              <a:rPr lang="en-US" sz="3500" dirty="0" smtClean="0">
+                <a:latin typeface="+mj-lt"/>
+              </a:rPr>
+              <a:t>Careful layout design is required</a:t>
+            </a:r>
+            <a:endParaRPr lang="en-US" sz="3500" dirty="0">
+              <a:latin typeface="+mj-lt"/>
+            </a:endParaRPr>
+          </a:p>
+        </p:txBody>
+      </p:sp>
+      <p:pic>
+        <p:nvPicPr>
+          <p:cNvPr id="38" name="Picture 37"/>
+          <p:cNvPicPr>
+            <a:picLocks noChangeAspect="1"/>
+          </p:cNvPicPr>
+          <p:nvPr/>
+        </p:nvPicPr>
+        <p:blipFill rotWithShape="1">
+          <a:blip r:embed="rId18">
             <a:extLst>
               <a:ext uri="{28A0092B-C50C-407E-A947-70E740481C1C}">
                 <a14:useLocalDpi xmlns:a14="http://schemas.microsoft.com/office/drawing/2010/main" val="0"/>
               </a:ext>
             </a:extLst>
           </a:blip>
-          <a:stretch>
-            <a:fillRect/>
-          </a:stretch>
+          <a:srcRect l="21978" t="24769" r="17321" b="24816"/>
+          <a:stretch/>
         </p:blipFill>
         <p:spPr>
           <a:xfrm>
-            <a:off x="11308419" y="13500867"/>
-            <a:ext cx="6643961" cy="5577049"/>
+            <a:off x="2381549" y="39048658"/>
+            <a:ext cx="4519709" cy="2109198"/>
           </a:xfrm>
           <a:prstGeom prst="rect">
             <a:avLst/>
           </a:prstGeom>
         </p:spPr>
       </p:pic>
+      <p:sp>
+        <p:nvSpPr>
+          <p:cNvPr id="65" name="Text Box 9"/>
+          <p:cNvSpPr txBox="1">
+            <a:spLocks noChangeArrowheads="1"/>
+          </p:cNvSpPr>
+          <p:nvPr/>
+        </p:nvSpPr>
+        <p:spPr bwMode="auto">
+          <a:xfrm>
+            <a:off x="15955199" y="10093816"/>
+            <a:ext cx="5111659" cy="2246769"/>
+          </a:xfrm>
+          <a:prstGeom prst="rect">
+            <a:avLst/>
+          </a:prstGeom>
+          <a:noFill/>
+          <a:ln w="9525">
+            <a:noFill/>
+            <a:miter lim="800000"/>
+            <a:headEnd/>
+            <a:tailEnd/>
+          </a:ln>
+          <a:effectLst/>
+        </p:spPr>
+        <p:txBody>
+          <a:bodyPr wrap="square">
+            <a:spAutoFit/>
+          </a:bodyPr>
+          <a:lstStyle/>
+          <a:p>
+            <a:r>
+              <a:rPr lang="en-US" sz="3500" dirty="0" smtClean="0"/>
+              <a:t>DC link capacitors constitute 20% of </a:t>
+            </a:r>
+            <a:r>
+              <a:rPr lang="en-US" sz="3500" b="1" dirty="0" smtClean="0"/>
+              <a:t>cost</a:t>
+            </a:r>
+            <a:r>
+              <a:rPr lang="en-US" sz="3500" dirty="0" smtClean="0"/>
+              <a:t> and </a:t>
+            </a:r>
+            <a:r>
+              <a:rPr lang="en-US" sz="3500" b="1" dirty="0" smtClean="0"/>
+              <a:t>weight</a:t>
+            </a:r>
+            <a:r>
+              <a:rPr lang="en-US" sz="3500" dirty="0" smtClean="0"/>
+              <a:t>, and 30% of </a:t>
+            </a:r>
+            <a:r>
+              <a:rPr lang="en-US" sz="3500" b="1" dirty="0" smtClean="0"/>
+              <a:t>volume</a:t>
+            </a:r>
+          </a:p>
+        </p:txBody>
+      </p:sp>
+      <p:sp>
+        <p:nvSpPr>
+          <p:cNvPr id="66" name="Text Box 9"/>
+          <p:cNvSpPr txBox="1">
+            <a:spLocks noChangeArrowheads="1"/>
+          </p:cNvSpPr>
+          <p:nvPr/>
+        </p:nvSpPr>
+        <p:spPr bwMode="auto">
+          <a:xfrm>
+            <a:off x="15784496" y="13306138"/>
+            <a:ext cx="7203835" cy="4939814"/>
+          </a:xfrm>
+          <a:prstGeom prst="rect">
+            <a:avLst/>
+          </a:prstGeom>
+          <a:noFill/>
+          <a:ln w="9525">
+            <a:noFill/>
+            <a:miter lim="800000"/>
+            <a:headEnd/>
+            <a:tailEnd/>
+          </a:ln>
+          <a:effectLst/>
+        </p:spPr>
+        <p:txBody>
+          <a:bodyPr wrap="square">
+            <a:spAutoFit/>
+          </a:bodyPr>
+          <a:lstStyle/>
+          <a:p>
+            <a:pPr algn="l"/>
+            <a:r>
+              <a:rPr lang="en-US" sz="3500" dirty="0" smtClean="0"/>
+              <a:t>An </a:t>
+            </a:r>
+            <a:r>
+              <a:rPr lang="en-US" sz="3500" b="1" dirty="0" smtClean="0"/>
+              <a:t>analytical model </a:t>
+            </a:r>
+            <a:r>
+              <a:rPr lang="en-US" sz="3500" dirty="0" smtClean="0"/>
+              <a:t>has been constructed. An </a:t>
+            </a:r>
+            <a:r>
+              <a:rPr lang="en-US" sz="3500" b="1" dirty="0" smtClean="0"/>
+              <a:t>algorithm</a:t>
+            </a:r>
+            <a:r>
+              <a:rPr lang="en-US" sz="3500" dirty="0" smtClean="0"/>
+              <a:t> has been developed. A set of </a:t>
+            </a:r>
+            <a:r>
+              <a:rPr lang="en-US" sz="3500" b="1" dirty="0" smtClean="0"/>
+              <a:t>film capacitors </a:t>
+            </a:r>
+            <a:r>
+              <a:rPr lang="en-US" sz="3500" dirty="0" smtClean="0"/>
+              <a:t>are considered. Optimization is achieved based on:</a:t>
+            </a:r>
+          </a:p>
+          <a:p>
+            <a:pPr marL="457200" indent="-457200" algn="l">
+              <a:buFont typeface="Arial" panose="020B0604020202020204" pitchFamily="34" charset="0"/>
+              <a:buChar char="•"/>
+            </a:pPr>
+            <a:r>
+              <a:rPr lang="en-US" sz="3500" dirty="0" smtClean="0"/>
+              <a:t>Power density</a:t>
+            </a:r>
+          </a:p>
+          <a:p>
+            <a:pPr marL="457200" indent="-457200" algn="l">
+              <a:buFont typeface="Arial" panose="020B0604020202020204" pitchFamily="34" charset="0"/>
+              <a:buChar char="•"/>
+            </a:pPr>
+            <a:r>
+              <a:rPr lang="en-US" sz="3500" dirty="0" smtClean="0"/>
+              <a:t>Cost</a:t>
+            </a:r>
+          </a:p>
+          <a:p>
+            <a:pPr marL="457200" indent="-457200" algn="l">
+              <a:buFont typeface="Arial" panose="020B0604020202020204" pitchFamily="34" charset="0"/>
+              <a:buChar char="•"/>
+            </a:pPr>
+            <a:r>
+              <a:rPr lang="en-US" sz="3500" dirty="0" smtClean="0"/>
+              <a:t>Height</a:t>
+            </a:r>
+          </a:p>
+          <a:p>
+            <a:pPr marL="457200" indent="-457200" algn="l">
+              <a:buFont typeface="Arial" panose="020B0604020202020204" pitchFamily="34" charset="0"/>
+              <a:buChar char="•"/>
+            </a:pPr>
+            <a:r>
+              <a:rPr lang="en-US" sz="3500" dirty="0" smtClean="0"/>
+              <a:t>Temperature rise</a:t>
+            </a:r>
+          </a:p>
+        </p:txBody>
+      </p:sp>
+      <p:sp>
+        <p:nvSpPr>
+          <p:cNvPr id="68" name="Text Box 9"/>
+          <p:cNvSpPr txBox="1">
+            <a:spLocks noChangeArrowheads="1"/>
+          </p:cNvSpPr>
+          <p:nvPr/>
+        </p:nvSpPr>
+        <p:spPr bwMode="auto">
+          <a:xfrm>
+            <a:off x="16155362" y="18402521"/>
+            <a:ext cx="6514138" cy="707886"/>
+          </a:xfrm>
+          <a:prstGeom prst="rect">
+            <a:avLst/>
+          </a:prstGeom>
+          <a:noFill/>
+          <a:ln w="9525">
+            <a:noFill/>
+            <a:miter lim="800000"/>
+            <a:headEnd/>
+            <a:tailEnd/>
+          </a:ln>
+          <a:effectLst/>
+        </p:spPr>
+        <p:txBody>
+          <a:bodyPr wrap="square">
+            <a:spAutoFit/>
+          </a:bodyPr>
+          <a:lstStyle/>
+          <a:p>
+            <a:r>
+              <a:rPr lang="tr-TR" sz="4000" b="1" dirty="0" err="1" smtClean="0"/>
+              <a:t>Effect</a:t>
+            </a:r>
+            <a:r>
+              <a:rPr lang="tr-TR" sz="4000" b="1" dirty="0" smtClean="0"/>
+              <a:t> of </a:t>
+            </a:r>
+            <a:r>
+              <a:rPr lang="tr-TR" sz="4000" b="1" dirty="0" err="1" smtClean="0"/>
+              <a:t>interleaving</a:t>
+            </a:r>
+            <a:endParaRPr lang="en-US" sz="4000" dirty="0" smtClean="0">
+              <a:latin typeface="+mj-lt"/>
+            </a:endParaRPr>
+          </a:p>
+        </p:txBody>
+      </p:sp>
+      <p:sp>
+        <p:nvSpPr>
+          <p:cNvPr id="69" name="Text Box 9"/>
+          <p:cNvSpPr txBox="1">
+            <a:spLocks noChangeArrowheads="1"/>
+          </p:cNvSpPr>
+          <p:nvPr/>
+        </p:nvSpPr>
+        <p:spPr bwMode="auto">
+          <a:xfrm>
+            <a:off x="22742479" y="19849148"/>
+            <a:ext cx="6514138" cy="707886"/>
+          </a:xfrm>
+          <a:prstGeom prst="rect">
+            <a:avLst/>
+          </a:prstGeom>
+          <a:noFill/>
+          <a:ln w="9525">
+            <a:noFill/>
+            <a:miter lim="800000"/>
+            <a:headEnd/>
+            <a:tailEnd/>
+          </a:ln>
+          <a:effectLst/>
+        </p:spPr>
+        <p:txBody>
+          <a:bodyPr wrap="square">
+            <a:spAutoFit/>
+          </a:bodyPr>
+          <a:lstStyle/>
+          <a:p>
+            <a:r>
+              <a:rPr lang="tr-TR" sz="4000" b="1" dirty="0" err="1" smtClean="0"/>
+              <a:t>Phase-shift</a:t>
+            </a:r>
+            <a:r>
+              <a:rPr lang="tr-TR" sz="4000" b="1" dirty="0" smtClean="0"/>
+              <a:t> </a:t>
+            </a:r>
+            <a:r>
+              <a:rPr lang="tr-TR" sz="4000" b="1" dirty="0" err="1" smtClean="0"/>
+              <a:t>angle</a:t>
+            </a:r>
+            <a:endParaRPr lang="en-US" sz="4000" dirty="0" smtClean="0">
+              <a:latin typeface="+mj-lt"/>
+            </a:endParaRPr>
+          </a:p>
+        </p:txBody>
+      </p:sp>
     </p:spTree>
   </p:cSld>
   <p:clrMapOvr>

--- a/GRW2017/grw2017_poster.pptx
+++ b/GRW2017/grw2017_poster.pptx
@@ -2303,7 +2303,7 @@
         </p:nvSpPr>
         <p:spPr bwMode="auto">
           <a:xfrm>
-            <a:off x="16111537" y="24986309"/>
+            <a:off x="16111537" y="25228952"/>
             <a:ext cx="13115925" cy="1015663"/>
           </a:xfrm>
           <a:prstGeom prst="rect">
@@ -2341,170 +2341,6 @@
               <a:solidFill>
                 <a:srgbClr val="003399"/>
               </a:solidFill>
-            </a:endParaRPr>
-          </a:p>
-        </p:txBody>
-      </p:sp>
-      <p:sp>
-        <p:nvSpPr>
-          <p:cNvPr id="60" name="Text Box 42"/>
-          <p:cNvSpPr txBox="1">
-            <a:spLocks noChangeArrowheads="1"/>
-          </p:cNvSpPr>
-          <p:nvPr/>
-        </p:nvSpPr>
-        <p:spPr bwMode="auto">
-          <a:xfrm>
-            <a:off x="16087723" y="33573371"/>
-            <a:ext cx="13087351" cy="1015663"/>
-          </a:xfrm>
-          <a:prstGeom prst="rect">
-            <a:avLst/>
-          </a:prstGeom>
-          <a:noFill/>
-          <a:ln w="9525">
-            <a:noFill/>
-            <a:miter lim="800000"/>
-            <a:headEnd/>
-            <a:tailEnd/>
-          </a:ln>
-          <a:effectLst/>
-        </p:spPr>
-        <p:txBody>
-          <a:bodyPr wrap="square">
-            <a:spAutoFit/>
-          </a:bodyPr>
-          <a:lstStyle/>
-          <a:p>
-            <a:pPr algn="l" defTabSz="4389438">
-              <a:spcBef>
-                <a:spcPct val="50000"/>
-              </a:spcBef>
-            </a:pPr>
-            <a:r>
-              <a:rPr lang="en-US" sz="6000" b="1" dirty="0" smtClean="0">
-                <a:solidFill>
-                  <a:srgbClr val="003399"/>
-                </a:solidFill>
-              </a:rPr>
-              <a:t>Conclusion</a:t>
-            </a:r>
-            <a:endParaRPr lang="en-US" sz="6000" b="1" dirty="0">
-              <a:solidFill>
-                <a:srgbClr val="003399"/>
-              </a:solidFill>
-            </a:endParaRPr>
-          </a:p>
-        </p:txBody>
-      </p:sp>
-      <p:sp>
-        <p:nvSpPr>
-          <p:cNvPr id="61" name="Text Box 9"/>
-          <p:cNvSpPr txBox="1">
-            <a:spLocks noChangeArrowheads="1"/>
-          </p:cNvSpPr>
-          <p:nvPr/>
-        </p:nvSpPr>
-        <p:spPr bwMode="auto">
-          <a:xfrm>
-            <a:off x="16087723" y="27152395"/>
-            <a:ext cx="13087350" cy="3170099"/>
-          </a:xfrm>
-          <a:prstGeom prst="rect">
-            <a:avLst/>
-          </a:prstGeom>
-          <a:noFill/>
-          <a:ln w="9525">
-            <a:noFill/>
-            <a:miter lim="800000"/>
-            <a:headEnd/>
-            <a:tailEnd/>
-          </a:ln>
-          <a:effectLst/>
-        </p:spPr>
-        <p:txBody>
-          <a:bodyPr wrap="square">
-            <a:spAutoFit/>
-          </a:bodyPr>
-          <a:lstStyle/>
-          <a:p>
-            <a:pPr algn="l"/>
-            <a:r>
-              <a:rPr lang="en-US" sz="4000" dirty="0" smtClean="0"/>
-              <a:t>Fractional slot machines</a:t>
-            </a:r>
-          </a:p>
-          <a:p>
-            <a:pPr algn="l"/>
-            <a:r>
-              <a:rPr lang="en-US" sz="4000" dirty="0" smtClean="0"/>
-              <a:t>Frameless motor</a:t>
-            </a:r>
-          </a:p>
-          <a:p>
-            <a:pPr algn="l"/>
-            <a:r>
-              <a:rPr lang="en-US" sz="4000" dirty="0" smtClean="0"/>
-              <a:t>Modular PCB</a:t>
-            </a:r>
-          </a:p>
-          <a:p>
-            <a:pPr algn="l"/>
-            <a:r>
-              <a:rPr lang="en-US" sz="4000" dirty="0" smtClean="0"/>
-              <a:t>GaN</a:t>
-            </a:r>
-          </a:p>
-          <a:p>
-            <a:pPr algn="l"/>
-            <a:r>
-              <a:rPr lang="en-US" sz="4000" dirty="0" smtClean="0"/>
-              <a:t>Master/slave</a:t>
-            </a:r>
-            <a:endParaRPr lang="en-US" sz="4000" dirty="0">
-              <a:latin typeface="+mj-lt"/>
-            </a:endParaRPr>
-          </a:p>
-        </p:txBody>
-      </p:sp>
-      <p:sp>
-        <p:nvSpPr>
-          <p:cNvPr id="62" name="Text Box 9"/>
-          <p:cNvSpPr txBox="1">
-            <a:spLocks noChangeArrowheads="1"/>
-          </p:cNvSpPr>
-          <p:nvPr/>
-        </p:nvSpPr>
-        <p:spPr bwMode="auto">
-          <a:xfrm>
-            <a:off x="16125825" y="34882791"/>
-            <a:ext cx="13087350" cy="707886"/>
-          </a:xfrm>
-          <a:prstGeom prst="rect">
-            <a:avLst/>
-          </a:prstGeom>
-          <a:noFill/>
-          <a:ln w="9525">
-            <a:noFill/>
-            <a:miter lim="800000"/>
-            <a:headEnd/>
-            <a:tailEnd/>
-          </a:ln>
-          <a:effectLst/>
-        </p:spPr>
-        <p:txBody>
-          <a:bodyPr wrap="square">
-            <a:spAutoFit/>
-          </a:bodyPr>
-          <a:lstStyle/>
-          <a:p>
-            <a:pPr algn="l"/>
-            <a:r>
-              <a:rPr lang="en-US" sz="4000" dirty="0" smtClean="0"/>
-              <a:t>Here are my conclusions</a:t>
-            </a:r>
-            <a:endParaRPr lang="en-US" sz="4000" dirty="0">
-              <a:latin typeface="+mj-lt"/>
             </a:endParaRPr>
           </a:p>
         </p:txBody>
@@ -2519,8 +2355,8 @@
         </p:nvSpPr>
         <p:spPr bwMode="auto">
           <a:xfrm>
-            <a:off x="16087724" y="39289478"/>
-            <a:ext cx="13115925" cy="1015663"/>
+            <a:off x="16184516" y="37851350"/>
+            <a:ext cx="13115925" cy="3785652"/>
           </a:xfrm>
           <a:prstGeom prst="rect">
             <a:avLst/>
@@ -2542,18 +2378,242 @@
           <a:p>
             <a:pPr algn="l" defTabSz="4389438">
               <a:spcBef>
-                <a:spcPct val="50000"/>
+                <a:spcPts val="0"/>
               </a:spcBef>
             </a:pPr>
             <a:r>
-              <a:rPr lang="en-US" sz="6000" b="1" dirty="0" smtClean="0">
+              <a:rPr lang="en-US" sz="4000" b="1" dirty="0" smtClean="0">
                 <a:solidFill>
                   <a:srgbClr val="003399"/>
                 </a:solidFill>
               </a:rPr>
               <a:t>References</a:t>
             </a:r>
-            <a:endParaRPr lang="en-US" sz="6000" b="1" dirty="0">
+            <a:endParaRPr lang="tr-TR" sz="4000" b="1" dirty="0">
+              <a:solidFill>
+                <a:srgbClr val="003399"/>
+              </a:solidFill>
+            </a:endParaRPr>
+          </a:p>
+          <a:p>
+            <a:pPr marL="514350" indent="-514350" algn="l" defTabSz="4389438">
+              <a:spcBef>
+                <a:spcPts val="0"/>
+              </a:spcBef>
+              <a:buFont typeface="+mj-lt"/>
+              <a:buAutoNum type="arabicPeriod"/>
+            </a:pPr>
+            <a:r>
+              <a:rPr lang="en-US" sz="2000" dirty="0" smtClean="0"/>
+              <a:t>G</a:t>
+            </a:r>
+            <a:r>
+              <a:rPr lang="en-US" sz="2000" dirty="0"/>
+              <a:t>. Lo </a:t>
+            </a:r>
+            <a:r>
+              <a:rPr lang="en-US" sz="2000" dirty="0" err="1"/>
+              <a:t>Calzo</a:t>
+            </a:r>
+            <a:r>
+              <a:rPr lang="en-US" sz="2000" dirty="0"/>
+              <a:t> </a:t>
+            </a:r>
+            <a:r>
+              <a:rPr lang="en-US" sz="2000" i="1" dirty="0"/>
+              <a:t>et al.</a:t>
+            </a:r>
+            <a:r>
+              <a:rPr lang="en-US" sz="2000" dirty="0"/>
+              <a:t>, “Integrated motor drives: state of the art and future trends,” </a:t>
+            </a:r>
+            <a:r>
+              <a:rPr lang="en-US" sz="2000" i="1" dirty="0"/>
+              <a:t>IET </a:t>
+            </a:r>
+            <a:r>
+              <a:rPr lang="en-US" sz="2000" i="1" dirty="0" err="1"/>
+              <a:t>Electr</a:t>
+            </a:r>
+            <a:r>
+              <a:rPr lang="en-US" sz="2000" i="1" dirty="0"/>
+              <a:t>. Power Appl.</a:t>
+            </a:r>
+            <a:r>
+              <a:rPr lang="en-US" sz="2000" dirty="0"/>
+              <a:t>, vol. 10, no. 8, pp. 757–771, Sep. 2016</a:t>
+            </a:r>
+            <a:r>
+              <a:rPr lang="en-US" sz="2000" dirty="0" smtClean="0"/>
+              <a:t>.</a:t>
+            </a:r>
+            <a:endParaRPr lang="tr-TR" sz="2000" dirty="0" smtClean="0"/>
+          </a:p>
+          <a:p>
+            <a:pPr marL="514350" indent="-514350" algn="l" defTabSz="4389438">
+              <a:spcBef>
+                <a:spcPts val="0"/>
+              </a:spcBef>
+              <a:buFont typeface="+mj-lt"/>
+              <a:buAutoNum type="arabicPeriod"/>
+            </a:pPr>
+            <a:r>
+              <a:rPr lang="en-US" sz="2000" dirty="0" smtClean="0"/>
+              <a:t>J</a:t>
+            </a:r>
+            <a:r>
+              <a:rPr lang="en-US" sz="2000" dirty="0"/>
+              <a:t>. Wang, Y. Li, and Y. Han, “Integrated Modular Motor Drive Design With GaN Power FETs,” </a:t>
+            </a:r>
+            <a:r>
+              <a:rPr lang="en-US" sz="2000" i="1" dirty="0"/>
+              <a:t>IEEE Trans. Ind. Appl.</a:t>
+            </a:r>
+            <a:r>
+              <a:rPr lang="en-US" sz="2000" dirty="0"/>
+              <a:t>, vol. 51, no. c, pp. 3198–3207, 2015</a:t>
+            </a:r>
+            <a:r>
+              <a:rPr lang="en-US" sz="2000" dirty="0" smtClean="0"/>
+              <a:t>.</a:t>
+            </a:r>
+            <a:endParaRPr lang="tr-TR" sz="2000" dirty="0" smtClean="0"/>
+          </a:p>
+          <a:p>
+            <a:pPr marL="514350" indent="-514350" algn="l" defTabSz="4389438">
+              <a:spcBef>
+                <a:spcPts val="0"/>
+              </a:spcBef>
+              <a:buFont typeface="+mj-lt"/>
+              <a:buAutoNum type="arabicPeriod"/>
+            </a:pPr>
+            <a:r>
+              <a:rPr lang="en-US" sz="2000" dirty="0" smtClean="0"/>
+              <a:t>J</a:t>
+            </a:r>
+            <a:r>
+              <a:rPr lang="en-US" sz="2000" dirty="0"/>
+              <a:t>. J. </a:t>
+            </a:r>
+            <a:r>
+              <a:rPr lang="en-US" sz="2000" dirty="0" err="1"/>
+              <a:t>Wolmarans</a:t>
+            </a:r>
+            <a:r>
+              <a:rPr lang="en-US" sz="2000" dirty="0"/>
+              <a:t>, M. B. Gerber, H. </a:t>
+            </a:r>
+            <a:r>
+              <a:rPr lang="en-US" sz="2000" dirty="0" err="1"/>
+              <a:t>Polinder</a:t>
+            </a:r>
+            <a:r>
+              <a:rPr lang="en-US" sz="2000" dirty="0"/>
+              <a:t>, S. W. H. De </a:t>
+            </a:r>
+            <a:r>
+              <a:rPr lang="en-US" sz="2000" dirty="0" err="1"/>
+              <a:t>Haan</a:t>
+            </a:r>
+            <a:r>
+              <a:rPr lang="en-US" sz="2000" dirty="0"/>
+              <a:t>, J. A. Ferreira, and D. </a:t>
+            </a:r>
+            <a:r>
+              <a:rPr lang="en-US" sz="2000" dirty="0" err="1"/>
+              <a:t>Clarenbach</a:t>
+            </a:r>
+            <a:r>
+              <a:rPr lang="en-US" sz="2000" dirty="0"/>
+              <a:t>, “A 50kW integrated fault tolerant permanent magnet machine and motor drive,” </a:t>
+            </a:r>
+            <a:r>
+              <a:rPr lang="en-US" sz="2000" i="1" dirty="0"/>
+              <a:t>PESC Rec. - IEEE </a:t>
+            </a:r>
+            <a:r>
+              <a:rPr lang="en-US" sz="2000" i="1" dirty="0" err="1"/>
+              <a:t>Annu</a:t>
+            </a:r>
+            <a:r>
+              <a:rPr lang="en-US" sz="2000" i="1" dirty="0"/>
+              <a:t>. Power Electron. Spec. Conf.</a:t>
+            </a:r>
+            <a:r>
+              <a:rPr lang="en-US" sz="2000" dirty="0"/>
+              <a:t>, pp. 345–351, 2008</a:t>
+            </a:r>
+            <a:r>
+              <a:rPr lang="en-US" sz="2000" dirty="0" smtClean="0"/>
+              <a:t>.</a:t>
+            </a:r>
+            <a:endParaRPr lang="tr-TR" sz="2000" dirty="0" smtClean="0"/>
+          </a:p>
+          <a:p>
+            <a:pPr marL="514350" indent="-514350" algn="l" defTabSz="4389438">
+              <a:spcBef>
+                <a:spcPts val="0"/>
+              </a:spcBef>
+              <a:buFont typeface="+mj-lt"/>
+              <a:buAutoNum type="arabicPeriod"/>
+            </a:pPr>
+            <a:r>
+              <a:rPr lang="en-US" sz="2000" dirty="0" smtClean="0"/>
+              <a:t>M</a:t>
+            </a:r>
+            <a:r>
+              <a:rPr lang="en-US" sz="2000" dirty="0"/>
+              <a:t>. D. </a:t>
+            </a:r>
+            <a:r>
+              <a:rPr lang="en-US" sz="2000" dirty="0" err="1"/>
+              <a:t>Hennen</a:t>
+            </a:r>
+            <a:r>
+              <a:rPr lang="en-US" sz="2000" dirty="0"/>
+              <a:t>, M. </a:t>
+            </a:r>
+            <a:r>
+              <a:rPr lang="en-US" sz="2000" dirty="0" err="1"/>
+              <a:t>Niessen</a:t>
+            </a:r>
+            <a:r>
+              <a:rPr lang="en-US" sz="2000" dirty="0"/>
+              <a:t>, C. </a:t>
+            </a:r>
+            <a:r>
+              <a:rPr lang="en-US" sz="2000" dirty="0" err="1"/>
+              <a:t>Heyers</a:t>
+            </a:r>
+            <a:r>
+              <a:rPr lang="en-US" sz="2000" dirty="0"/>
+              <a:t>, H. J. </a:t>
+            </a:r>
+            <a:r>
+              <a:rPr lang="en-US" sz="2000" dirty="0" err="1"/>
+              <a:t>Brauer</a:t>
+            </a:r>
+            <a:r>
+              <a:rPr lang="en-US" sz="2000" dirty="0"/>
+              <a:t>, and R. W. De </a:t>
+            </a:r>
+            <a:r>
+              <a:rPr lang="en-US" sz="2000" dirty="0" err="1"/>
+              <a:t>Doncker</a:t>
+            </a:r>
+            <a:r>
+              <a:rPr lang="en-US" sz="2000" dirty="0"/>
+              <a:t>, “Development and control of an integrated and distributed inverter for a fault tolerant five-phase switched reluctance traction drive,” </a:t>
+            </a:r>
+            <a:r>
+              <a:rPr lang="en-US" sz="2000" i="1" dirty="0"/>
+              <a:t>IEEE Trans. Power Electron.</a:t>
+            </a:r>
+            <a:r>
+              <a:rPr lang="en-US" sz="2000" dirty="0"/>
+              <a:t>, vol. 27, no. 2, pp. 547–554, 2012.</a:t>
+            </a:r>
+            <a:endParaRPr lang="tr-TR" sz="2000" b="1" dirty="0" smtClean="0">
               <a:solidFill>
                 <a:srgbClr val="003399"/>
               </a:solidFill>
@@ -2759,7 +2819,7 @@
       </p:pic>
       <p:pic>
         <p:nvPicPr>
-          <p:cNvPr id="26" name="Picture 25"/>
+          <p:cNvPr id="30" name="Picture 29"/>
           <p:cNvPicPr>
             <a:picLocks noChangeAspect="1"/>
           </p:cNvPicPr>
@@ -2773,8 +2833,8 @@
         </p:blipFill>
         <p:spPr>
           <a:xfrm>
-            <a:off x="22268826" y="26029318"/>
-            <a:ext cx="7106629" cy="5521817"/>
+            <a:off x="23142506" y="29483272"/>
+            <a:ext cx="6223101" cy="2543663"/>
           </a:xfrm>
           <a:prstGeom prst="rect">
             <a:avLst/>
@@ -2783,7 +2843,7 @@
       </p:pic>
       <p:pic>
         <p:nvPicPr>
-          <p:cNvPr id="30" name="Picture 29"/>
+          <p:cNvPr id="33" name="Picture 32"/>
           <p:cNvPicPr>
             <a:picLocks noChangeAspect="1"/>
           </p:cNvPicPr>
@@ -2797,41 +2857,587 @@
         </p:blipFill>
         <p:spPr>
           <a:xfrm>
-            <a:off x="22887998" y="30729762"/>
-            <a:ext cx="6223101" cy="2543663"/>
+            <a:off x="7950433" y="14624712"/>
+            <a:ext cx="6194191" cy="4938469"/>
           </a:xfrm>
           <a:prstGeom prst="rect">
             <a:avLst/>
           </a:prstGeom>
         </p:spPr>
       </p:pic>
+      <p:sp>
+        <p:nvSpPr>
+          <p:cNvPr id="52" name="Text Box 9"/>
+          <p:cNvSpPr txBox="1">
+            <a:spLocks noChangeArrowheads="1"/>
+          </p:cNvSpPr>
+          <p:nvPr/>
+        </p:nvSpPr>
+        <p:spPr bwMode="auto">
+          <a:xfrm>
+            <a:off x="7464802" y="21032213"/>
+            <a:ext cx="6672197" cy="3400931"/>
+          </a:xfrm>
+          <a:prstGeom prst="rect">
+            <a:avLst/>
+          </a:prstGeom>
+          <a:noFill/>
+          <a:ln w="9525">
+            <a:noFill/>
+            <a:miter lim="800000"/>
+            <a:headEnd/>
+            <a:tailEnd/>
+          </a:ln>
+          <a:effectLst/>
+        </p:spPr>
+        <p:txBody>
+          <a:bodyPr wrap="square">
+            <a:spAutoFit/>
+          </a:bodyPr>
+          <a:lstStyle/>
+          <a:p>
+            <a:r>
+              <a:rPr lang="en-US" sz="4000" b="1" dirty="0" smtClean="0"/>
+              <a:t>Modularization</a:t>
+            </a:r>
+            <a:endParaRPr lang="en-US" sz="4000" dirty="0" smtClean="0"/>
+          </a:p>
+          <a:p>
+            <a:pPr marL="571500" indent="-571500" algn="l">
+              <a:buFont typeface="Wingdings" panose="05000000000000000000" pitchFamily="2" charset="2"/>
+              <a:buChar char="ü"/>
+            </a:pPr>
+            <a:r>
+              <a:rPr lang="en-US" sz="3500" b="1" dirty="0" smtClean="0"/>
+              <a:t>Fault tolerance </a:t>
+            </a:r>
+            <a:r>
+              <a:rPr lang="en-US" sz="3500" dirty="0" smtClean="0"/>
+              <a:t>is increased</a:t>
+            </a:r>
+          </a:p>
+          <a:p>
+            <a:pPr marL="571500" indent="-571500" algn="l">
+              <a:buFont typeface="Wingdings" panose="05000000000000000000" pitchFamily="2" charset="2"/>
+              <a:buChar char="ü"/>
+            </a:pPr>
+            <a:r>
+              <a:rPr lang="en-US" sz="3500" b="1" dirty="0" smtClean="0"/>
+              <a:t>Voltage stress </a:t>
+            </a:r>
+            <a:r>
+              <a:rPr lang="en-US" sz="3500" dirty="0" smtClean="0"/>
+              <a:t>on modules is reduced</a:t>
+            </a:r>
+          </a:p>
+          <a:p>
+            <a:pPr marL="571500" indent="-571500" algn="l">
+              <a:buFont typeface="Wingdings" panose="05000000000000000000" pitchFamily="2" charset="2"/>
+              <a:buChar char="ü"/>
+            </a:pPr>
+            <a:r>
+              <a:rPr lang="en-US" sz="3500" b="1" dirty="0" smtClean="0"/>
+              <a:t>Heat dissipation </a:t>
+            </a:r>
+            <a:r>
+              <a:rPr lang="en-US" sz="3500" dirty="0" smtClean="0"/>
+              <a:t>is distributed to a wider area</a:t>
+            </a:r>
+          </a:p>
+        </p:txBody>
+      </p:sp>
+      <p:sp>
+        <p:nvSpPr>
+          <p:cNvPr id="53" name="Text Box 9"/>
+          <p:cNvSpPr txBox="1">
+            <a:spLocks noChangeArrowheads="1"/>
+          </p:cNvSpPr>
+          <p:nvPr/>
+        </p:nvSpPr>
+        <p:spPr bwMode="auto">
+          <a:xfrm>
+            <a:off x="1436295" y="25286163"/>
+            <a:ext cx="6514138" cy="2862322"/>
+          </a:xfrm>
+          <a:prstGeom prst="rect">
+            <a:avLst/>
+          </a:prstGeom>
+          <a:noFill/>
+          <a:ln w="9525">
+            <a:noFill/>
+            <a:miter lim="800000"/>
+            <a:headEnd/>
+            <a:tailEnd/>
+          </a:ln>
+          <a:effectLst/>
+        </p:spPr>
+        <p:txBody>
+          <a:bodyPr wrap="square">
+            <a:spAutoFit/>
+          </a:bodyPr>
+          <a:lstStyle/>
+          <a:p>
+            <a:r>
+              <a:rPr lang="en-US" sz="4000" b="1" dirty="0" smtClean="0"/>
+              <a:t>Applications</a:t>
+            </a:r>
+            <a:endParaRPr lang="en-US" sz="4000" dirty="0" smtClean="0">
+              <a:latin typeface="+mj-lt"/>
+            </a:endParaRPr>
+          </a:p>
+          <a:p>
+            <a:r>
+              <a:rPr lang="en-US" sz="3500" dirty="0" smtClean="0"/>
+              <a:t>Electric traction</a:t>
+            </a:r>
+            <a:r>
+              <a:rPr lang="tr-TR" sz="3500" dirty="0" smtClean="0"/>
+              <a:t>:</a:t>
+            </a:r>
+            <a:r>
+              <a:rPr lang="en-US" sz="3500" dirty="0" smtClean="0"/>
+              <a:t> electric vehicles, trains</a:t>
+            </a:r>
+            <a:endParaRPr lang="tr-TR" sz="3500" dirty="0" smtClean="0"/>
+          </a:p>
+          <a:p>
+            <a:r>
+              <a:rPr lang="en-US" sz="3500" dirty="0" smtClean="0"/>
+              <a:t>Aerospace: aircrafts, space crafts</a:t>
+            </a:r>
+          </a:p>
+        </p:txBody>
+      </p:sp>
+      <p:sp>
+        <p:nvSpPr>
+          <p:cNvPr id="54" name="Text Box 9"/>
+          <p:cNvSpPr txBox="1">
+            <a:spLocks noChangeArrowheads="1"/>
+          </p:cNvSpPr>
+          <p:nvPr/>
+        </p:nvSpPr>
+        <p:spPr bwMode="auto">
+          <a:xfrm>
+            <a:off x="1126240" y="33273425"/>
+            <a:ext cx="7035213" cy="5478423"/>
+          </a:xfrm>
+          <a:prstGeom prst="rect">
+            <a:avLst/>
+          </a:prstGeom>
+          <a:noFill/>
+          <a:ln w="9525">
+            <a:noFill/>
+            <a:miter lim="800000"/>
+            <a:headEnd/>
+            <a:tailEnd/>
+          </a:ln>
+          <a:effectLst/>
+        </p:spPr>
+        <p:txBody>
+          <a:bodyPr wrap="square">
+            <a:spAutoFit/>
+          </a:bodyPr>
+          <a:lstStyle/>
+          <a:p>
+            <a:pPr algn="just"/>
+            <a:r>
+              <a:rPr lang="en-US" sz="3500" dirty="0" smtClean="0">
+                <a:latin typeface="+mj-lt"/>
+              </a:rPr>
+              <a:t>These challenges can be addressed by using </a:t>
+            </a:r>
+            <a:r>
+              <a:rPr lang="en-US" sz="3500" b="1" dirty="0" smtClean="0">
+                <a:latin typeface="+mj-lt"/>
+              </a:rPr>
+              <a:t>wide band-gap (WBG) </a:t>
+            </a:r>
+            <a:r>
+              <a:rPr lang="en-US" sz="3500" dirty="0" smtClean="0">
+                <a:latin typeface="+mj-lt"/>
+              </a:rPr>
+              <a:t>power semiconductor devices such as </a:t>
+            </a:r>
+            <a:r>
+              <a:rPr lang="en-US" sz="3500" b="1" dirty="0" smtClean="0">
+                <a:latin typeface="+mj-lt"/>
+              </a:rPr>
+              <a:t>Gallium Nitride (GaN).</a:t>
+            </a:r>
+          </a:p>
+          <a:p>
+            <a:pPr marL="571500" indent="-571500" algn="l">
+              <a:buFont typeface="Arial" panose="020B0604020202020204" pitchFamily="34" charset="0"/>
+              <a:buChar char="•"/>
+            </a:pPr>
+            <a:r>
+              <a:rPr lang="en-US" sz="3500" dirty="0" smtClean="0"/>
+              <a:t>Low semiconductor  loss: </a:t>
+            </a:r>
+            <a:r>
+              <a:rPr lang="en-US" sz="3500" b="1" dirty="0" smtClean="0"/>
+              <a:t>heat sink </a:t>
+            </a:r>
+            <a:r>
+              <a:rPr lang="en-US" sz="3500" dirty="0" smtClean="0"/>
+              <a:t>size is reduced</a:t>
+            </a:r>
+          </a:p>
+          <a:p>
+            <a:pPr marL="571500" indent="-571500" algn="l">
+              <a:buFont typeface="Arial" panose="020B0604020202020204" pitchFamily="34" charset="0"/>
+              <a:buChar char="•"/>
+            </a:pPr>
+            <a:r>
+              <a:rPr lang="en-US" sz="3500" dirty="0" smtClean="0"/>
+              <a:t>High operation frequency: </a:t>
+            </a:r>
+            <a:r>
+              <a:rPr lang="en-US" sz="3500" b="1" dirty="0" smtClean="0"/>
+              <a:t>passive component </a:t>
+            </a:r>
+            <a:r>
+              <a:rPr lang="en-US" sz="3500" dirty="0" smtClean="0"/>
+              <a:t>size is reduced</a:t>
+            </a:r>
+            <a:endParaRPr lang="en-US" sz="3500" dirty="0"/>
+          </a:p>
+        </p:txBody>
+      </p:sp>
+      <p:sp>
+        <p:nvSpPr>
+          <p:cNvPr id="56" name="Text Box 9"/>
+          <p:cNvSpPr txBox="1">
+            <a:spLocks noChangeArrowheads="1"/>
+          </p:cNvSpPr>
+          <p:nvPr/>
+        </p:nvSpPr>
+        <p:spPr bwMode="auto">
+          <a:xfrm>
+            <a:off x="8022789" y="37771385"/>
+            <a:ext cx="6161621" cy="2785378"/>
+          </a:xfrm>
+          <a:prstGeom prst="rect">
+            <a:avLst/>
+          </a:prstGeom>
+          <a:noFill/>
+          <a:ln w="9525">
+            <a:noFill/>
+            <a:miter lim="800000"/>
+            <a:headEnd/>
+            <a:tailEnd/>
+          </a:ln>
+          <a:effectLst/>
+        </p:spPr>
+        <p:txBody>
+          <a:bodyPr wrap="square">
+            <a:spAutoFit/>
+          </a:bodyPr>
+          <a:lstStyle/>
+          <a:p>
+            <a:r>
+              <a:rPr lang="en-US" sz="3500" b="1" dirty="0" smtClean="0">
+                <a:latin typeface="+mj-lt"/>
+              </a:rPr>
+              <a:t>Additional challenges</a:t>
+            </a:r>
+          </a:p>
+          <a:p>
+            <a:r>
+              <a:rPr lang="en-US" sz="3500" dirty="0" smtClean="0">
+                <a:latin typeface="+mj-lt"/>
+              </a:rPr>
+              <a:t>Parasitic components become significant</a:t>
+            </a:r>
+          </a:p>
+          <a:p>
+            <a:r>
+              <a:rPr lang="en-US" sz="3500" dirty="0" smtClean="0">
+                <a:latin typeface="+mj-lt"/>
+              </a:rPr>
+              <a:t>Careful layout design is required</a:t>
+            </a:r>
+            <a:endParaRPr lang="en-US" sz="3500" dirty="0">
+              <a:latin typeface="+mj-lt"/>
+            </a:endParaRPr>
+          </a:p>
+        </p:txBody>
+      </p:sp>
       <p:pic>
         <p:nvPicPr>
-          <p:cNvPr id="33" name="Picture 32"/>
+          <p:cNvPr id="38" name="Picture 37"/>
           <p:cNvPicPr>
             <a:picLocks noChangeAspect="1"/>
           </p:cNvPicPr>
           <p:nvPr/>
         </p:nvPicPr>
-        <p:blipFill>
-          <a:blip r:embed="rId16"/>
-          <a:stretch>
-            <a:fillRect/>
-          </a:stretch>
+        <p:blipFill rotWithShape="1">
+          <a:blip r:embed="rId16">
+            <a:extLst>
+              <a:ext uri="{28A0092B-C50C-407E-A947-70E740481C1C}">
+                <a14:useLocalDpi xmlns:a14="http://schemas.microsoft.com/office/drawing/2010/main" val="0"/>
+              </a:ext>
+            </a:extLst>
+          </a:blip>
+          <a:srcRect l="21978" t="24769" r="17321" b="24816"/>
+          <a:stretch/>
         </p:blipFill>
         <p:spPr>
           <a:xfrm>
-            <a:off x="7950433" y="14624712"/>
-            <a:ext cx="6194191" cy="4938469"/>
+            <a:off x="2381549" y="39048658"/>
+            <a:ext cx="4519709" cy="2109198"/>
           </a:xfrm>
           <a:prstGeom prst="rect">
             <a:avLst/>
           </a:prstGeom>
         </p:spPr>
       </p:pic>
+      <p:sp>
+        <p:nvSpPr>
+          <p:cNvPr id="65" name="Text Box 9"/>
+          <p:cNvSpPr txBox="1">
+            <a:spLocks noChangeArrowheads="1"/>
+          </p:cNvSpPr>
+          <p:nvPr/>
+        </p:nvSpPr>
+        <p:spPr bwMode="auto">
+          <a:xfrm>
+            <a:off x="15955199" y="10093816"/>
+            <a:ext cx="5111659" cy="2246769"/>
+          </a:xfrm>
+          <a:prstGeom prst="rect">
+            <a:avLst/>
+          </a:prstGeom>
+          <a:noFill/>
+          <a:ln w="9525">
+            <a:noFill/>
+            <a:miter lim="800000"/>
+            <a:headEnd/>
+            <a:tailEnd/>
+          </a:ln>
+          <a:effectLst/>
+        </p:spPr>
+        <p:txBody>
+          <a:bodyPr wrap="square">
+            <a:spAutoFit/>
+          </a:bodyPr>
+          <a:lstStyle/>
+          <a:p>
+            <a:r>
+              <a:rPr lang="en-US" sz="3500" dirty="0" smtClean="0"/>
+              <a:t>DC link capacitors constitute 20% of </a:t>
+            </a:r>
+            <a:r>
+              <a:rPr lang="en-US" sz="3500" b="1" dirty="0" smtClean="0"/>
+              <a:t>cost</a:t>
+            </a:r>
+            <a:r>
+              <a:rPr lang="en-US" sz="3500" dirty="0" smtClean="0"/>
+              <a:t> and </a:t>
+            </a:r>
+            <a:r>
+              <a:rPr lang="en-US" sz="3500" b="1" dirty="0" smtClean="0"/>
+              <a:t>weight</a:t>
+            </a:r>
+            <a:r>
+              <a:rPr lang="en-US" sz="3500" dirty="0" smtClean="0"/>
+              <a:t>, and 30% of </a:t>
+            </a:r>
+            <a:r>
+              <a:rPr lang="en-US" sz="3500" b="1" dirty="0" smtClean="0"/>
+              <a:t>volume</a:t>
+            </a:r>
+          </a:p>
+        </p:txBody>
+      </p:sp>
+      <p:sp>
+        <p:nvSpPr>
+          <p:cNvPr id="66" name="Text Box 9"/>
+          <p:cNvSpPr txBox="1">
+            <a:spLocks noChangeArrowheads="1"/>
+          </p:cNvSpPr>
+          <p:nvPr/>
+        </p:nvSpPr>
+        <p:spPr bwMode="auto">
+          <a:xfrm>
+            <a:off x="15784496" y="13306138"/>
+            <a:ext cx="7203835" cy="4939814"/>
+          </a:xfrm>
+          <a:prstGeom prst="rect">
+            <a:avLst/>
+          </a:prstGeom>
+          <a:noFill/>
+          <a:ln w="9525">
+            <a:noFill/>
+            <a:miter lim="800000"/>
+            <a:headEnd/>
+            <a:tailEnd/>
+          </a:ln>
+          <a:effectLst/>
+        </p:spPr>
+        <p:txBody>
+          <a:bodyPr wrap="square">
+            <a:spAutoFit/>
+          </a:bodyPr>
+          <a:lstStyle/>
+          <a:p>
+            <a:pPr algn="l"/>
+            <a:r>
+              <a:rPr lang="en-US" sz="3500" dirty="0" smtClean="0"/>
+              <a:t>An </a:t>
+            </a:r>
+            <a:r>
+              <a:rPr lang="en-US" sz="3500" b="1" dirty="0" smtClean="0"/>
+              <a:t>analytical model </a:t>
+            </a:r>
+            <a:r>
+              <a:rPr lang="en-US" sz="3500" dirty="0" smtClean="0"/>
+              <a:t>has been constructed. An </a:t>
+            </a:r>
+            <a:r>
+              <a:rPr lang="en-US" sz="3500" b="1" dirty="0" smtClean="0"/>
+              <a:t>algorithm</a:t>
+            </a:r>
+            <a:r>
+              <a:rPr lang="en-US" sz="3500" dirty="0" smtClean="0"/>
+              <a:t> has been developed. A set of </a:t>
+            </a:r>
+            <a:r>
+              <a:rPr lang="en-US" sz="3500" b="1" dirty="0" smtClean="0"/>
+              <a:t>film capacitors </a:t>
+            </a:r>
+            <a:r>
+              <a:rPr lang="en-US" sz="3500" dirty="0" smtClean="0"/>
+              <a:t>are considered. Optimization is achieved based on:</a:t>
+            </a:r>
+          </a:p>
+          <a:p>
+            <a:pPr marL="457200" indent="-457200" algn="l">
+              <a:buFont typeface="Arial" panose="020B0604020202020204" pitchFamily="34" charset="0"/>
+              <a:buChar char="•"/>
+            </a:pPr>
+            <a:r>
+              <a:rPr lang="en-US" sz="3500" dirty="0" smtClean="0"/>
+              <a:t>Power density</a:t>
+            </a:r>
+          </a:p>
+          <a:p>
+            <a:pPr marL="457200" indent="-457200" algn="l">
+              <a:buFont typeface="Arial" panose="020B0604020202020204" pitchFamily="34" charset="0"/>
+              <a:buChar char="•"/>
+            </a:pPr>
+            <a:r>
+              <a:rPr lang="en-US" sz="3500" dirty="0" smtClean="0"/>
+              <a:t>Cost</a:t>
+            </a:r>
+          </a:p>
+          <a:p>
+            <a:pPr marL="457200" indent="-457200" algn="l">
+              <a:buFont typeface="Arial" panose="020B0604020202020204" pitchFamily="34" charset="0"/>
+              <a:buChar char="•"/>
+            </a:pPr>
+            <a:r>
+              <a:rPr lang="en-US" sz="3500" dirty="0" smtClean="0"/>
+              <a:t>Height</a:t>
+            </a:r>
+          </a:p>
+          <a:p>
+            <a:pPr marL="457200" indent="-457200" algn="l">
+              <a:buFont typeface="Arial" panose="020B0604020202020204" pitchFamily="34" charset="0"/>
+              <a:buChar char="•"/>
+            </a:pPr>
+            <a:r>
+              <a:rPr lang="en-US" sz="3500" dirty="0" smtClean="0"/>
+              <a:t>Temperature rise</a:t>
+            </a:r>
+          </a:p>
+        </p:txBody>
+      </p:sp>
+      <p:sp>
+        <p:nvSpPr>
+          <p:cNvPr id="68" name="Text Box 9"/>
+          <p:cNvSpPr txBox="1">
+            <a:spLocks noChangeArrowheads="1"/>
+          </p:cNvSpPr>
+          <p:nvPr/>
+        </p:nvSpPr>
+        <p:spPr bwMode="auto">
+          <a:xfrm>
+            <a:off x="16155362" y="18402521"/>
+            <a:ext cx="6514138" cy="707886"/>
+          </a:xfrm>
+          <a:prstGeom prst="rect">
+            <a:avLst/>
+          </a:prstGeom>
+          <a:noFill/>
+          <a:ln w="9525">
+            <a:noFill/>
+            <a:miter lim="800000"/>
+            <a:headEnd/>
+            <a:tailEnd/>
+          </a:ln>
+          <a:effectLst/>
+        </p:spPr>
+        <p:txBody>
+          <a:bodyPr wrap="square">
+            <a:spAutoFit/>
+          </a:bodyPr>
+          <a:lstStyle/>
+          <a:p>
+            <a:r>
+              <a:rPr lang="en-US" sz="4000" b="1" dirty="0" smtClean="0"/>
+              <a:t>Effect of interleaving</a:t>
+            </a:r>
+            <a:endParaRPr lang="en-US" sz="4000" dirty="0" smtClean="0">
+              <a:latin typeface="+mj-lt"/>
+            </a:endParaRPr>
+          </a:p>
+        </p:txBody>
+      </p:sp>
+      <p:sp>
+        <p:nvSpPr>
+          <p:cNvPr id="69" name="Text Box 9"/>
+          <p:cNvSpPr txBox="1">
+            <a:spLocks noChangeArrowheads="1"/>
+          </p:cNvSpPr>
+          <p:nvPr/>
+        </p:nvSpPr>
+        <p:spPr bwMode="auto">
+          <a:xfrm>
+            <a:off x="22742479" y="19849148"/>
+            <a:ext cx="6514138" cy="707886"/>
+          </a:xfrm>
+          <a:prstGeom prst="rect">
+            <a:avLst/>
+          </a:prstGeom>
+          <a:noFill/>
+          <a:ln w="9525">
+            <a:noFill/>
+            <a:miter lim="800000"/>
+            <a:headEnd/>
+            <a:tailEnd/>
+          </a:ln>
+          <a:effectLst/>
+        </p:spPr>
+        <p:txBody>
+          <a:bodyPr wrap="square">
+            <a:spAutoFit/>
+          </a:bodyPr>
+          <a:lstStyle/>
+          <a:p>
+            <a:r>
+              <a:rPr lang="en-US" sz="4000" b="1" dirty="0" smtClean="0"/>
+              <a:t>Phase-shift angle</a:t>
+            </a:r>
+            <a:endParaRPr lang="en-US" sz="4000" dirty="0" smtClean="0">
+              <a:latin typeface="+mj-lt"/>
+            </a:endParaRPr>
+          </a:p>
+        </p:txBody>
+      </p:sp>
       <p:pic>
         <p:nvPicPr>
-          <p:cNvPr id="36" name="Picture 35"/>
+          <p:cNvPr id="3" name="Picture 2"/>
           <p:cNvPicPr>
             <a:picLocks noChangeAspect="1"/>
           </p:cNvPicPr>
@@ -2845,8 +3451,8 @@
         </p:blipFill>
         <p:spPr>
           <a:xfrm>
-            <a:off x="16569724" y="28482417"/>
-            <a:ext cx="4797010" cy="4251531"/>
+            <a:off x="15784496" y="29521674"/>
+            <a:ext cx="6885004" cy="2420878"/>
           </a:xfrm>
           <a:prstGeom prst="rect">
             <a:avLst/>
@@ -2855,7 +3461,7 @@
       </p:pic>
       <p:sp>
         <p:nvSpPr>
-          <p:cNvPr id="52" name="Text Box 9"/>
+          <p:cNvPr id="55" name="Text Box 9"/>
           <p:cNvSpPr txBox="1">
             <a:spLocks noChangeArrowheads="1"/>
           </p:cNvSpPr>
@@ -2863,8 +3469,8 @@
         </p:nvSpPr>
         <p:spPr bwMode="auto">
           <a:xfrm>
-            <a:off x="7464802" y="21032213"/>
-            <a:ext cx="6672197" cy="3400931"/>
+            <a:off x="16474193" y="28388279"/>
+            <a:ext cx="6514138" cy="707886"/>
           </a:xfrm>
           <a:prstGeom prst="rect">
             <a:avLst/>
@@ -2886,57 +3492,17 @@
           <a:p>
             <a:r>
               <a:rPr lang="en-US" sz="4000" b="1" dirty="0" smtClean="0"/>
-              <a:t>Modularization</a:t>
-            </a:r>
-            <a:endParaRPr lang="en-US" sz="4000" dirty="0" smtClean="0"/>
-          </a:p>
-          <a:p>
-            <a:pPr marL="571500" indent="-571500" algn="l">
-              <a:buFont typeface="Wingdings" panose="05000000000000000000" pitchFamily="2" charset="2"/>
-              <a:buChar char="ü"/>
-            </a:pPr>
-            <a:r>
-              <a:rPr lang="en-US" sz="3500" b="1" dirty="0" smtClean="0"/>
-              <a:t>Fault tolerance </a:t>
-            </a:r>
-            <a:r>
-              <a:rPr lang="en-US" sz="3500" dirty="0" smtClean="0"/>
-              <a:t>is increased</a:t>
-            </a:r>
-          </a:p>
-          <a:p>
-            <a:pPr marL="571500" indent="-571500" algn="l">
-              <a:buFont typeface="Wingdings" panose="05000000000000000000" pitchFamily="2" charset="2"/>
-              <a:buChar char="ü"/>
-            </a:pPr>
-            <a:r>
-              <a:rPr lang="en-US" sz="3500" b="1" dirty="0" smtClean="0"/>
-              <a:t>Voltage stress </a:t>
-            </a:r>
-            <a:r>
-              <a:rPr lang="en-US" sz="3500" dirty="0" smtClean="0"/>
-              <a:t>on modules is reduced</a:t>
-            </a:r>
-          </a:p>
-          <a:p>
-            <a:pPr marL="571500" indent="-571500" algn="l">
-              <a:buFont typeface="Wingdings" panose="05000000000000000000" pitchFamily="2" charset="2"/>
-              <a:buChar char="ü"/>
-            </a:pPr>
-            <a:r>
-              <a:rPr lang="en-US" sz="3500" b="1" dirty="0" smtClean="0"/>
-              <a:t>Heat dissipation </a:t>
-            </a:r>
-            <a:r>
-              <a:rPr lang="en-US" sz="3500" dirty="0" smtClean="0"/>
-              <a:t>is distributed to a wider area</a:t>
-            </a:r>
+              <a:t>Proposed Topology</a:t>
+            </a:r>
+            <a:endParaRPr lang="en-US" sz="4000" dirty="0" smtClean="0">
+              <a:latin typeface="+mj-lt"/>
+            </a:endParaRPr>
           </a:p>
         </p:txBody>
       </p:sp>
       <p:sp>
         <p:nvSpPr>
-          <p:cNvPr id="53" name="Text Box 9"/>
+          <p:cNvPr id="64" name="Text Box 9"/>
           <p:cNvSpPr txBox="1">
             <a:spLocks noChangeArrowheads="1"/>
           </p:cNvSpPr>
@@ -2944,8 +3510,8 @@
         </p:nvSpPr>
         <p:spPr bwMode="auto">
           <a:xfrm>
-            <a:off x="1436295" y="25286163"/>
-            <a:ext cx="6514138" cy="2862322"/>
+            <a:off x="15955199" y="26385893"/>
+            <a:ext cx="13248450" cy="1708160"/>
           </a:xfrm>
           <a:prstGeom prst="rect">
             <a:avLst/>
@@ -2965,40 +3531,51 @@
           </a:bodyPr>
           <a:lstStyle/>
           <a:p>
-            <a:r>
-              <a:rPr lang="en-US" sz="4000" b="1" dirty="0" smtClean="0"/>
-              <a:t>Applications</a:t>
-            </a:r>
-            <a:endParaRPr lang="en-US" sz="4000" dirty="0" smtClean="0">
+            <a:pPr marL="457200" indent="-457200" algn="l">
+              <a:buFont typeface="Wingdings" panose="05000000000000000000" pitchFamily="2" charset="2"/>
+              <a:buChar char="ü"/>
+            </a:pPr>
+            <a:r>
+              <a:rPr lang="en-US" sz="3500" dirty="0" smtClean="0"/>
+              <a:t>Series and parallel connected three-phase inverter modules</a:t>
+            </a:r>
+          </a:p>
+          <a:p>
+            <a:pPr marL="457200" indent="-457200" algn="l">
+              <a:buFont typeface="Wingdings" panose="05000000000000000000" pitchFamily="2" charset="2"/>
+              <a:buChar char="ü"/>
+            </a:pPr>
+            <a:r>
+              <a:rPr lang="en-US" sz="3500" dirty="0" smtClean="0"/>
+              <a:t>Fractional Slot Concentrated Winding (FSCW) </a:t>
+            </a:r>
+            <a:r>
+              <a:rPr lang="en-US" sz="3500" dirty="0" smtClean="0"/>
+              <a:t>s</a:t>
+            </a:r>
+            <a:r>
+              <a:rPr lang="en-US" sz="3500" dirty="0" smtClean="0"/>
+              <a:t>tator</a:t>
+            </a:r>
+          </a:p>
+          <a:p>
+            <a:pPr marL="457200" indent="-457200" algn="l">
+              <a:buFont typeface="Wingdings" panose="05000000000000000000" pitchFamily="2" charset="2"/>
+              <a:buChar char="ü"/>
+            </a:pPr>
+            <a:r>
+              <a:rPr lang="en-US" sz="3500" dirty="0" smtClean="0"/>
+              <a:t>Permanent Magnet Brushless DC (PM-BLDC) motor</a:t>
+            </a:r>
+            <a:endParaRPr lang="en-US" sz="3500" dirty="0" smtClean="0">
               <a:latin typeface="+mj-lt"/>
             </a:endParaRPr>
-          </a:p>
-          <a:p>
-            <a:r>
-              <a:rPr lang="en-US" sz="3500" dirty="0" smtClean="0"/>
-              <a:t>Electric traction</a:t>
-            </a:r>
-            <a:r>
-              <a:rPr lang="tr-TR" sz="3500" dirty="0" smtClean="0"/>
-              <a:t>:</a:t>
-            </a:r>
-            <a:r>
-              <a:rPr lang="en-US" sz="3500" dirty="0" smtClean="0"/>
-              <a:t> electric vehicles, trains</a:t>
-            </a:r>
-            <a:endParaRPr lang="tr-TR" sz="3500" dirty="0" smtClean="0"/>
-          </a:p>
-          <a:p>
-            <a:r>
-              <a:rPr lang="en-US" sz="3500" dirty="0" smtClean="0"/>
-              <a:t>Aerospace: aircrafts, space crafts</a:t>
-            </a:r>
           </a:p>
         </p:txBody>
       </p:sp>
       <p:sp>
         <p:nvSpPr>
-          <p:cNvPr id="54" name="Text Box 9"/>
+          <p:cNvPr id="67" name="Text Box 9"/>
           <p:cNvSpPr txBox="1">
             <a:spLocks noChangeArrowheads="1"/>
           </p:cNvSpPr>
@@ -3006,8 +3583,8 @@
         </p:nvSpPr>
         <p:spPr bwMode="auto">
           <a:xfrm>
-            <a:off x="1126240" y="33273425"/>
-            <a:ext cx="7035213" cy="5478423"/>
+            <a:off x="22917232" y="28400595"/>
+            <a:ext cx="6514138" cy="707886"/>
           </a:xfrm>
           <a:prstGeom prst="rect">
             <a:avLst/>
@@ -3027,74 +3604,19 @@
           </a:bodyPr>
           <a:lstStyle/>
           <a:p>
-            <a:pPr algn="just"/>
-            <a:r>
-              <a:rPr lang="en-US" sz="3500" dirty="0" smtClean="0">
-                <a:latin typeface="+mj-lt"/>
-              </a:rPr>
-              <a:t>These challenges can be addressed by using </a:t>
-            </a:r>
-            <a:r>
-              <a:rPr lang="en-US" sz="3500" b="1" dirty="0" smtClean="0">
-                <a:latin typeface="+mj-lt"/>
-              </a:rPr>
-              <a:t>wide band-gap (WBG) </a:t>
-            </a:r>
-            <a:r>
-              <a:rPr lang="en-US" sz="3500" dirty="0" smtClean="0">
-                <a:latin typeface="+mj-lt"/>
-              </a:rPr>
-              <a:t>power semiconductor devices such as </a:t>
-            </a:r>
-            <a:r>
-              <a:rPr lang="en-US" sz="3500" b="1" dirty="0" smtClean="0">
-                <a:latin typeface="+mj-lt"/>
-              </a:rPr>
-              <a:t>Gallium Nitride (GaN).</a:t>
-            </a:r>
-          </a:p>
-          <a:p>
-            <a:pPr marL="571500" indent="-571500" algn="l">
-              <a:buFont typeface="Arial" panose="020B0604020202020204" pitchFamily="34" charset="0"/>
-              <a:buChar char="•"/>
-            </a:pPr>
-            <a:r>
-              <a:rPr lang="en-US" sz="3500" dirty="0" smtClean="0"/>
-              <a:t>Low semiconductor  loss: </a:t>
-            </a:r>
-            <a:r>
-              <a:rPr lang="en-US" sz="3500" b="1" dirty="0" smtClean="0"/>
-              <a:t>heat sink </a:t>
-            </a:r>
-            <a:r>
-              <a:rPr lang="en-US" sz="3500" dirty="0" smtClean="0"/>
-              <a:t>size is reduced</a:t>
-            </a:r>
-          </a:p>
-          <a:p>
-            <a:pPr marL="571500" indent="-571500" algn="l">
-              <a:buFont typeface="Arial" panose="020B0604020202020204" pitchFamily="34" charset="0"/>
-              <a:buChar char="•"/>
-            </a:pPr>
-            <a:r>
-              <a:rPr lang="en-US" sz="3500" dirty="0" smtClean="0"/>
-              <a:t>High operation frequency: </a:t>
-            </a:r>
-            <a:r>
-              <a:rPr lang="en-US" sz="3500" b="1" dirty="0" smtClean="0"/>
-              <a:t>passive component </a:t>
-            </a:r>
-            <a:r>
-              <a:rPr lang="en-US" sz="3500" dirty="0" smtClean="0"/>
-              <a:t>size is reduced</a:t>
-            </a:r>
-            <a:endParaRPr lang="en-US" sz="3500" dirty="0"/>
+            <a:r>
+              <a:rPr lang="en-US" sz="4000" b="1" dirty="0" smtClean="0"/>
+              <a:t>Winding diagram</a:t>
+            </a:r>
+            <a:endParaRPr lang="en-US" sz="4000" dirty="0" smtClean="0">
+              <a:latin typeface="+mj-lt"/>
+            </a:endParaRPr>
           </a:p>
         </p:txBody>
       </p:sp>
       <p:sp>
         <p:nvSpPr>
-          <p:cNvPr id="56" name="Text Box 9"/>
+          <p:cNvPr id="70" name="Text Box 9"/>
           <p:cNvSpPr txBox="1">
             <a:spLocks noChangeArrowheads="1"/>
           </p:cNvSpPr>
@@ -3102,8 +3624,8 @@
         </p:nvSpPr>
         <p:spPr bwMode="auto">
           <a:xfrm>
-            <a:off x="8022789" y="37771385"/>
-            <a:ext cx="6161621" cy="2785378"/>
+            <a:off x="22742478" y="32642689"/>
+            <a:ext cx="6514138" cy="707886"/>
           </a:xfrm>
           <a:prstGeom prst="rect">
             <a:avLst/>
@@ -3124,28 +3646,14 @@
           <a:lstStyle/>
           <a:p>
             <a:r>
-              <a:rPr lang="en-US" sz="3500" b="1" dirty="0" smtClean="0">
-                <a:latin typeface="+mj-lt"/>
-              </a:rPr>
-              <a:t>Additional challenges</a:t>
-            </a:r>
-          </a:p>
-          <a:p>
-            <a:r>
-              <a:rPr lang="en-US" sz="3500" dirty="0" smtClean="0">
-                <a:latin typeface="+mj-lt"/>
-              </a:rPr>
-              <a:t>Parasitic components become significant</a:t>
-            </a:r>
-          </a:p>
-          <a:p>
-            <a:r>
-              <a:rPr lang="en-US" sz="3500" dirty="0" smtClean="0">
-                <a:latin typeface="+mj-lt"/>
-              </a:rPr>
-              <a:t>Careful layout design is required</a:t>
-            </a:r>
-            <a:endParaRPr lang="en-US" sz="3500" dirty="0">
+              <a:rPr lang="en-US" sz="4000" b="1" dirty="0" smtClean="0"/>
+              <a:t>Loss </a:t>
+            </a:r>
+            <a:r>
+              <a:rPr lang="en-US" sz="4000" b="1" dirty="0" err="1" smtClean="0"/>
+              <a:t>Characterisation</a:t>
+            </a:r>
+            <a:endParaRPr lang="en-US" sz="4000" dirty="0" smtClean="0">
               <a:latin typeface="+mj-lt"/>
             </a:endParaRPr>
           </a:p>
@@ -3153,27 +3661,22 @@
       </p:sp>
       <p:pic>
         <p:nvPicPr>
-          <p:cNvPr id="38" name="Picture 37"/>
+          <p:cNvPr id="6" name="Picture 5"/>
           <p:cNvPicPr>
             <a:picLocks noChangeAspect="1"/>
           </p:cNvPicPr>
           <p:nvPr/>
         </p:nvPicPr>
-        <p:blipFill rotWithShape="1">
-          <a:blip r:embed="rId18">
-            <a:extLst>
-              <a:ext uri="{28A0092B-C50C-407E-A947-70E740481C1C}">
-                <a14:useLocalDpi xmlns:a14="http://schemas.microsoft.com/office/drawing/2010/main" val="0"/>
-              </a:ext>
-            </a:extLst>
-          </a:blip>
-          <a:srcRect l="21978" t="24769" r="17321" b="24816"/>
-          <a:stretch/>
+        <p:blipFill>
+          <a:blip r:embed="rId18"/>
+          <a:stretch>
+            <a:fillRect/>
+          </a:stretch>
         </p:blipFill>
         <p:spPr>
           <a:xfrm>
-            <a:off x="2381549" y="39048658"/>
-            <a:ext cx="4519709" cy="2109198"/>
+            <a:off x="23327312" y="33350575"/>
+            <a:ext cx="5071587" cy="4838411"/>
           </a:xfrm>
           <a:prstGeom prst="rect">
             <a:avLst/>
@@ -3182,7 +3685,7 @@
       </p:pic>
       <p:sp>
         <p:nvSpPr>
-          <p:cNvPr id="65" name="Text Box 9"/>
+          <p:cNvPr id="71" name="Text Box 9"/>
           <p:cNvSpPr txBox="1">
             <a:spLocks noChangeArrowheads="1"/>
           </p:cNvSpPr>
@@ -3190,8 +3693,8 @@
         </p:nvSpPr>
         <p:spPr bwMode="auto">
           <a:xfrm>
-            <a:off x="15955199" y="10093816"/>
-            <a:ext cx="5111659" cy="2246769"/>
+            <a:off x="16146647" y="33609721"/>
+            <a:ext cx="6984999" cy="3323987"/>
           </a:xfrm>
           <a:prstGeom prst="rect">
             <a:avLst/>
@@ -3212,35 +3715,58 @@
           <a:lstStyle/>
           <a:p>
             <a:r>
-              <a:rPr lang="en-US" sz="3500" dirty="0" smtClean="0"/>
-              <a:t>DC link capacitors constitute 20% of </a:t>
-            </a:r>
-            <a:r>
-              <a:rPr lang="en-US" sz="3500" b="1" dirty="0" smtClean="0"/>
-              <a:t>cost</a:t>
-            </a:r>
-            <a:r>
-              <a:rPr lang="en-US" sz="3500" dirty="0" smtClean="0"/>
-              <a:t> and </a:t>
-            </a:r>
-            <a:r>
-              <a:rPr lang="en-US" sz="3500" b="1" dirty="0" smtClean="0"/>
-              <a:t>weight</a:t>
-            </a:r>
-            <a:r>
-              <a:rPr lang="en-US" sz="3500" dirty="0" smtClean="0"/>
-              <a:t>, and 30% of </a:t>
-            </a:r>
-            <a:r>
-              <a:rPr lang="en-US" sz="3500" b="1" dirty="0" smtClean="0"/>
-              <a:t>volume</a:t>
-            </a:r>
+              <a:rPr lang="en-US" sz="3500" dirty="0" smtClean="0">
+                <a:latin typeface="+mj-lt"/>
+              </a:rPr>
+              <a:t>4 three-phase modules</a:t>
+            </a:r>
+          </a:p>
+          <a:p>
+            <a:r>
+              <a:rPr lang="en-US" sz="3500" dirty="0" smtClean="0">
+                <a:latin typeface="+mj-lt"/>
+              </a:rPr>
+              <a:t>24 slot double layer stator</a:t>
+            </a:r>
+          </a:p>
+          <a:p>
+            <a:r>
+              <a:rPr lang="en-US" sz="3500" dirty="0" smtClean="0">
+                <a:latin typeface="+mj-lt"/>
+              </a:rPr>
+              <a:t>20 pole rotor</a:t>
+            </a:r>
+          </a:p>
+          <a:p>
+            <a:r>
+              <a:rPr lang="en-US" sz="3500" dirty="0" smtClean="0">
+                <a:latin typeface="+mj-lt"/>
+              </a:rPr>
+              <a:t>600V – 20A GaN FETs</a:t>
+            </a:r>
+          </a:p>
+          <a:p>
+            <a:r>
+              <a:rPr lang="en-US" sz="3500" dirty="0" smtClean="0">
+                <a:latin typeface="+mj-lt"/>
+              </a:rPr>
+              <a:t>4 20uF, 450V capacitors</a:t>
+            </a:r>
+            <a:r>
+              <a:rPr lang="en-US" sz="3500" dirty="0" smtClean="0">
+                <a:latin typeface="+mj-lt"/>
+              </a:rPr>
+              <a:t>, connected in parallel</a:t>
+            </a:r>
+            <a:endParaRPr lang="en-US" sz="3500" dirty="0" smtClean="0">
+              <a:latin typeface="+mj-lt"/>
+            </a:endParaRPr>
           </a:p>
         </p:txBody>
       </p:sp>
       <p:sp>
         <p:nvSpPr>
-          <p:cNvPr id="66" name="Text Box 9"/>
+          <p:cNvPr id="72" name="Text Box 9"/>
           <p:cNvSpPr txBox="1">
             <a:spLocks noChangeArrowheads="1"/>
           </p:cNvSpPr>
@@ -3248,8 +3774,8 @@
         </p:nvSpPr>
         <p:spPr bwMode="auto">
           <a:xfrm>
-            <a:off x="15784496" y="13306138"/>
-            <a:ext cx="7203835" cy="4939814"/>
+            <a:off x="16351790" y="32686608"/>
+            <a:ext cx="6514138" cy="707886"/>
           </a:xfrm>
           <a:prstGeom prst="rect">
             <a:avLst/>
@@ -3269,169 +3795,9 @@
           </a:bodyPr>
           <a:lstStyle/>
           <a:p>
-            <a:pPr algn="l"/>
-            <a:r>
-              <a:rPr lang="en-US" sz="3500" dirty="0" smtClean="0"/>
-              <a:t>An </a:t>
-            </a:r>
-            <a:r>
-              <a:rPr lang="en-US" sz="3500" b="1" dirty="0" smtClean="0"/>
-              <a:t>analytical model </a:t>
-            </a:r>
-            <a:r>
-              <a:rPr lang="en-US" sz="3500" dirty="0" smtClean="0"/>
-              <a:t>has been constructed. An </a:t>
-            </a:r>
-            <a:r>
-              <a:rPr lang="en-US" sz="3500" b="1" dirty="0" smtClean="0"/>
-              <a:t>algorithm</a:t>
-            </a:r>
-            <a:r>
-              <a:rPr lang="en-US" sz="3500" dirty="0" smtClean="0"/>
-              <a:t> has been developed. A set of </a:t>
-            </a:r>
-            <a:r>
-              <a:rPr lang="en-US" sz="3500" b="1" dirty="0" smtClean="0"/>
-              <a:t>film capacitors </a:t>
-            </a:r>
-            <a:r>
-              <a:rPr lang="en-US" sz="3500" dirty="0" smtClean="0"/>
-              <a:t>are considered. Optimization is achieved based on:</a:t>
-            </a:r>
-          </a:p>
-          <a:p>
-            <a:pPr marL="457200" indent="-457200" algn="l">
-              <a:buFont typeface="Arial" panose="020B0604020202020204" pitchFamily="34" charset="0"/>
-              <a:buChar char="•"/>
-            </a:pPr>
-            <a:r>
-              <a:rPr lang="en-US" sz="3500" dirty="0" smtClean="0"/>
-              <a:t>Power density</a:t>
-            </a:r>
-          </a:p>
-          <a:p>
-            <a:pPr marL="457200" indent="-457200" algn="l">
-              <a:buFont typeface="Arial" panose="020B0604020202020204" pitchFamily="34" charset="0"/>
-              <a:buChar char="•"/>
-            </a:pPr>
-            <a:r>
-              <a:rPr lang="en-US" sz="3500" dirty="0" smtClean="0"/>
-              <a:t>Cost</a:t>
-            </a:r>
-          </a:p>
-          <a:p>
-            <a:pPr marL="457200" indent="-457200" algn="l">
-              <a:buFont typeface="Arial" panose="020B0604020202020204" pitchFamily="34" charset="0"/>
-              <a:buChar char="•"/>
-            </a:pPr>
-            <a:r>
-              <a:rPr lang="en-US" sz="3500" dirty="0" smtClean="0"/>
-              <a:t>Height</a:t>
-            </a:r>
-          </a:p>
-          <a:p>
-            <a:pPr marL="457200" indent="-457200" algn="l">
-              <a:buFont typeface="Arial" panose="020B0604020202020204" pitchFamily="34" charset="0"/>
-              <a:buChar char="•"/>
-            </a:pPr>
-            <a:r>
-              <a:rPr lang="en-US" sz="3500" dirty="0" smtClean="0"/>
-              <a:t>Temperature rise</a:t>
-            </a:r>
-          </a:p>
-        </p:txBody>
-      </p:sp>
-      <p:sp>
-        <p:nvSpPr>
-          <p:cNvPr id="68" name="Text Box 9"/>
-          <p:cNvSpPr txBox="1">
-            <a:spLocks noChangeArrowheads="1"/>
-          </p:cNvSpPr>
-          <p:nvPr/>
-        </p:nvSpPr>
-        <p:spPr bwMode="auto">
-          <a:xfrm>
-            <a:off x="16155362" y="18402521"/>
-            <a:ext cx="6514138" cy="707886"/>
-          </a:xfrm>
-          <a:prstGeom prst="rect">
-            <a:avLst/>
-          </a:prstGeom>
-          <a:noFill/>
-          <a:ln w="9525">
-            <a:noFill/>
-            <a:miter lim="800000"/>
-            <a:headEnd/>
-            <a:tailEnd/>
-          </a:ln>
-          <a:effectLst/>
-        </p:spPr>
-        <p:txBody>
-          <a:bodyPr wrap="square">
-            <a:spAutoFit/>
-          </a:bodyPr>
-          <a:lstStyle/>
-          <a:p>
-            <a:r>
-              <a:rPr lang="tr-TR" sz="4000" b="1" dirty="0" err="1" smtClean="0"/>
-              <a:t>Effect</a:t>
-            </a:r>
-            <a:r>
-              <a:rPr lang="tr-TR" sz="4000" b="1" dirty="0" smtClean="0"/>
-              <a:t> of </a:t>
-            </a:r>
-            <a:r>
-              <a:rPr lang="tr-TR" sz="4000" b="1" dirty="0" err="1" smtClean="0"/>
-              <a:t>interleaving</a:t>
-            </a:r>
-            <a:endParaRPr lang="en-US" sz="4000" dirty="0" smtClean="0">
-              <a:latin typeface="+mj-lt"/>
-            </a:endParaRPr>
-          </a:p>
-        </p:txBody>
-      </p:sp>
-      <p:sp>
-        <p:nvSpPr>
-          <p:cNvPr id="69" name="Text Box 9"/>
-          <p:cNvSpPr txBox="1">
-            <a:spLocks noChangeArrowheads="1"/>
-          </p:cNvSpPr>
-          <p:nvPr/>
-        </p:nvSpPr>
-        <p:spPr bwMode="auto">
-          <a:xfrm>
-            <a:off x="22742479" y="19849148"/>
-            <a:ext cx="6514138" cy="707886"/>
-          </a:xfrm>
-          <a:prstGeom prst="rect">
-            <a:avLst/>
-          </a:prstGeom>
-          <a:noFill/>
-          <a:ln w="9525">
-            <a:noFill/>
-            <a:miter lim="800000"/>
-            <a:headEnd/>
-            <a:tailEnd/>
-          </a:ln>
-          <a:effectLst/>
-        </p:spPr>
-        <p:txBody>
-          <a:bodyPr wrap="square">
-            <a:spAutoFit/>
-          </a:bodyPr>
-          <a:lstStyle/>
-          <a:p>
-            <a:r>
-              <a:rPr lang="tr-TR" sz="4000" b="1" dirty="0" err="1" smtClean="0"/>
-              <a:t>Phase-shift</a:t>
-            </a:r>
-            <a:r>
-              <a:rPr lang="tr-TR" sz="4000" b="1" dirty="0" smtClean="0"/>
-              <a:t> </a:t>
-            </a:r>
-            <a:r>
-              <a:rPr lang="tr-TR" sz="4000" b="1" dirty="0" err="1" smtClean="0"/>
-              <a:t>angle</a:t>
+            <a:r>
+              <a:rPr lang="en-US" sz="4000" b="1" dirty="0" smtClean="0"/>
+              <a:t>Specifications</a:t>
             </a:r>
             <a:endParaRPr lang="en-US" sz="4000" dirty="0" smtClean="0">
               <a:latin typeface="+mj-lt"/>

--- a/GRW2017/grw2017_poster.pptx
+++ b/GRW2017/grw2017_poster.pptx
@@ -1582,7 +1582,19 @@
             </a:r>
             <a:r>
               <a:rPr lang="en-US" sz="3600" dirty="0" smtClean="0"/>
-              <a:t>the motor drive is integrated directly to the motor back-end and the system is modularized by dividing into several parts.</a:t>
+              <a:t>the motor drive is integrated directly to the motor back-end and the system is modularized by dividing into several </a:t>
+            </a:r>
+            <a:r>
+              <a:rPr lang="en-US" sz="3600" dirty="0" smtClean="0"/>
+              <a:t>parts</a:t>
+            </a:r>
+            <a:r>
+              <a:rPr lang="tr-TR" sz="3600" dirty="0" smtClean="0"/>
+              <a:t> [1]</a:t>
+            </a:r>
+            <a:r>
+              <a:rPr lang="en-US" sz="3600" dirty="0" smtClean="0"/>
+              <a:t>.</a:t>
             </a:r>
             <a:endParaRPr lang="en-US" sz="3600" dirty="0">
               <a:latin typeface="+mj-lt"/>
@@ -2155,8 +2167,21 @@
             </a:r>
             <a:r>
               <a:rPr lang="en-US" sz="3500" dirty="0" smtClean="0"/>
-              <a:t>of the overall system is enhanced significantly.</a:t>
-            </a:r>
+              <a:t>of the overall system is enhanced </a:t>
+            </a:r>
+            <a:r>
+              <a:rPr lang="en-US" sz="3500" dirty="0" smtClean="0"/>
+              <a:t>significantly</a:t>
+            </a:r>
+            <a:r>
+              <a:rPr lang="tr-TR" sz="3500" dirty="0" smtClean="0"/>
+              <a:t> [2]</a:t>
+            </a:r>
+            <a:r>
+              <a:rPr lang="en-US" sz="3500" dirty="0" smtClean="0"/>
+              <a:t>.</a:t>
+            </a:r>
+            <a:endParaRPr lang="en-US" sz="3500" dirty="0" smtClean="0"/>
           </a:p>
           <a:p>
             <a:pPr marL="571500" indent="-571500" algn="l">
@@ -2236,8 +2261,17 @@
             </a:pPr>
             <a:r>
               <a:rPr lang="en-US" sz="3500" dirty="0" smtClean="0"/>
-              <a:t>Power and control electronics components are subjected to high temperature and vibration</a:t>
-            </a:r>
+              <a:t>Power and control electronics components are subjected to high temperature and </a:t>
+            </a:r>
+            <a:r>
+              <a:rPr lang="en-US" sz="3500" dirty="0" smtClean="0"/>
+              <a:t>vibration</a:t>
+            </a:r>
+            <a:r>
+              <a:rPr lang="tr-TR" sz="3500" dirty="0" smtClean="0"/>
+              <a:t> [3].</a:t>
+            </a:r>
+            <a:endParaRPr lang="en-US" sz="3500" dirty="0" smtClean="0"/>
           </a:p>
         </p:txBody>
       </p:sp>
@@ -2303,7 +2337,7 @@
         </p:nvSpPr>
         <p:spPr bwMode="auto">
           <a:xfrm>
-            <a:off x="16111537" y="25228952"/>
+            <a:off x="16140691" y="24847382"/>
             <a:ext cx="13115925" cy="1015663"/>
           </a:xfrm>
           <a:prstGeom prst="rect">
@@ -2355,8 +2389,8 @@
         </p:nvSpPr>
         <p:spPr bwMode="auto">
           <a:xfrm>
-            <a:off x="16184516" y="37851350"/>
-            <a:ext cx="13115925" cy="3785652"/>
+            <a:off x="30805953" y="29788394"/>
+            <a:ext cx="13115925" cy="2862322"/>
           </a:xfrm>
           <a:prstGeom prst="rect">
             <a:avLst/>
@@ -2548,76 +2582,6 @@
               <a:t>.</a:t>
             </a:r>
             <a:endParaRPr lang="tr-TR" sz="2000" dirty="0" smtClean="0"/>
-          </a:p>
-          <a:p>
-            <a:pPr marL="514350" indent="-514350" algn="l" defTabSz="4389438">
-              <a:spcBef>
-                <a:spcPts val="0"/>
-              </a:spcBef>
-              <a:buFont typeface="+mj-lt"/>
-              <a:buAutoNum type="arabicPeriod"/>
-            </a:pPr>
-            <a:r>
-              <a:rPr lang="en-US" sz="2000" dirty="0" smtClean="0"/>
-              <a:t>M</a:t>
-            </a:r>
-            <a:r>
-              <a:rPr lang="en-US" sz="2000" dirty="0"/>
-              <a:t>. D. </a:t>
-            </a:r>
-            <a:r>
-              <a:rPr lang="en-US" sz="2000" dirty="0" err="1"/>
-              <a:t>Hennen</a:t>
-            </a:r>
-            <a:r>
-              <a:rPr lang="en-US" sz="2000" dirty="0"/>
-              <a:t>, M. </a:t>
-            </a:r>
-            <a:r>
-              <a:rPr lang="en-US" sz="2000" dirty="0" err="1"/>
-              <a:t>Niessen</a:t>
-            </a:r>
-            <a:r>
-              <a:rPr lang="en-US" sz="2000" dirty="0"/>
-              <a:t>, C. </a:t>
-            </a:r>
-            <a:r>
-              <a:rPr lang="en-US" sz="2000" dirty="0" err="1"/>
-              <a:t>Heyers</a:t>
-            </a:r>
-            <a:r>
-              <a:rPr lang="en-US" sz="2000" dirty="0"/>
-              <a:t>, H. J. </a:t>
-            </a:r>
-            <a:r>
-              <a:rPr lang="en-US" sz="2000" dirty="0" err="1"/>
-              <a:t>Brauer</a:t>
-            </a:r>
-            <a:r>
-              <a:rPr lang="en-US" sz="2000" dirty="0"/>
-              <a:t>, and R. W. De </a:t>
-            </a:r>
-            <a:r>
-              <a:rPr lang="en-US" sz="2000" dirty="0" err="1"/>
-              <a:t>Doncker</a:t>
-            </a:r>
-            <a:r>
-              <a:rPr lang="en-US" sz="2000" dirty="0"/>
-              <a:t>, “Development and control of an integrated and distributed inverter for a fault tolerant five-phase switched reluctance traction drive,” </a:t>
-            </a:r>
-            <a:r>
-              <a:rPr lang="en-US" sz="2000" i="1" dirty="0"/>
-              <a:t>IEEE Trans. Power Electron.</a:t>
-            </a:r>
-            <a:r>
-              <a:rPr lang="en-US" sz="2000" dirty="0"/>
-              <a:t>, vol. 27, no. 2, pp. 547–554, 2012.</a:t>
-            </a:r>
-            <a:endParaRPr lang="tr-TR" sz="2000" b="1" dirty="0" smtClean="0">
-              <a:solidFill>
-                <a:srgbClr val="003399"/>
-              </a:solidFill>
-            </a:endParaRPr>
           </a:p>
         </p:txBody>
       </p:sp>
@@ -2666,8 +2630,8 @@
         </p:blipFill>
         <p:spPr>
           <a:xfrm>
-            <a:off x="21366734" y="9767975"/>
-            <a:ext cx="8095013" cy="3244406"/>
+            <a:off x="21818200" y="9868298"/>
+            <a:ext cx="7843530" cy="3143614"/>
           </a:xfrm>
           <a:prstGeom prst="rect">
             <a:avLst/>
@@ -2713,7 +2677,7 @@
         </p:blipFill>
         <p:spPr>
           <a:xfrm>
-            <a:off x="23072731" y="13276185"/>
+            <a:off x="16047678" y="13581360"/>
             <a:ext cx="6358639" cy="6139449"/>
           </a:xfrm>
           <a:prstGeom prst="rect">
@@ -2737,7 +2701,7 @@
         </p:blipFill>
         <p:spPr>
           <a:xfrm>
-            <a:off x="22220353" y="20350545"/>
+            <a:off x="22045411" y="19555812"/>
             <a:ext cx="7944740" cy="5690114"/>
           </a:xfrm>
           <a:prstGeom prst="rect">
@@ -2761,7 +2725,7 @@
         </p:blipFill>
         <p:spPr>
           <a:xfrm>
-            <a:off x="15766624" y="18910303"/>
+            <a:off x="22406317" y="13718101"/>
             <a:ext cx="7365022" cy="5450961"/>
           </a:xfrm>
           <a:prstGeom prst="rect">
@@ -2819,7 +2783,7 @@
       </p:pic>
       <p:pic>
         <p:nvPicPr>
-          <p:cNvPr id="30" name="Picture 29"/>
+          <p:cNvPr id="33" name="Picture 32"/>
           <p:cNvPicPr>
             <a:picLocks noChangeAspect="1"/>
           </p:cNvPicPr>
@@ -2833,30 +2797,6 @@
         </p:blipFill>
         <p:spPr>
           <a:xfrm>
-            <a:off x="23142506" y="29483272"/>
-            <a:ext cx="6223101" cy="2543663"/>
-          </a:xfrm>
-          <a:prstGeom prst="rect">
-            <a:avLst/>
-          </a:prstGeom>
-        </p:spPr>
-      </p:pic>
-      <p:pic>
-        <p:nvPicPr>
-          <p:cNvPr id="33" name="Picture 32"/>
-          <p:cNvPicPr>
-            <a:picLocks noChangeAspect="1"/>
-          </p:cNvPicPr>
-          <p:nvPr/>
-        </p:nvPicPr>
-        <p:blipFill>
-          <a:blip r:embed="rId15"/>
-          <a:stretch>
-            <a:fillRect/>
-          </a:stretch>
-        </p:blipFill>
-        <p:spPr>
-          <a:xfrm>
             <a:off x="7950433" y="14624712"/>
             <a:ext cx="6194191" cy="4938469"/>
           </a:xfrm>
@@ -2913,8 +2853,17 @@
             </a:r>
             <a:r>
               <a:rPr lang="en-US" sz="3500" dirty="0" smtClean="0"/>
-              <a:t>is increased</a:t>
-            </a:r>
+              <a:t>is </a:t>
+            </a:r>
+            <a:r>
+              <a:rPr lang="en-US" sz="3500" dirty="0" smtClean="0"/>
+              <a:t>increased</a:t>
+            </a:r>
+            <a:r>
+              <a:rPr lang="tr-TR" sz="3500" dirty="0" smtClean="0"/>
+              <a:t>.</a:t>
+            </a:r>
+            <a:endParaRPr lang="en-US" sz="3500" dirty="0" smtClean="0"/>
           </a:p>
           <a:p>
             <a:pPr marL="571500" indent="-571500" algn="l">
@@ -2927,8 +2876,17 @@
             </a:r>
             <a:r>
               <a:rPr lang="en-US" sz="3500" dirty="0" smtClean="0"/>
-              <a:t>on modules is reduced</a:t>
-            </a:r>
+              <a:t>on modules is </a:t>
+            </a:r>
+            <a:r>
+              <a:rPr lang="en-US" sz="3500" dirty="0" smtClean="0"/>
+              <a:t>reduced</a:t>
+            </a:r>
+            <a:r>
+              <a:rPr lang="tr-TR" sz="3500" dirty="0" smtClean="0"/>
+              <a:t>.</a:t>
+            </a:r>
+            <a:endParaRPr lang="en-US" sz="3500" dirty="0" smtClean="0"/>
           </a:p>
           <a:p>
             <a:pPr marL="571500" indent="-571500" algn="l">
@@ -2941,8 +2899,17 @@
             </a:r>
             <a:r>
               <a:rPr lang="en-US" sz="3500" dirty="0" smtClean="0"/>
-              <a:t>is distributed to a wider area</a:t>
-            </a:r>
+              <a:t>is distributed to a wider </a:t>
+            </a:r>
+            <a:r>
+              <a:rPr lang="en-US" sz="3500" dirty="0" smtClean="0"/>
+              <a:t>area</a:t>
+            </a:r>
+            <a:r>
+              <a:rPr lang="tr-TR" sz="3500" dirty="0" smtClean="0"/>
+              <a:t>.</a:t>
+            </a:r>
+            <a:endParaRPr lang="en-US" sz="3500" dirty="0" smtClean="0"/>
           </a:p>
         </p:txBody>
       </p:sp>
@@ -2977,6 +2944,7 @@
           </a:bodyPr>
           <a:lstStyle/>
           <a:p>
+            <a:pPr algn="l"/>
             <a:r>
               <a:rPr lang="en-US" sz="4000" b="1" dirty="0" smtClean="0"/>
               <a:t>Applications</a:t>
@@ -2986,6 +2954,7 @@
             </a:endParaRPr>
           </a:p>
           <a:p>
+            <a:pPr algn="l"/>
             <a:r>
               <a:rPr lang="en-US" sz="3500" dirty="0" smtClean="0"/>
               <a:t>Electric traction</a:t>
@@ -3001,6 +2970,7 @@
             <a:endParaRPr lang="tr-TR" sz="3500" dirty="0" smtClean="0"/>
           </a:p>
           <a:p>
+            <a:pPr algn="l"/>
             <a:r>
               <a:rPr lang="en-US" sz="3500" dirty="0" smtClean="0"/>
               <a:t>Aerospace: aircrafts, space crafts</a:t>
@@ -3172,7 +3142,7 @@
           <p:nvPr/>
         </p:nvPicPr>
         <p:blipFill rotWithShape="1">
-          <a:blip r:embed="rId16">
+          <a:blip r:embed="rId15">
             <a:extLst>
               <a:ext uri="{28A0092B-C50C-407E-A947-70E740481C1C}">
                 <a14:useLocalDpi xmlns:a14="http://schemas.microsoft.com/office/drawing/2010/main" val="0"/>
@@ -3202,8 +3172,8 @@
         </p:nvSpPr>
         <p:spPr bwMode="auto">
           <a:xfrm>
-            <a:off x="15955199" y="10093816"/>
-            <a:ext cx="5111659" cy="2246769"/>
+            <a:off x="15955199" y="10346527"/>
+            <a:ext cx="5952301" cy="1708160"/>
           </a:xfrm>
           <a:prstGeom prst="rect">
             <a:avLst/>
@@ -3223,9 +3193,32 @@
           </a:bodyPr>
           <a:lstStyle/>
           <a:p>
+            <a:pPr algn="l"/>
             <a:r>
               <a:rPr lang="en-US" sz="3500" dirty="0" smtClean="0"/>
-              <a:t>DC link capacitors constitute 20% of </a:t>
+              <a:t>DC link capacitors </a:t>
+            </a:r>
+            <a:r>
+              <a:rPr lang="en-US" sz="3500" dirty="0" smtClean="0"/>
+              <a:t>constitute</a:t>
+            </a:r>
+            <a:r>
+              <a:rPr lang="tr-TR" sz="3500" dirty="0" smtClean="0"/>
+              <a:t>:</a:t>
+            </a:r>
+          </a:p>
+          <a:p>
+            <a:pPr marL="457200" indent="-457200" algn="l">
+              <a:buFont typeface="Arial" panose="020B0604020202020204" pitchFamily="34" charset="0"/>
+              <a:buChar char="•"/>
+            </a:pPr>
+            <a:r>
+              <a:rPr lang="en-US" sz="3500" dirty="0" smtClean="0"/>
+              <a:t>20</a:t>
+            </a:r>
+            <a:r>
+              <a:rPr lang="en-US" sz="3500" dirty="0" smtClean="0"/>
+              <a:t>% of </a:t>
             </a:r>
             <a:r>
               <a:rPr lang="en-US" sz="3500" b="1" dirty="0" smtClean="0"/>
@@ -3240,13 +3233,33 @@
               <a:t>weight</a:t>
             </a:r>
             <a:r>
+              <a:rPr lang="tr-TR" sz="3500" b="1" dirty="0" smtClean="0"/>
+              <a:t>,</a:t>
+            </a:r>
+            <a:endParaRPr lang="tr-TR" sz="3500" dirty="0"/>
+          </a:p>
+          <a:p>
+            <a:pPr marL="457200" indent="-457200" algn="l">
+              <a:buFont typeface="Arial" panose="020B0604020202020204" pitchFamily="34" charset="0"/>
+              <a:buChar char="•"/>
+            </a:pPr>
+            <a:r>
               <a:rPr lang="en-US" sz="3500" dirty="0" smtClean="0"/>
-              <a:t>, and 30% of </a:t>
+              <a:t>30% of </a:t>
             </a:r>
             <a:r>
               <a:rPr lang="en-US" sz="3500" b="1" dirty="0" smtClean="0"/>
-              <a:t>volume</a:t>
-            </a:r>
+              <a:t>volume </a:t>
+            </a:r>
+            <a:r>
+              <a:rPr lang="en-US" sz="3500" dirty="0" smtClean="0"/>
+              <a:t>[1]</a:t>
+            </a:r>
+            <a:r>
+              <a:rPr lang="en-US" sz="3500" b="1" dirty="0" smtClean="0"/>
+              <a:t>.</a:t>
+            </a:r>
+            <a:endParaRPr lang="en-US" sz="3500" b="1" dirty="0" smtClean="0"/>
           </a:p>
         </p:txBody>
       </p:sp>
@@ -3260,8 +3273,8 @@
         </p:nvSpPr>
         <p:spPr bwMode="auto">
           <a:xfrm>
-            <a:off x="15784496" y="13306138"/>
-            <a:ext cx="7203835" cy="4939814"/>
+            <a:off x="16140691" y="20438672"/>
+            <a:ext cx="6315534" cy="3862596"/>
           </a:xfrm>
           <a:prstGeom prst="rect">
             <a:avLst/>
@@ -3284,23 +3297,11 @@
             <a:pPr algn="l"/>
             <a:r>
               <a:rPr lang="en-US" sz="3500" dirty="0" smtClean="0"/>
-              <a:t>An </a:t>
-            </a:r>
-            <a:r>
-              <a:rPr lang="en-US" sz="3500" b="1" dirty="0" smtClean="0"/>
-              <a:t>analytical model </a:t>
+              <a:t>A </a:t>
             </a:r>
             <a:r>
               <a:rPr lang="en-US" sz="3500" dirty="0" smtClean="0"/>
-              <a:t>has been constructed. An </a:t>
-            </a:r>
-            <a:r>
-              <a:rPr lang="en-US" sz="3500" b="1" dirty="0" smtClean="0"/>
-              <a:t>algorithm</a:t>
-            </a:r>
-            <a:r>
-              <a:rPr lang="en-US" sz="3500" dirty="0" smtClean="0"/>
-              <a:t> has been developed. A set of </a:t>
+              <a:t>set of </a:t>
             </a:r>
             <a:r>
               <a:rPr lang="en-US" sz="3500" b="1" dirty="0" smtClean="0"/>
@@ -3363,8 +3364,8 @@
         </p:nvSpPr>
         <p:spPr bwMode="auto">
           <a:xfrm>
-            <a:off x="16155362" y="18402521"/>
-            <a:ext cx="6514138" cy="707886"/>
+            <a:off x="22669499" y="13331351"/>
+            <a:ext cx="6514138" cy="630942"/>
           </a:xfrm>
           <a:prstGeom prst="rect">
             <a:avLst/>
@@ -3385,10 +3386,10 @@
           <a:lstStyle/>
           <a:p>
             <a:r>
-              <a:rPr lang="en-US" sz="4000" b="1" dirty="0" smtClean="0"/>
+              <a:rPr lang="en-US" sz="3500" b="1" dirty="0" smtClean="0"/>
               <a:t>Effect of interleaving</a:t>
             </a:r>
-            <a:endParaRPr lang="en-US" sz="4000" dirty="0" smtClean="0">
+            <a:endParaRPr lang="en-US" sz="3500" dirty="0" smtClean="0">
               <a:latin typeface="+mj-lt"/>
             </a:endParaRPr>
           </a:p>
@@ -3404,8 +3405,8 @@
         </p:nvSpPr>
         <p:spPr bwMode="auto">
           <a:xfrm>
-            <a:off x="22742479" y="19849148"/>
-            <a:ext cx="6514138" cy="707886"/>
+            <a:off x="21488400" y="19261616"/>
+            <a:ext cx="8173329" cy="630942"/>
           </a:xfrm>
           <a:prstGeom prst="rect">
             <a:avLst/>
@@ -3426,10 +3427,10 @@
           <a:lstStyle/>
           <a:p>
             <a:r>
-              <a:rPr lang="en-US" sz="4000" b="1" dirty="0" smtClean="0"/>
-              <a:t>Phase-shift angle</a:t>
-            </a:r>
-            <a:endParaRPr lang="en-US" sz="4000" dirty="0" smtClean="0">
+              <a:rPr lang="en-US" sz="3500" b="1" dirty="0" smtClean="0"/>
+              <a:t>Optimum phase-shift angle selection</a:t>
+            </a:r>
+            <a:endParaRPr lang="en-US" sz="3500" dirty="0" smtClean="0">
               <a:latin typeface="+mj-lt"/>
             </a:endParaRPr>
           </a:p>
@@ -3444,14 +3445,14 @@
           <p:nvPr/>
         </p:nvPicPr>
         <p:blipFill>
-          <a:blip r:embed="rId17"/>
+          <a:blip r:embed="rId16"/>
           <a:stretch>
             <a:fillRect/>
           </a:stretch>
         </p:blipFill>
         <p:spPr>
           <a:xfrm>
-            <a:off x="15784496" y="29521674"/>
+            <a:off x="31492243" y="26458794"/>
             <a:ext cx="6885004" cy="2420878"/>
           </a:xfrm>
           <a:prstGeom prst="rect">
@@ -3469,7 +3470,7 @@
         </p:nvSpPr>
         <p:spPr bwMode="auto">
           <a:xfrm>
-            <a:off x="16474193" y="28388279"/>
+            <a:off x="32203101" y="25477946"/>
             <a:ext cx="6514138" cy="707886"/>
           </a:xfrm>
           <a:prstGeom prst="rect">
@@ -3510,7 +3511,7 @@
         </p:nvSpPr>
         <p:spPr bwMode="auto">
           <a:xfrm>
-            <a:off x="15955199" y="26385893"/>
+            <a:off x="15870848" y="25945335"/>
             <a:ext cx="13248450" cy="1708160"/>
           </a:xfrm>
           <a:prstGeom prst="rect">
@@ -3547,15 +3548,7 @@
             </a:pPr>
             <a:r>
               <a:rPr lang="en-US" sz="3500" dirty="0" smtClean="0"/>
-              <a:t>Fractional Slot Concentrated Winding (FSCW) </a:t>
-            </a:r>
-            <a:r>
-              <a:rPr lang="en-US" sz="3500" dirty="0" smtClean="0"/>
-              <a:t>s</a:t>
-            </a:r>
-            <a:r>
-              <a:rPr lang="en-US" sz="3500" dirty="0" smtClean="0"/>
-              <a:t>tator</a:t>
+              <a:t>Fractional Slot Concentrated Winding (FSCW) stator</a:t>
             </a:r>
           </a:p>
           <a:p>
@@ -3568,47 +3561,6 @@
               <a:t>Permanent Magnet Brushless DC (PM-BLDC) motor</a:t>
             </a:r>
             <a:endParaRPr lang="en-US" sz="3500" dirty="0" smtClean="0">
-              <a:latin typeface="+mj-lt"/>
-            </a:endParaRPr>
-          </a:p>
-        </p:txBody>
-      </p:sp>
-      <p:sp>
-        <p:nvSpPr>
-          <p:cNvPr id="67" name="Text Box 9"/>
-          <p:cNvSpPr txBox="1">
-            <a:spLocks noChangeArrowheads="1"/>
-          </p:cNvSpPr>
-          <p:nvPr/>
-        </p:nvSpPr>
-        <p:spPr bwMode="auto">
-          <a:xfrm>
-            <a:off x="22917232" y="28400595"/>
-            <a:ext cx="6514138" cy="707886"/>
-          </a:xfrm>
-          <a:prstGeom prst="rect">
-            <a:avLst/>
-          </a:prstGeom>
-          <a:noFill/>
-          <a:ln w="9525">
-            <a:noFill/>
-            <a:miter lim="800000"/>
-            <a:headEnd/>
-            <a:tailEnd/>
-          </a:ln>
-          <a:effectLst/>
-        </p:spPr>
-        <p:txBody>
-          <a:bodyPr wrap="square">
-            <a:spAutoFit/>
-          </a:bodyPr>
-          <a:lstStyle/>
-          <a:p>
-            <a:r>
-              <a:rPr lang="en-US" sz="4000" b="1" dirty="0" smtClean="0"/>
-              <a:t>Winding diagram</a:t>
-            </a:r>
-            <a:endParaRPr lang="en-US" sz="4000" dirty="0" smtClean="0">
               <a:latin typeface="+mj-lt"/>
             </a:endParaRPr>
           </a:p>
@@ -3624,7 +3576,7 @@
         </p:nvSpPr>
         <p:spPr bwMode="auto">
           <a:xfrm>
-            <a:off x="22742478" y="32642689"/>
+            <a:off x="22656014" y="27900001"/>
             <a:ext cx="6514138" cy="707886"/>
           </a:xfrm>
           <a:prstGeom prst="rect">
@@ -3650,8 +3602,8 @@
               <a:t>Loss </a:t>
             </a:r>
             <a:r>
-              <a:rPr lang="en-US" sz="4000" b="1" dirty="0" err="1" smtClean="0"/>
-              <a:t>Characterisation</a:t>
+              <a:rPr lang="en-US" sz="4000" b="1" dirty="0" smtClean="0"/>
+              <a:t>Characterization</a:t>
             </a:r>
             <a:endParaRPr lang="en-US" sz="4000" dirty="0" smtClean="0">
               <a:latin typeface="+mj-lt"/>
@@ -3659,30 +3611,6 @@
           </a:p>
         </p:txBody>
       </p:sp>
-      <p:pic>
-        <p:nvPicPr>
-          <p:cNvPr id="6" name="Picture 5"/>
-          <p:cNvPicPr>
-            <a:picLocks noChangeAspect="1"/>
-          </p:cNvPicPr>
-          <p:nvPr/>
-        </p:nvPicPr>
-        <p:blipFill>
-          <a:blip r:embed="rId18"/>
-          <a:stretch>
-            <a:fillRect/>
-          </a:stretch>
-        </p:blipFill>
-        <p:spPr>
-          <a:xfrm>
-            <a:off x="23327312" y="33350575"/>
-            <a:ext cx="5071587" cy="4838411"/>
-          </a:xfrm>
-          <a:prstGeom prst="rect">
-            <a:avLst/>
-          </a:prstGeom>
-        </p:spPr>
-      </p:pic>
       <p:sp>
         <p:nvSpPr>
           <p:cNvPr id="71" name="Text Box 9"/>
@@ -3693,8 +3621,8 @@
         </p:nvSpPr>
         <p:spPr bwMode="auto">
           <a:xfrm>
-            <a:off x="16146647" y="33609721"/>
-            <a:ext cx="6984999" cy="3323987"/>
+            <a:off x="16012504" y="28696205"/>
+            <a:ext cx="6207849" cy="3323987"/>
           </a:xfrm>
           <a:prstGeom prst="rect">
             <a:avLst/>
@@ -3714,22 +3642,73 @@
           </a:bodyPr>
           <a:lstStyle/>
           <a:p>
+            <a:pPr marL="457200" indent="-457200" algn="l">
+              <a:buFont typeface="Arial" panose="020B0604020202020204" pitchFamily="34" charset="0"/>
+              <a:buChar char="•"/>
+            </a:pPr>
+            <a:r>
+              <a:rPr lang="tr-TR" sz="3500" dirty="0">
+                <a:latin typeface="+mj-lt"/>
+              </a:rPr>
+              <a:t>F</a:t>
+            </a:r>
+            <a:r>
+              <a:rPr lang="tr-TR" sz="3500" dirty="0" smtClean="0">
+                <a:latin typeface="+mj-lt"/>
+              </a:rPr>
+              <a:t>our</a:t>
+            </a:r>
             <a:r>
               <a:rPr lang="en-US" sz="3500" dirty="0" smtClean="0">
                 <a:latin typeface="+mj-lt"/>
               </a:rPr>
-              <a:t>4 three-phase modules</a:t>
-            </a:r>
-          </a:p>
-          <a:p>
+              <a:t> </a:t>
+            </a:r>
             <a:r>
               <a:rPr lang="en-US" sz="3500" dirty="0" smtClean="0">
                 <a:latin typeface="+mj-lt"/>
               </a:rPr>
-              <a:t>24 slot double layer stator</a:t>
-            </a:r>
-          </a:p>
-          <a:p>
+              <a:t>three-phase modules</a:t>
+            </a:r>
+          </a:p>
+          <a:p>
+            <a:pPr marL="457200" indent="-457200" algn="l">
+              <a:buFont typeface="Arial" panose="020B0604020202020204" pitchFamily="34" charset="0"/>
+              <a:buChar char="•"/>
+            </a:pPr>
+            <a:r>
+              <a:rPr lang="en-US" sz="3500" dirty="0" smtClean="0">
+                <a:latin typeface="+mj-lt"/>
+              </a:rPr>
+              <a:t>7kW total output power</a:t>
+            </a:r>
+            <a:endParaRPr lang="en-US" sz="3500" dirty="0" smtClean="0">
+              <a:latin typeface="+mj-lt"/>
+            </a:endParaRPr>
+          </a:p>
+          <a:p>
+            <a:pPr marL="457200" indent="-457200" algn="l">
+              <a:buFont typeface="Arial" panose="020B0604020202020204" pitchFamily="34" charset="0"/>
+              <a:buChar char="•"/>
+            </a:pPr>
+            <a:r>
+              <a:rPr lang="en-US" sz="3500" dirty="0" smtClean="0">
+                <a:latin typeface="+mj-lt"/>
+              </a:rPr>
+              <a:t>24 </a:t>
+            </a:r>
+            <a:r>
+              <a:rPr lang="en-US" sz="3500" dirty="0" smtClean="0">
+                <a:latin typeface="+mj-lt"/>
+              </a:rPr>
+              <a:t>slot double layer stator</a:t>
+            </a:r>
+          </a:p>
+          <a:p>
+            <a:pPr marL="457200" indent="-457200" algn="l">
+              <a:buFont typeface="Arial" panose="020B0604020202020204" pitchFamily="34" charset="0"/>
+              <a:buChar char="•"/>
+            </a:pPr>
             <a:r>
               <a:rPr lang="en-US" sz="3500" dirty="0" smtClean="0">
                 <a:latin typeface="+mj-lt"/>
@@ -3738,6 +3717,10 @@
             </a:r>
           </a:p>
           <a:p>
+            <a:pPr marL="457200" indent="-457200" algn="l">
+              <a:buFont typeface="Arial" panose="020B0604020202020204" pitchFamily="34" charset="0"/>
+              <a:buChar char="•"/>
+            </a:pPr>
             <a:r>
               <a:rPr lang="en-US" sz="3500" dirty="0" smtClean="0">
                 <a:latin typeface="+mj-lt"/>
@@ -3746,17 +3729,33 @@
             </a:r>
           </a:p>
           <a:p>
+            <a:pPr marL="457200" indent="-457200" algn="l">
+              <a:buFont typeface="Arial" panose="020B0604020202020204" pitchFamily="34" charset="0"/>
+              <a:buChar char="•"/>
+            </a:pPr>
+            <a:r>
+              <a:rPr lang="tr-TR" sz="3500" dirty="0" smtClean="0">
+                <a:latin typeface="+mj-lt"/>
+              </a:rPr>
+              <a:t>Four</a:t>
+            </a:r>
             <a:r>
               <a:rPr lang="en-US" sz="3500" dirty="0" smtClean="0">
                 <a:latin typeface="+mj-lt"/>
               </a:rPr>
-              <a:t>4 20uF, 450V capacitors</a:t>
+              <a:t> </a:t>
             </a:r>
             <a:r>
               <a:rPr lang="en-US" sz="3500" dirty="0" smtClean="0">
                 <a:latin typeface="+mj-lt"/>
               </a:rPr>
-              <a:t>, connected in parallel</a:t>
+              <a:t>20uF, 450V </a:t>
+            </a:r>
+            <a:r>
+              <a:rPr lang="en-US" sz="3500" dirty="0" smtClean="0">
+                <a:latin typeface="+mj-lt"/>
+              </a:rPr>
+              <a:t>capacitors</a:t>
             </a:r>
             <a:endParaRPr lang="en-US" sz="3500" dirty="0" smtClean="0">
               <a:latin typeface="+mj-lt"/>
@@ -3774,7 +3773,7 @@
         </p:nvSpPr>
         <p:spPr bwMode="auto">
           <a:xfrm>
-            <a:off x="16351790" y="32686608"/>
+            <a:off x="15860694" y="27866590"/>
             <a:ext cx="6514138" cy="707886"/>
           </a:xfrm>
           <a:prstGeom prst="rect">
@@ -3805,6 +3804,317 @@
           </a:p>
         </p:txBody>
       </p:sp>
+      <p:sp>
+        <p:nvSpPr>
+          <p:cNvPr id="46" name="Text Box 9"/>
+          <p:cNvSpPr txBox="1">
+            <a:spLocks noChangeArrowheads="1"/>
+          </p:cNvSpPr>
+          <p:nvPr/>
+        </p:nvSpPr>
+        <p:spPr bwMode="auto">
+          <a:xfrm>
+            <a:off x="15513315" y="12579892"/>
+            <a:ext cx="6861517" cy="1169551"/>
+          </a:xfrm>
+          <a:prstGeom prst="rect">
+            <a:avLst/>
+          </a:prstGeom>
+          <a:noFill/>
+          <a:ln w="9525">
+            <a:noFill/>
+            <a:miter lim="800000"/>
+            <a:headEnd/>
+            <a:tailEnd/>
+          </a:ln>
+          <a:effectLst/>
+        </p:spPr>
+        <p:txBody>
+          <a:bodyPr wrap="square">
+            <a:spAutoFit/>
+          </a:bodyPr>
+          <a:lstStyle/>
+          <a:p>
+            <a:r>
+              <a:rPr lang="en-US" sz="3500" b="1" dirty="0" smtClean="0"/>
+              <a:t>DC link capacitor selection algorithm</a:t>
+            </a:r>
+            <a:endParaRPr lang="en-US" sz="3500" b="1" dirty="0" smtClean="0">
+              <a:latin typeface="+mj-lt"/>
+            </a:endParaRPr>
+          </a:p>
+        </p:txBody>
+      </p:sp>
+      <p:sp>
+        <p:nvSpPr>
+          <p:cNvPr id="51" name="Text Box 42"/>
+          <p:cNvSpPr txBox="1">
+            <a:spLocks noChangeArrowheads="1"/>
+          </p:cNvSpPr>
+          <p:nvPr/>
+        </p:nvSpPr>
+        <p:spPr bwMode="auto">
+          <a:xfrm>
+            <a:off x="16145239" y="35591562"/>
+            <a:ext cx="13115925" cy="1015663"/>
+          </a:xfrm>
+          <a:prstGeom prst="rect">
+            <a:avLst/>
+          </a:prstGeom>
+          <a:noFill/>
+          <a:ln w="9525">
+            <a:noFill/>
+            <a:miter lim="800000"/>
+            <a:headEnd/>
+            <a:tailEnd/>
+          </a:ln>
+          <a:effectLst/>
+        </p:spPr>
+        <p:txBody>
+          <a:bodyPr wrap="square">
+            <a:spAutoFit/>
+          </a:bodyPr>
+          <a:lstStyle/>
+          <a:p>
+            <a:pPr algn="l" defTabSz="4389438">
+              <a:spcBef>
+                <a:spcPct val="50000"/>
+              </a:spcBef>
+            </a:pPr>
+            <a:r>
+              <a:rPr lang="en-US" sz="6000" b="1" dirty="0" smtClean="0">
+                <a:solidFill>
+                  <a:srgbClr val="003399"/>
+                </a:solidFill>
+              </a:rPr>
+              <a:t>Conclusions &amp; Planned Work</a:t>
+            </a:r>
+            <a:endParaRPr lang="en-US" sz="6000" b="1" dirty="0">
+              <a:solidFill>
+                <a:srgbClr val="003399"/>
+              </a:solidFill>
+            </a:endParaRPr>
+          </a:p>
+        </p:txBody>
+      </p:sp>
+      <p:sp>
+        <p:nvSpPr>
+          <p:cNvPr id="57" name="Text Box 9"/>
+          <p:cNvSpPr txBox="1">
+            <a:spLocks noChangeArrowheads="1"/>
+          </p:cNvSpPr>
+          <p:nvPr/>
+        </p:nvSpPr>
+        <p:spPr bwMode="auto">
+          <a:xfrm>
+            <a:off x="16140691" y="33155049"/>
+            <a:ext cx="6207849" cy="1708160"/>
+          </a:xfrm>
+          <a:prstGeom prst="rect">
+            <a:avLst/>
+          </a:prstGeom>
+          <a:noFill/>
+          <a:ln w="9525">
+            <a:noFill/>
+            <a:miter lim="800000"/>
+            <a:headEnd/>
+            <a:tailEnd/>
+          </a:ln>
+          <a:effectLst/>
+        </p:spPr>
+        <p:txBody>
+          <a:bodyPr wrap="square">
+            <a:spAutoFit/>
+          </a:bodyPr>
+          <a:lstStyle/>
+          <a:p>
+            <a:pPr marL="457200" indent="-457200" algn="l">
+              <a:buFont typeface="Wingdings" panose="05000000000000000000" pitchFamily="2" charset="2"/>
+              <a:buChar char="q"/>
+            </a:pPr>
+            <a:r>
+              <a:rPr lang="en-US" sz="3500" dirty="0" smtClean="0">
+                <a:latin typeface="+mj-lt"/>
+              </a:rPr>
+              <a:t>Drive efficiency</a:t>
+            </a:r>
+            <a:r>
+              <a:rPr lang="en-US" sz="3500" b="1" dirty="0" smtClean="0">
+                <a:latin typeface="+mj-lt"/>
+              </a:rPr>
+              <a:t>: 99%</a:t>
+            </a:r>
+            <a:endParaRPr lang="en-US" sz="3500" b="1" dirty="0" smtClean="0">
+              <a:latin typeface="+mj-lt"/>
+            </a:endParaRPr>
+          </a:p>
+          <a:p>
+            <a:pPr marL="457200" indent="-457200" algn="l">
+              <a:buFont typeface="Wingdings" panose="05000000000000000000" pitchFamily="2" charset="2"/>
+              <a:buChar char="q"/>
+            </a:pPr>
+            <a:r>
+              <a:rPr lang="en-US" sz="3500" dirty="0" smtClean="0">
+                <a:latin typeface="+mj-lt"/>
+              </a:rPr>
+              <a:t>Power density</a:t>
+            </a:r>
+            <a:r>
+              <a:rPr lang="en-US" sz="3500" b="1" dirty="0" smtClean="0">
+                <a:latin typeface="+mj-lt"/>
+              </a:rPr>
+              <a:t>: 40 W/cm</a:t>
+            </a:r>
+            <a:r>
+              <a:rPr lang="en-US" sz="3500" b="1" baseline="30000" dirty="0" smtClean="0">
+                <a:latin typeface="+mj-lt"/>
+              </a:rPr>
+              <a:t>3</a:t>
+            </a:r>
+          </a:p>
+          <a:p>
+            <a:pPr marL="457200" indent="-457200" algn="l">
+              <a:buFont typeface="Wingdings" panose="05000000000000000000" pitchFamily="2" charset="2"/>
+              <a:buChar char="q"/>
+            </a:pPr>
+            <a:r>
+              <a:rPr lang="en-US" sz="3500" dirty="0" smtClean="0">
+                <a:solidFill>
+                  <a:srgbClr val="FF0000"/>
+                </a:solidFill>
+                <a:latin typeface="+mj-lt"/>
+              </a:rPr>
+              <a:t>What else ???</a:t>
+            </a:r>
+            <a:endParaRPr lang="en-US" sz="3500" dirty="0" smtClean="0">
+              <a:solidFill>
+                <a:srgbClr val="FF0000"/>
+              </a:solidFill>
+              <a:latin typeface="+mj-lt"/>
+            </a:endParaRPr>
+          </a:p>
+        </p:txBody>
+      </p:sp>
+      <p:sp>
+        <p:nvSpPr>
+          <p:cNvPr id="60" name="Text Box 9"/>
+          <p:cNvSpPr txBox="1">
+            <a:spLocks noChangeArrowheads="1"/>
+          </p:cNvSpPr>
+          <p:nvPr/>
+        </p:nvSpPr>
+        <p:spPr bwMode="auto">
+          <a:xfrm>
+            <a:off x="15999023" y="32240528"/>
+            <a:ext cx="6514138" cy="707886"/>
+          </a:xfrm>
+          <a:prstGeom prst="rect">
+            <a:avLst/>
+          </a:prstGeom>
+          <a:noFill/>
+          <a:ln w="9525">
+            <a:noFill/>
+            <a:miter lim="800000"/>
+            <a:headEnd/>
+            <a:tailEnd/>
+          </a:ln>
+          <a:effectLst/>
+        </p:spPr>
+        <p:txBody>
+          <a:bodyPr wrap="square">
+            <a:spAutoFit/>
+          </a:bodyPr>
+          <a:lstStyle/>
+          <a:p>
+            <a:r>
+              <a:rPr lang="en-US" sz="4000" b="1" dirty="0" smtClean="0"/>
+              <a:t>Results</a:t>
+            </a:r>
+            <a:endParaRPr lang="en-US" sz="4000" dirty="0" smtClean="0">
+              <a:latin typeface="+mj-lt"/>
+            </a:endParaRPr>
+          </a:p>
+        </p:txBody>
+      </p:sp>
+      <p:sp>
+        <p:nvSpPr>
+          <p:cNvPr id="61" name="Text Box 9"/>
+          <p:cNvSpPr txBox="1">
+            <a:spLocks noChangeArrowheads="1"/>
+          </p:cNvSpPr>
+          <p:nvPr/>
+        </p:nvSpPr>
+        <p:spPr bwMode="auto">
+          <a:xfrm>
+            <a:off x="16140691" y="36854017"/>
+            <a:ext cx="13232902" cy="630942"/>
+          </a:xfrm>
+          <a:prstGeom prst="rect">
+            <a:avLst/>
+          </a:prstGeom>
+          <a:noFill/>
+          <a:ln w="9525">
+            <a:noFill/>
+            <a:miter lim="800000"/>
+            <a:headEnd/>
+            <a:tailEnd/>
+          </a:ln>
+          <a:effectLst/>
+        </p:spPr>
+        <p:txBody>
+          <a:bodyPr wrap="square">
+            <a:spAutoFit/>
+          </a:bodyPr>
+          <a:lstStyle/>
+          <a:p>
+            <a:pPr algn="l"/>
+            <a:r>
+              <a:rPr lang="en-US" sz="3500" dirty="0" smtClean="0">
+                <a:solidFill>
+                  <a:srgbClr val="FF0000"/>
+                </a:solidFill>
+                <a:latin typeface="+mj-lt"/>
+              </a:rPr>
+              <a:t>A laboratory prototype is being developed</a:t>
+            </a:r>
+            <a:endParaRPr lang="en-US" sz="3500" dirty="0" smtClean="0">
+              <a:solidFill>
+                <a:srgbClr val="FF0000"/>
+              </a:solidFill>
+              <a:latin typeface="+mj-lt"/>
+            </a:endParaRPr>
+          </a:p>
+        </p:txBody>
+      </p:sp>
+      <p:pic>
+        <p:nvPicPr>
+          <p:cNvPr id="10" name="Picture 9"/>
+          <p:cNvPicPr>
+            <a:picLocks noChangeAspect="1"/>
+          </p:cNvPicPr>
+          <p:nvPr/>
+        </p:nvPicPr>
+        <p:blipFill rotWithShape="1">
+          <a:blip r:embed="rId17">
+            <a:extLst>
+              <a:ext uri="{28A0092B-C50C-407E-A947-70E740481C1C}">
+                <a14:useLocalDpi xmlns:a14="http://schemas.microsoft.com/office/drawing/2010/main" val="0"/>
+              </a:ext>
+            </a:extLst>
+          </a:blip>
+          <a:srcRect l="6064" t="6193" r="4585" b="6103"/>
+          <a:stretch/>
+        </p:blipFill>
+        <p:spPr>
+          <a:xfrm>
+            <a:off x="22651075" y="28626311"/>
+            <a:ext cx="6153150" cy="5638800"/>
+          </a:xfrm>
+          <a:prstGeom prst="rect">
+            <a:avLst/>
+          </a:prstGeom>
+        </p:spPr>
+      </p:pic>
     </p:spTree>
   </p:cSld>
   <p:clrMapOvr>

--- a/GRW2017/grw2017_poster.pptx
+++ b/GRW2017/grw2017_poster.pptx
@@ -1441,7 +1441,7 @@
         </p:nvSpPr>
         <p:spPr bwMode="auto">
           <a:xfrm>
-            <a:off x="15544800" y="8166100"/>
+            <a:off x="15544800" y="7892141"/>
             <a:ext cx="14173200" cy="33523238"/>
           </a:xfrm>
           <a:prstGeom prst="roundRect">
@@ -1582,11 +1582,7 @@
             </a:r>
             <a:r>
               <a:rPr lang="en-US" sz="3600" dirty="0" smtClean="0"/>
-              <a:t>the motor drive is integrated directly to the motor back-end and the system is modularized by dividing into several </a:t>
-            </a:r>
-            <a:r>
-              <a:rPr lang="en-US" sz="3600" dirty="0" smtClean="0"/>
-              <a:t>parts</a:t>
+              <a:t>the motor drive is integrated directly to the motor back-end and the system is modularized by dividing into several parts</a:t>
             </a:r>
             <a:r>
               <a:rPr lang="tr-TR" sz="3600" dirty="0" smtClean="0"/>
@@ -2167,11 +2163,7 @@
             </a:r>
             <a:r>
               <a:rPr lang="en-US" sz="3500" dirty="0" smtClean="0"/>
-              <a:t>of the overall system is enhanced </a:t>
-            </a:r>
-            <a:r>
-              <a:rPr lang="en-US" sz="3500" dirty="0" smtClean="0"/>
-              <a:t>significantly</a:t>
+              <a:t>of the overall system is enhanced significantly</a:t>
             </a:r>
             <a:r>
               <a:rPr lang="tr-TR" sz="3500" dirty="0" smtClean="0"/>
@@ -2181,7 +2173,6 @@
               <a:rPr lang="en-US" sz="3500" dirty="0" smtClean="0"/>
               <a:t>.</a:t>
             </a:r>
-            <a:endParaRPr lang="en-US" sz="3500" dirty="0" smtClean="0"/>
           </a:p>
           <a:p>
             <a:pPr marL="571500" indent="-571500" algn="l">
@@ -2261,11 +2252,7 @@
             </a:pPr>
             <a:r>
               <a:rPr lang="en-US" sz="3500" dirty="0" smtClean="0"/>
-              <a:t>Power and control electronics components are subjected to high temperature and </a:t>
-            </a:r>
-            <a:r>
-              <a:rPr lang="en-US" sz="3500" dirty="0" smtClean="0"/>
-              <a:t>vibration</a:t>
+              <a:t>Power and control electronics components are subjected to high temperature and vibration</a:t>
             </a:r>
             <a:r>
               <a:rPr lang="tr-TR" sz="3500" dirty="0" smtClean="0"/>
@@ -2389,8 +2376,8 @@
         </p:nvSpPr>
         <p:spPr bwMode="auto">
           <a:xfrm>
-            <a:off x="30805953" y="29788394"/>
-            <a:ext cx="13115925" cy="2862322"/>
+            <a:off x="16012504" y="39641243"/>
+            <a:ext cx="13115925" cy="1862048"/>
           </a:xfrm>
           <a:prstGeom prst="rect">
             <a:avLst/>
@@ -2438,50 +2425,50 @@
               <a:buAutoNum type="arabicPeriod"/>
             </a:pPr>
             <a:r>
-              <a:rPr lang="en-US" sz="2000" dirty="0" smtClean="0"/>
+              <a:rPr lang="en-US" sz="1500" dirty="0" smtClean="0"/>
               <a:t>G</a:t>
             </a:r>
             <a:r>
-              <a:rPr lang="en-US" sz="2000" dirty="0"/>
+              <a:rPr lang="en-US" sz="1500" dirty="0"/>
               <a:t>. Lo </a:t>
             </a:r>
             <a:r>
-              <a:rPr lang="en-US" sz="2000" dirty="0" err="1"/>
+              <a:rPr lang="en-US" sz="1500" dirty="0" err="1"/>
               <a:t>Calzo</a:t>
             </a:r>
             <a:r>
-              <a:rPr lang="en-US" sz="2000" dirty="0"/>
+              <a:rPr lang="en-US" sz="1500" dirty="0"/>
               <a:t> </a:t>
             </a:r>
             <a:r>
-              <a:rPr lang="en-US" sz="2000" i="1" dirty="0"/>
+              <a:rPr lang="en-US" sz="1500" i="1" dirty="0"/>
               <a:t>et al.</a:t>
             </a:r>
             <a:r>
-              <a:rPr lang="en-US" sz="2000" dirty="0"/>
+              <a:rPr lang="en-US" sz="1500" dirty="0"/>
               <a:t>, “Integrated motor drives: state of the art and future trends,” </a:t>
             </a:r>
             <a:r>
-              <a:rPr lang="en-US" sz="2000" i="1" dirty="0"/>
+              <a:rPr lang="en-US" sz="1500" i="1" dirty="0"/>
               <a:t>IET </a:t>
             </a:r>
             <a:r>
-              <a:rPr lang="en-US" sz="2000" i="1" dirty="0" err="1"/>
+              <a:rPr lang="en-US" sz="1500" i="1" dirty="0" err="1"/>
               <a:t>Electr</a:t>
             </a:r>
             <a:r>
-              <a:rPr lang="en-US" sz="2000" i="1" dirty="0"/>
+              <a:rPr lang="en-US" sz="1500" i="1" dirty="0"/>
               <a:t>. Power Appl.</a:t>
             </a:r>
             <a:r>
-              <a:rPr lang="en-US" sz="2000" dirty="0"/>
+              <a:rPr lang="en-US" sz="1500" dirty="0"/>
               <a:t>, vol. 10, no. 8, pp. 757–771, Sep. 2016</a:t>
             </a:r>
             <a:r>
-              <a:rPr lang="en-US" sz="2000" dirty="0" smtClean="0"/>
+              <a:rPr lang="en-US" sz="1500" dirty="0" smtClean="0"/>
               <a:t>.</a:t>
             </a:r>
-            <a:endParaRPr lang="tr-TR" sz="2000" dirty="0" smtClean="0"/>
+            <a:endParaRPr lang="tr-TR" sz="1500" dirty="0" smtClean="0"/>
           </a:p>
           <a:p>
             <a:pPr marL="514350" indent="-514350" algn="l" defTabSz="4389438">
@@ -2492,26 +2479,26 @@
               <a:buAutoNum type="arabicPeriod"/>
             </a:pPr>
             <a:r>
-              <a:rPr lang="en-US" sz="2000" dirty="0" smtClean="0"/>
+              <a:rPr lang="en-US" sz="1500" dirty="0" smtClean="0"/>
               <a:t>J</a:t>
             </a:r>
             <a:r>
-              <a:rPr lang="en-US" sz="2000" dirty="0"/>
+              <a:rPr lang="en-US" sz="1500" dirty="0"/>
               <a:t>. Wang, Y. Li, and Y. Han, “Integrated Modular Motor Drive Design With GaN Power FETs,” </a:t>
             </a:r>
             <a:r>
-              <a:rPr lang="en-US" sz="2000" i="1" dirty="0"/>
+              <a:rPr lang="en-US" sz="1500" i="1" dirty="0"/>
               <a:t>IEEE Trans. Ind. Appl.</a:t>
             </a:r>
             <a:r>
-              <a:rPr lang="en-US" sz="2000" dirty="0"/>
+              <a:rPr lang="en-US" sz="1500" dirty="0"/>
               <a:t>, vol. 51, no. c, pp. 3198–3207, 2015</a:t>
             </a:r>
             <a:r>
-              <a:rPr lang="en-US" sz="2000" dirty="0" smtClean="0"/>
+              <a:rPr lang="en-US" sz="1500" dirty="0" smtClean="0"/>
               <a:t>.</a:t>
             </a:r>
-            <a:endParaRPr lang="tr-TR" sz="2000" dirty="0" smtClean="0"/>
+            <a:endParaRPr lang="tr-TR" sz="1500" dirty="0" smtClean="0"/>
           </a:p>
           <a:p>
             <a:pPr marL="514350" indent="-514350" algn="l" defTabSz="4389438">
@@ -2522,66 +2509,66 @@
               <a:buAutoNum type="arabicPeriod"/>
             </a:pPr>
             <a:r>
-              <a:rPr lang="en-US" sz="2000" dirty="0" smtClean="0"/>
+              <a:rPr lang="en-US" sz="1500" dirty="0" smtClean="0"/>
               <a:t>J</a:t>
             </a:r>
             <a:r>
-              <a:rPr lang="en-US" sz="2000" dirty="0"/>
+              <a:rPr lang="en-US" sz="1500" dirty="0"/>
               <a:t>. J. </a:t>
             </a:r>
             <a:r>
-              <a:rPr lang="en-US" sz="2000" dirty="0" err="1"/>
+              <a:rPr lang="en-US" sz="1500" dirty="0" err="1"/>
               <a:t>Wolmarans</a:t>
             </a:r>
             <a:r>
-              <a:rPr lang="en-US" sz="2000" dirty="0"/>
+              <a:rPr lang="en-US" sz="1500" dirty="0"/>
               <a:t>, M. B. Gerber, H. </a:t>
             </a:r>
             <a:r>
-              <a:rPr lang="en-US" sz="2000" dirty="0" err="1"/>
+              <a:rPr lang="en-US" sz="1500" dirty="0" err="1"/>
               <a:t>Polinder</a:t>
             </a:r>
             <a:r>
-              <a:rPr lang="en-US" sz="2000" dirty="0"/>
+              <a:rPr lang="en-US" sz="1500" dirty="0"/>
               <a:t>, S. W. H. De </a:t>
             </a:r>
             <a:r>
-              <a:rPr lang="en-US" sz="2000" dirty="0" err="1"/>
+              <a:rPr lang="en-US" sz="1500" dirty="0" err="1"/>
               <a:t>Haan</a:t>
             </a:r>
             <a:r>
-              <a:rPr lang="en-US" sz="2000" dirty="0"/>
+              <a:rPr lang="en-US" sz="1500" dirty="0"/>
               <a:t>, J. A. Ferreira, and D. </a:t>
             </a:r>
             <a:r>
-              <a:rPr lang="en-US" sz="2000" dirty="0" err="1"/>
+              <a:rPr lang="en-US" sz="1500" dirty="0" err="1"/>
               <a:t>Clarenbach</a:t>
             </a:r>
             <a:r>
-              <a:rPr lang="en-US" sz="2000" dirty="0"/>
+              <a:rPr lang="en-US" sz="1500" dirty="0"/>
               <a:t>, “A 50kW integrated fault tolerant permanent magnet machine and motor drive,” </a:t>
             </a:r>
             <a:r>
-              <a:rPr lang="en-US" sz="2000" i="1" dirty="0"/>
+              <a:rPr lang="en-US" sz="1500" i="1" dirty="0"/>
               <a:t>PESC Rec. - IEEE </a:t>
             </a:r>
             <a:r>
-              <a:rPr lang="en-US" sz="2000" i="1" dirty="0" err="1"/>
+              <a:rPr lang="en-US" sz="1500" i="1" dirty="0" err="1"/>
               <a:t>Annu</a:t>
             </a:r>
             <a:r>
-              <a:rPr lang="en-US" sz="2000" i="1" dirty="0"/>
+              <a:rPr lang="en-US" sz="1500" i="1" dirty="0"/>
               <a:t>. Power Electron. Spec. Conf.</a:t>
             </a:r>
             <a:r>
-              <a:rPr lang="en-US" sz="2000" dirty="0"/>
+              <a:rPr lang="en-US" sz="1500" dirty="0"/>
               <a:t>, pp. 345–351, 2008</a:t>
             </a:r>
             <a:r>
-              <a:rPr lang="en-US" sz="2000" dirty="0" smtClean="0"/>
+              <a:rPr lang="en-US" sz="1500" dirty="0" smtClean="0"/>
               <a:t>.</a:t>
             </a:r>
-            <a:endParaRPr lang="tr-TR" sz="2000" dirty="0" smtClean="0"/>
+            <a:endParaRPr lang="tr-TR" sz="1500" dirty="0" smtClean="0"/>
           </a:p>
         </p:txBody>
       </p:sp>
@@ -2749,7 +2736,7 @@
         </p:blipFill>
         <p:spPr>
           <a:xfrm>
-            <a:off x="9166738" y="33235830"/>
+            <a:off x="35107477" y="25788427"/>
             <a:ext cx="4433016" cy="4164102"/>
           </a:xfrm>
           <a:prstGeom prst="rect">
@@ -2853,11 +2840,7 @@
             </a:r>
             <a:r>
               <a:rPr lang="en-US" sz="3500" dirty="0" smtClean="0"/>
-              <a:t>is </a:t>
-            </a:r>
-            <a:r>
-              <a:rPr lang="en-US" sz="3500" dirty="0" smtClean="0"/>
-              <a:t>increased</a:t>
+              <a:t>is increased</a:t>
             </a:r>
             <a:r>
               <a:rPr lang="tr-TR" sz="3500" dirty="0" smtClean="0"/>
@@ -2876,11 +2859,7 @@
             </a:r>
             <a:r>
               <a:rPr lang="en-US" sz="3500" dirty="0" smtClean="0"/>
-              <a:t>on modules is </a:t>
-            </a:r>
-            <a:r>
-              <a:rPr lang="en-US" sz="3500" dirty="0" smtClean="0"/>
-              <a:t>reduced</a:t>
+              <a:t>on modules is reduced</a:t>
             </a:r>
             <a:r>
               <a:rPr lang="tr-TR" sz="3500" dirty="0" smtClean="0"/>
@@ -2899,11 +2878,7 @@
             </a:r>
             <a:r>
               <a:rPr lang="en-US" sz="3500" dirty="0" smtClean="0"/>
-              <a:t>is distributed to a wider </a:t>
-            </a:r>
-            <a:r>
-              <a:rPr lang="en-US" sz="3500" dirty="0" smtClean="0"/>
-              <a:t>area</a:t>
+              <a:t>is distributed to a wider area</a:t>
             </a:r>
             <a:r>
               <a:rPr lang="tr-TR" sz="3500" dirty="0" smtClean="0"/>
@@ -3084,8 +3059,8 @@
         </p:nvSpPr>
         <p:spPr bwMode="auto">
           <a:xfrm>
-            <a:off x="8022789" y="37771385"/>
-            <a:ext cx="6161621" cy="2785378"/>
+            <a:off x="8716193" y="33105033"/>
+            <a:ext cx="5825944" cy="3323987"/>
           </a:xfrm>
           <a:prstGeom prst="rect">
             <a:avLst/>
@@ -3109,18 +3084,49 @@
               <a:rPr lang="en-US" sz="3500" b="1" dirty="0" smtClean="0">
                 <a:latin typeface="+mj-lt"/>
               </a:rPr>
-              <a:t>Additional challenges</a:t>
-            </a:r>
-          </a:p>
-          <a:p>
+              <a:t>Additional challenges </a:t>
+            </a:r>
+            <a:r>
+              <a:rPr lang="tr-TR" sz="3500" b="1" dirty="0" smtClean="0">
+                <a:latin typeface="+mj-lt"/>
+              </a:rPr>
+              <a:t/>
+            </a:r>
+            <a:br>
+              <a:rPr lang="tr-TR" sz="3500" b="1" dirty="0" smtClean="0">
+                <a:latin typeface="+mj-lt"/>
+              </a:rPr>
+            </a:br>
+            <a:r>
+              <a:rPr lang="en-US" sz="3500" b="1" dirty="0" smtClean="0">
+                <a:latin typeface="+mj-lt"/>
+              </a:rPr>
+              <a:t>due to GaN</a:t>
+            </a:r>
+          </a:p>
+          <a:p>
+            <a:pPr marL="457200" indent="-457200" algn="l">
+              <a:buFont typeface="Arial" panose="020B0604020202020204" pitchFamily="34" charset="0"/>
+              <a:buChar char="•"/>
+            </a:pPr>
             <a:r>
               <a:rPr lang="en-US" sz="3500" dirty="0" smtClean="0">
                 <a:latin typeface="+mj-lt"/>
               </a:rPr>
-              <a:t>Parasitic components become significant</a:t>
-            </a:r>
-          </a:p>
-          <a:p>
+              <a:t>Parasitic </a:t>
+            </a:r>
+            <a:r>
+              <a:rPr lang="en-US" sz="3500" dirty="0" smtClean="0">
+                <a:latin typeface="+mj-lt"/>
+              </a:rPr>
+              <a:t>components become significant</a:t>
+            </a:r>
+          </a:p>
+          <a:p>
+            <a:pPr marL="457200" indent="-457200" algn="l">
+              <a:buFont typeface="Arial" panose="020B0604020202020204" pitchFamily="34" charset="0"/>
+              <a:buChar char="•"/>
+            </a:pPr>
             <a:r>
               <a:rPr lang="en-US" sz="3500" dirty="0" smtClean="0">
                 <a:latin typeface="+mj-lt"/>
@@ -3154,7 +3160,7 @@
         </p:blipFill>
         <p:spPr>
           <a:xfrm>
-            <a:off x="2381549" y="39048658"/>
+            <a:off x="2413691" y="38795446"/>
             <a:ext cx="4519709" cy="2109198"/>
           </a:xfrm>
           <a:prstGeom prst="rect">
@@ -3196,11 +3202,7 @@
             <a:pPr algn="l"/>
             <a:r>
               <a:rPr lang="en-US" sz="3500" dirty="0" smtClean="0"/>
-              <a:t>DC link capacitors </a:t>
-            </a:r>
-            <a:r>
-              <a:rPr lang="en-US" sz="3500" dirty="0" smtClean="0"/>
-              <a:t>constitute</a:t>
+              <a:t>DC link capacitors constitute</a:t>
             </a:r>
             <a:r>
               <a:rPr lang="tr-TR" sz="3500" dirty="0" smtClean="0"/>
@@ -3214,11 +3216,7 @@
             </a:pPr>
             <a:r>
               <a:rPr lang="en-US" sz="3500" dirty="0" smtClean="0"/>
-              <a:t>20</a:t>
-            </a:r>
-            <a:r>
-              <a:rPr lang="en-US" sz="3500" dirty="0" smtClean="0"/>
-              <a:t>% of </a:t>
+              <a:t>20% of </a:t>
             </a:r>
             <a:r>
               <a:rPr lang="en-US" sz="3500" b="1" dirty="0" smtClean="0"/>
@@ -3259,7 +3257,6 @@
               <a:rPr lang="en-US" sz="3500" b="1" dirty="0" smtClean="0"/>
               <a:t>.</a:t>
             </a:r>
-            <a:endParaRPr lang="en-US" sz="3500" b="1" dirty="0" smtClean="0"/>
           </a:p>
         </p:txBody>
       </p:sp>
@@ -3297,11 +3294,7 @@
             <a:pPr algn="l"/>
             <a:r>
               <a:rPr lang="en-US" sz="3500" dirty="0" smtClean="0"/>
-              <a:t>A </a:t>
-            </a:r>
-            <a:r>
-              <a:rPr lang="en-US" sz="3500" dirty="0" smtClean="0"/>
-              <a:t>set of </a:t>
+              <a:t>A set of </a:t>
             </a:r>
             <a:r>
               <a:rPr lang="en-US" sz="3500" b="1" dirty="0" smtClean="0"/>
@@ -3436,9 +3429,602 @@
           </a:p>
         </p:txBody>
       </p:sp>
+      <p:sp>
+        <p:nvSpPr>
+          <p:cNvPr id="64" name="Text Box 9"/>
+          <p:cNvSpPr txBox="1">
+            <a:spLocks noChangeArrowheads="1"/>
+          </p:cNvSpPr>
+          <p:nvPr/>
+        </p:nvSpPr>
+        <p:spPr bwMode="auto">
+          <a:xfrm>
+            <a:off x="15870848" y="25945335"/>
+            <a:ext cx="13248450" cy="1708160"/>
+          </a:xfrm>
+          <a:prstGeom prst="rect">
+            <a:avLst/>
+          </a:prstGeom>
+          <a:noFill/>
+          <a:ln w="9525">
+            <a:noFill/>
+            <a:miter lim="800000"/>
+            <a:headEnd/>
+            <a:tailEnd/>
+          </a:ln>
+          <a:effectLst/>
+        </p:spPr>
+        <p:txBody>
+          <a:bodyPr wrap="square">
+            <a:spAutoFit/>
+          </a:bodyPr>
+          <a:lstStyle/>
+          <a:p>
+            <a:pPr marL="457200" indent="-457200" algn="l">
+              <a:buFont typeface="Wingdings" panose="05000000000000000000" pitchFamily="2" charset="2"/>
+              <a:buChar char="ü"/>
+            </a:pPr>
+            <a:r>
+              <a:rPr lang="en-US" sz="3500" dirty="0" smtClean="0"/>
+              <a:t>Series and parallel connected three-phase inverter modules</a:t>
+            </a:r>
+          </a:p>
+          <a:p>
+            <a:pPr marL="457200" indent="-457200" algn="l">
+              <a:buFont typeface="Wingdings" panose="05000000000000000000" pitchFamily="2" charset="2"/>
+              <a:buChar char="ü"/>
+            </a:pPr>
+            <a:r>
+              <a:rPr lang="en-US" sz="3500" dirty="0" smtClean="0"/>
+              <a:t>Fractional Slot Concentrated Winding (FSCW) stator</a:t>
+            </a:r>
+          </a:p>
+          <a:p>
+            <a:pPr marL="457200" indent="-457200" algn="l">
+              <a:buFont typeface="Wingdings" panose="05000000000000000000" pitchFamily="2" charset="2"/>
+              <a:buChar char="ü"/>
+            </a:pPr>
+            <a:r>
+              <a:rPr lang="en-US" sz="3500" dirty="0" smtClean="0"/>
+              <a:t>Permanent Magnet Brushless DC (PM-BLDC) motor</a:t>
+            </a:r>
+            <a:endParaRPr lang="en-US" sz="3500" dirty="0" smtClean="0">
+              <a:latin typeface="+mj-lt"/>
+            </a:endParaRPr>
+          </a:p>
+        </p:txBody>
+      </p:sp>
+      <p:sp>
+        <p:nvSpPr>
+          <p:cNvPr id="70" name="Text Box 9"/>
+          <p:cNvSpPr txBox="1">
+            <a:spLocks noChangeArrowheads="1"/>
+          </p:cNvSpPr>
+          <p:nvPr/>
+        </p:nvSpPr>
+        <p:spPr bwMode="auto">
+          <a:xfrm>
+            <a:off x="22614291" y="28057045"/>
+            <a:ext cx="6514138" cy="707886"/>
+          </a:xfrm>
+          <a:prstGeom prst="rect">
+            <a:avLst/>
+          </a:prstGeom>
+          <a:noFill/>
+          <a:ln w="9525">
+            <a:noFill/>
+            <a:miter lim="800000"/>
+            <a:headEnd/>
+            <a:tailEnd/>
+          </a:ln>
+          <a:effectLst/>
+        </p:spPr>
+        <p:txBody>
+          <a:bodyPr wrap="square">
+            <a:spAutoFit/>
+          </a:bodyPr>
+          <a:lstStyle/>
+          <a:p>
+            <a:r>
+              <a:rPr lang="en-US" sz="4000" b="1" dirty="0" smtClean="0"/>
+              <a:t>Loss Characterization</a:t>
+            </a:r>
+            <a:endParaRPr lang="en-US" sz="4000" dirty="0" smtClean="0">
+              <a:latin typeface="+mj-lt"/>
+            </a:endParaRPr>
+          </a:p>
+        </p:txBody>
+      </p:sp>
+      <p:sp>
+        <p:nvSpPr>
+          <p:cNvPr id="71" name="Text Box 9"/>
+          <p:cNvSpPr txBox="1">
+            <a:spLocks noChangeArrowheads="1"/>
+          </p:cNvSpPr>
+          <p:nvPr/>
+        </p:nvSpPr>
+        <p:spPr bwMode="auto">
+          <a:xfrm>
+            <a:off x="16012504" y="29573634"/>
+            <a:ext cx="6207849" cy="3323987"/>
+          </a:xfrm>
+          <a:prstGeom prst="rect">
+            <a:avLst/>
+          </a:prstGeom>
+          <a:noFill/>
+          <a:ln w="9525">
+            <a:noFill/>
+            <a:miter lim="800000"/>
+            <a:headEnd/>
+            <a:tailEnd/>
+          </a:ln>
+          <a:effectLst/>
+        </p:spPr>
+        <p:txBody>
+          <a:bodyPr wrap="square">
+            <a:spAutoFit/>
+          </a:bodyPr>
+          <a:lstStyle/>
+          <a:p>
+            <a:pPr marL="457200" indent="-457200" algn="l">
+              <a:buFont typeface="Arial" panose="020B0604020202020204" pitchFamily="34" charset="0"/>
+              <a:buChar char="•"/>
+            </a:pPr>
+            <a:r>
+              <a:rPr lang="tr-TR" sz="3500" dirty="0">
+                <a:latin typeface="+mj-lt"/>
+              </a:rPr>
+              <a:t>F</a:t>
+            </a:r>
+            <a:r>
+              <a:rPr lang="tr-TR" sz="3500" dirty="0" smtClean="0">
+                <a:latin typeface="+mj-lt"/>
+              </a:rPr>
+              <a:t>our</a:t>
+            </a:r>
+            <a:r>
+              <a:rPr lang="en-US" sz="3500" dirty="0" smtClean="0">
+                <a:latin typeface="+mj-lt"/>
+              </a:rPr>
+              <a:t> three-phase modules</a:t>
+            </a:r>
+          </a:p>
+          <a:p>
+            <a:pPr marL="457200" indent="-457200" algn="l">
+              <a:buFont typeface="Arial" panose="020B0604020202020204" pitchFamily="34" charset="0"/>
+              <a:buChar char="•"/>
+            </a:pPr>
+            <a:r>
+              <a:rPr lang="tr-TR" sz="3500" dirty="0">
+                <a:latin typeface="+mj-lt"/>
+              </a:rPr>
+              <a:t>6</a:t>
+            </a:r>
+            <a:r>
+              <a:rPr lang="en-US" sz="3500" dirty="0" smtClean="0">
+                <a:latin typeface="+mj-lt"/>
+              </a:rPr>
+              <a:t>kW </a:t>
+            </a:r>
+            <a:r>
+              <a:rPr lang="en-US" sz="3500" dirty="0" smtClean="0">
+                <a:latin typeface="+mj-lt"/>
+              </a:rPr>
+              <a:t>total output power</a:t>
+            </a:r>
+          </a:p>
+          <a:p>
+            <a:pPr marL="457200" indent="-457200" algn="l">
+              <a:buFont typeface="Arial" panose="020B0604020202020204" pitchFamily="34" charset="0"/>
+              <a:buChar char="•"/>
+            </a:pPr>
+            <a:r>
+              <a:rPr lang="en-US" sz="3500" dirty="0" smtClean="0">
+                <a:latin typeface="+mj-lt"/>
+              </a:rPr>
+              <a:t>24 slot double layer stator</a:t>
+            </a:r>
+          </a:p>
+          <a:p>
+            <a:pPr marL="457200" indent="-457200" algn="l">
+              <a:buFont typeface="Arial" panose="020B0604020202020204" pitchFamily="34" charset="0"/>
+              <a:buChar char="•"/>
+            </a:pPr>
+            <a:r>
+              <a:rPr lang="en-US" sz="3500" dirty="0" smtClean="0">
+                <a:latin typeface="+mj-lt"/>
+              </a:rPr>
+              <a:t>20 pole rotor</a:t>
+            </a:r>
+          </a:p>
+          <a:p>
+            <a:pPr marL="457200" indent="-457200" algn="l">
+              <a:buFont typeface="Arial" panose="020B0604020202020204" pitchFamily="34" charset="0"/>
+              <a:buChar char="•"/>
+            </a:pPr>
+            <a:r>
+              <a:rPr lang="en-US" sz="3500" dirty="0" smtClean="0">
+                <a:latin typeface="+mj-lt"/>
+              </a:rPr>
+              <a:t>600V – 20A GaN FETs</a:t>
+            </a:r>
+          </a:p>
+          <a:p>
+            <a:pPr marL="457200" indent="-457200" algn="l">
+              <a:buFont typeface="Arial" panose="020B0604020202020204" pitchFamily="34" charset="0"/>
+              <a:buChar char="•"/>
+            </a:pPr>
+            <a:r>
+              <a:rPr lang="tr-TR" sz="3500" dirty="0" smtClean="0">
+                <a:latin typeface="+mj-lt"/>
+              </a:rPr>
+              <a:t>Four</a:t>
+            </a:r>
+            <a:r>
+              <a:rPr lang="en-US" sz="3500" dirty="0" smtClean="0">
+                <a:latin typeface="+mj-lt"/>
+              </a:rPr>
+              <a:t> 20uF, 450V capacitors</a:t>
+            </a:r>
+          </a:p>
+        </p:txBody>
+      </p:sp>
+      <p:sp>
+        <p:nvSpPr>
+          <p:cNvPr id="72" name="Text Box 9"/>
+          <p:cNvSpPr txBox="1">
+            <a:spLocks noChangeArrowheads="1"/>
+          </p:cNvSpPr>
+          <p:nvPr/>
+        </p:nvSpPr>
+        <p:spPr bwMode="auto">
+          <a:xfrm>
+            <a:off x="15786371" y="28660376"/>
+            <a:ext cx="6514138" cy="707886"/>
+          </a:xfrm>
+          <a:prstGeom prst="rect">
+            <a:avLst/>
+          </a:prstGeom>
+          <a:noFill/>
+          <a:ln w="9525">
+            <a:noFill/>
+            <a:miter lim="800000"/>
+            <a:headEnd/>
+            <a:tailEnd/>
+          </a:ln>
+          <a:effectLst/>
+        </p:spPr>
+        <p:txBody>
+          <a:bodyPr wrap="square">
+            <a:spAutoFit/>
+          </a:bodyPr>
+          <a:lstStyle/>
+          <a:p>
+            <a:r>
+              <a:rPr lang="en-US" sz="4000" b="1" dirty="0" smtClean="0"/>
+              <a:t>Specifications</a:t>
+            </a:r>
+            <a:endParaRPr lang="en-US" sz="4000" dirty="0" smtClean="0">
+              <a:latin typeface="+mj-lt"/>
+            </a:endParaRPr>
+          </a:p>
+        </p:txBody>
+      </p:sp>
+      <p:sp>
+        <p:nvSpPr>
+          <p:cNvPr id="46" name="Text Box 9"/>
+          <p:cNvSpPr txBox="1">
+            <a:spLocks noChangeArrowheads="1"/>
+          </p:cNvSpPr>
+          <p:nvPr/>
+        </p:nvSpPr>
+        <p:spPr bwMode="auto">
+          <a:xfrm>
+            <a:off x="15513315" y="12579892"/>
+            <a:ext cx="6861517" cy="1169551"/>
+          </a:xfrm>
+          <a:prstGeom prst="rect">
+            <a:avLst/>
+          </a:prstGeom>
+          <a:noFill/>
+          <a:ln w="9525">
+            <a:noFill/>
+            <a:miter lim="800000"/>
+            <a:headEnd/>
+            <a:tailEnd/>
+          </a:ln>
+          <a:effectLst/>
+        </p:spPr>
+        <p:txBody>
+          <a:bodyPr wrap="square">
+            <a:spAutoFit/>
+          </a:bodyPr>
+          <a:lstStyle/>
+          <a:p>
+            <a:r>
+              <a:rPr lang="en-US" sz="3500" b="1" dirty="0" smtClean="0"/>
+              <a:t>DC link capacitor selection algorithm</a:t>
+            </a:r>
+            <a:endParaRPr lang="en-US" sz="3500" b="1" dirty="0" smtClean="0">
+              <a:latin typeface="+mj-lt"/>
+            </a:endParaRPr>
+          </a:p>
+        </p:txBody>
+      </p:sp>
+      <p:sp>
+        <p:nvSpPr>
+          <p:cNvPr id="51" name="Text Box 42"/>
+          <p:cNvSpPr txBox="1">
+            <a:spLocks noChangeArrowheads="1"/>
+          </p:cNvSpPr>
+          <p:nvPr/>
+        </p:nvSpPr>
+        <p:spPr bwMode="auto">
+          <a:xfrm>
+            <a:off x="16102012" y="35156555"/>
+            <a:ext cx="13115925" cy="1015663"/>
+          </a:xfrm>
+          <a:prstGeom prst="rect">
+            <a:avLst/>
+          </a:prstGeom>
+          <a:noFill/>
+          <a:ln w="9525">
+            <a:noFill/>
+            <a:miter lim="800000"/>
+            <a:headEnd/>
+            <a:tailEnd/>
+          </a:ln>
+          <a:effectLst/>
+        </p:spPr>
+        <p:txBody>
+          <a:bodyPr wrap="square">
+            <a:spAutoFit/>
+          </a:bodyPr>
+          <a:lstStyle/>
+          <a:p>
+            <a:pPr algn="l" defTabSz="4389438">
+              <a:spcBef>
+                <a:spcPct val="50000"/>
+              </a:spcBef>
+            </a:pPr>
+            <a:r>
+              <a:rPr lang="en-US" sz="6000" b="1" dirty="0" smtClean="0">
+                <a:solidFill>
+                  <a:srgbClr val="003399"/>
+                </a:solidFill>
+              </a:rPr>
+              <a:t>Conclusions &amp; Planned Work</a:t>
+            </a:r>
+            <a:endParaRPr lang="en-US" sz="6000" b="1" dirty="0">
+              <a:solidFill>
+                <a:srgbClr val="003399"/>
+              </a:solidFill>
+            </a:endParaRPr>
+          </a:p>
+        </p:txBody>
+      </p:sp>
+      <p:sp>
+        <p:nvSpPr>
+          <p:cNvPr id="57" name="Text Box 9"/>
+          <p:cNvSpPr txBox="1">
+            <a:spLocks noChangeArrowheads="1"/>
+          </p:cNvSpPr>
+          <p:nvPr/>
+        </p:nvSpPr>
+        <p:spPr bwMode="auto">
+          <a:xfrm>
+            <a:off x="20649459" y="38034112"/>
+            <a:ext cx="7252709" cy="1708160"/>
+          </a:xfrm>
+          <a:prstGeom prst="rect">
+            <a:avLst/>
+          </a:prstGeom>
+          <a:noFill/>
+          <a:ln w="9525">
+            <a:noFill/>
+            <a:miter lim="800000"/>
+            <a:headEnd/>
+            <a:tailEnd/>
+          </a:ln>
+          <a:effectLst/>
+        </p:spPr>
+        <p:txBody>
+          <a:bodyPr wrap="square">
+            <a:spAutoFit/>
+          </a:bodyPr>
+          <a:lstStyle/>
+          <a:p>
+            <a:pPr marL="457200" indent="-457200" algn="l">
+              <a:buFont typeface="Wingdings" panose="05000000000000000000" pitchFamily="2" charset="2"/>
+              <a:buChar char="q"/>
+            </a:pPr>
+            <a:r>
+              <a:rPr lang="en-US" sz="3500" dirty="0" smtClean="0">
+                <a:latin typeface="+mj-lt"/>
+              </a:rPr>
+              <a:t>Drive efficiency</a:t>
+            </a:r>
+            <a:r>
+              <a:rPr lang="en-US" sz="3500" b="1" dirty="0" smtClean="0">
+                <a:latin typeface="+mj-lt"/>
+              </a:rPr>
+              <a:t>: </a:t>
+            </a:r>
+            <a:r>
+              <a:rPr lang="en-US" sz="3500" b="1" dirty="0" smtClean="0">
+                <a:latin typeface="+mj-lt"/>
+              </a:rPr>
+              <a:t>9</a:t>
+            </a:r>
+            <a:r>
+              <a:rPr lang="tr-TR" sz="3500" b="1" dirty="0" smtClean="0">
+                <a:latin typeface="+mj-lt"/>
+              </a:rPr>
+              <a:t>8.5</a:t>
+            </a:r>
+            <a:r>
+              <a:rPr lang="en-US" sz="3500" b="1" dirty="0" smtClean="0">
+                <a:latin typeface="+mj-lt"/>
+              </a:rPr>
+              <a:t>%</a:t>
+            </a:r>
+            <a:endParaRPr lang="en-US" sz="3500" b="1" dirty="0" smtClean="0">
+              <a:latin typeface="+mj-lt"/>
+            </a:endParaRPr>
+          </a:p>
+          <a:p>
+            <a:pPr marL="457200" indent="-457200" algn="l">
+              <a:buFont typeface="Wingdings" panose="05000000000000000000" pitchFamily="2" charset="2"/>
+              <a:buChar char="q"/>
+            </a:pPr>
+            <a:r>
+              <a:rPr lang="en-US" sz="3500" dirty="0" smtClean="0">
+                <a:latin typeface="+mj-lt"/>
+              </a:rPr>
+              <a:t>Drive power density</a:t>
+            </a:r>
+            <a:r>
+              <a:rPr lang="en-US" sz="3500" b="1" dirty="0" smtClean="0">
+                <a:latin typeface="+mj-lt"/>
+              </a:rPr>
+              <a:t>: 15 W/cm</a:t>
+            </a:r>
+            <a:r>
+              <a:rPr lang="en-US" sz="3500" b="1" baseline="30000" dirty="0" smtClean="0">
+                <a:latin typeface="+mj-lt"/>
+              </a:rPr>
+              <a:t>3</a:t>
+            </a:r>
+          </a:p>
+          <a:p>
+            <a:pPr marL="457200" indent="-457200" algn="l">
+              <a:buFont typeface="Wingdings" panose="05000000000000000000" pitchFamily="2" charset="2"/>
+              <a:buChar char="q"/>
+            </a:pPr>
+            <a:r>
+              <a:rPr lang="en-US" sz="3500" dirty="0" smtClean="0">
+                <a:solidFill>
+                  <a:srgbClr val="FF0000"/>
+                </a:solidFill>
+                <a:latin typeface="+mj-lt"/>
+              </a:rPr>
+              <a:t>What </a:t>
+            </a:r>
+            <a:r>
+              <a:rPr lang="en-US" sz="3500" dirty="0" smtClean="0">
+                <a:solidFill>
+                  <a:srgbClr val="FF0000"/>
+                </a:solidFill>
+                <a:latin typeface="+mj-lt"/>
+              </a:rPr>
+              <a:t>else ???</a:t>
+            </a:r>
+          </a:p>
+        </p:txBody>
+      </p:sp>
+      <p:sp>
+        <p:nvSpPr>
+          <p:cNvPr id="60" name="Text Box 9"/>
+          <p:cNvSpPr txBox="1">
+            <a:spLocks noChangeArrowheads="1"/>
+          </p:cNvSpPr>
+          <p:nvPr/>
+        </p:nvSpPr>
+        <p:spPr bwMode="auto">
+          <a:xfrm>
+            <a:off x="26712415" y="36876604"/>
+            <a:ext cx="6514138" cy="707886"/>
+          </a:xfrm>
+          <a:prstGeom prst="rect">
+            <a:avLst/>
+          </a:prstGeom>
+          <a:noFill/>
+          <a:ln w="9525">
+            <a:noFill/>
+            <a:miter lim="800000"/>
+            <a:headEnd/>
+            <a:tailEnd/>
+          </a:ln>
+          <a:effectLst/>
+        </p:spPr>
+        <p:txBody>
+          <a:bodyPr wrap="square">
+            <a:spAutoFit/>
+          </a:bodyPr>
+          <a:lstStyle/>
+          <a:p>
+            <a:r>
+              <a:rPr lang="en-US" sz="4000" b="1" dirty="0" smtClean="0"/>
+              <a:t>Results</a:t>
+            </a:r>
+            <a:endParaRPr lang="en-US" sz="4000" dirty="0" smtClean="0">
+              <a:latin typeface="+mj-lt"/>
+            </a:endParaRPr>
+          </a:p>
+        </p:txBody>
+      </p:sp>
+      <p:sp>
+        <p:nvSpPr>
+          <p:cNvPr id="61" name="Text Box 9"/>
+          <p:cNvSpPr txBox="1">
+            <a:spLocks noChangeArrowheads="1"/>
+          </p:cNvSpPr>
+          <p:nvPr/>
+        </p:nvSpPr>
+        <p:spPr bwMode="auto">
+          <a:xfrm>
+            <a:off x="16140691" y="36854017"/>
+            <a:ext cx="13232902" cy="630942"/>
+          </a:xfrm>
+          <a:prstGeom prst="rect">
+            <a:avLst/>
+          </a:prstGeom>
+          <a:noFill/>
+          <a:ln w="9525">
+            <a:noFill/>
+            <a:miter lim="800000"/>
+            <a:headEnd/>
+            <a:tailEnd/>
+          </a:ln>
+          <a:effectLst/>
+        </p:spPr>
+        <p:txBody>
+          <a:bodyPr wrap="square">
+            <a:spAutoFit/>
+          </a:bodyPr>
+          <a:lstStyle/>
+          <a:p>
+            <a:pPr algn="l"/>
+            <a:r>
+              <a:rPr lang="en-US" sz="3500" dirty="0" smtClean="0">
+                <a:solidFill>
+                  <a:srgbClr val="FF0000"/>
+                </a:solidFill>
+                <a:latin typeface="+mj-lt"/>
+              </a:rPr>
+              <a:t>A laboratory prototype is being </a:t>
+            </a:r>
+            <a:r>
+              <a:rPr lang="en-US" sz="3500" dirty="0" smtClean="0">
+                <a:solidFill>
+                  <a:srgbClr val="FF0000"/>
+                </a:solidFill>
+                <a:latin typeface="+mj-lt"/>
+              </a:rPr>
+              <a:t>developed</a:t>
+            </a:r>
+            <a:endParaRPr lang="en-US" sz="3500" dirty="0" smtClean="0">
+              <a:solidFill>
+                <a:srgbClr val="FF0000"/>
+              </a:solidFill>
+              <a:latin typeface="+mj-lt"/>
+            </a:endParaRPr>
+          </a:p>
+        </p:txBody>
+      </p:sp>
       <p:pic>
         <p:nvPicPr>
-          <p:cNvPr id="3" name="Picture 2"/>
+          <p:cNvPr id="13" name="Picture 12"/>
           <p:cNvPicPr>
             <a:picLocks noChangeAspect="1"/>
           </p:cNvPicPr>
@@ -3452,8 +4038,32 @@
         </p:blipFill>
         <p:spPr>
           <a:xfrm>
-            <a:off x="31492243" y="26458794"/>
-            <a:ext cx="6885004" cy="2420878"/>
+            <a:off x="22669529" y="28706275"/>
+            <a:ext cx="6089880" cy="5794207"/>
+          </a:xfrm>
+          <a:prstGeom prst="rect">
+            <a:avLst/>
+          </a:prstGeom>
+        </p:spPr>
+      </p:pic>
+      <p:pic>
+        <p:nvPicPr>
+          <p:cNvPr id="6" name="Picture 5"/>
+          <p:cNvPicPr>
+            <a:picLocks noChangeAspect="1"/>
+          </p:cNvPicPr>
+          <p:nvPr/>
+        </p:nvPicPr>
+        <p:blipFill>
+          <a:blip r:embed="rId17"/>
+          <a:stretch>
+            <a:fillRect/>
+          </a:stretch>
+        </p:blipFill>
+        <p:spPr>
+          <a:xfrm>
+            <a:off x="40381724" y="29952529"/>
+            <a:ext cx="5479969" cy="4835851"/>
           </a:xfrm>
           <a:prstGeom prst="rect">
             <a:avLst/>
@@ -3462,7 +4072,7 @@
       </p:pic>
       <p:sp>
         <p:nvSpPr>
-          <p:cNvPr id="55" name="Text Box 9"/>
+          <p:cNvPr id="62" name="Text Box 9"/>
           <p:cNvSpPr txBox="1">
             <a:spLocks noChangeArrowheads="1"/>
           </p:cNvSpPr>
@@ -3470,8 +4080,8 @@
         </p:nvSpPr>
         <p:spPr bwMode="auto">
           <a:xfrm>
-            <a:off x="32203101" y="25477946"/>
-            <a:ext cx="6514138" cy="707886"/>
+            <a:off x="33339044" y="33294354"/>
+            <a:ext cx="6161621" cy="1169551"/>
           </a:xfrm>
           <a:prstGeom prst="rect">
             <a:avLst/>
@@ -3492,595 +4102,66 @@
           <a:lstStyle/>
           <a:p>
             <a:r>
-              <a:rPr lang="en-US" sz="4000" b="1" dirty="0" smtClean="0"/>
-              <a:t>Proposed Topology</a:t>
-            </a:r>
-            <a:endParaRPr lang="en-US" sz="4000" dirty="0" smtClean="0">
-              <a:latin typeface="+mj-lt"/>
-            </a:endParaRPr>
-          </a:p>
-        </p:txBody>
-      </p:sp>
-      <p:sp>
-        <p:nvSpPr>
-          <p:cNvPr id="64" name="Text Box 9"/>
-          <p:cNvSpPr txBox="1">
-            <a:spLocks noChangeArrowheads="1"/>
-          </p:cNvSpPr>
-          <p:nvPr/>
-        </p:nvSpPr>
-        <p:spPr bwMode="auto">
-          <a:xfrm>
-            <a:off x="15870848" y="25945335"/>
-            <a:ext cx="13248450" cy="1708160"/>
-          </a:xfrm>
-          <a:prstGeom prst="rect">
-            <a:avLst/>
-          </a:prstGeom>
-          <a:noFill/>
-          <a:ln w="9525">
-            <a:noFill/>
-            <a:miter lim="800000"/>
-            <a:headEnd/>
-            <a:tailEnd/>
-          </a:ln>
-          <a:effectLst/>
-        </p:spPr>
-        <p:txBody>
-          <a:bodyPr wrap="square">
-            <a:spAutoFit/>
-          </a:bodyPr>
-          <a:lstStyle/>
-          <a:p>
-            <a:pPr marL="457200" indent="-457200" algn="l">
-              <a:buFont typeface="Wingdings" panose="05000000000000000000" pitchFamily="2" charset="2"/>
-              <a:buChar char="ü"/>
-            </a:pPr>
-            <a:r>
-              <a:rPr lang="en-US" sz="3500" dirty="0" smtClean="0"/>
-              <a:t>Series and parallel connected three-phase inverter modules</a:t>
-            </a:r>
-          </a:p>
-          <a:p>
-            <a:pPr marL="457200" indent="-457200" algn="l">
-              <a:buFont typeface="Wingdings" panose="05000000000000000000" pitchFamily="2" charset="2"/>
-              <a:buChar char="ü"/>
-            </a:pPr>
-            <a:r>
-              <a:rPr lang="en-US" sz="3500" dirty="0" smtClean="0"/>
-              <a:t>Fractional Slot Concentrated Winding (FSCW) stator</a:t>
-            </a:r>
-          </a:p>
-          <a:p>
-            <a:pPr marL="457200" indent="-457200" algn="l">
-              <a:buFont typeface="Wingdings" panose="05000000000000000000" pitchFamily="2" charset="2"/>
-              <a:buChar char="ü"/>
-            </a:pPr>
-            <a:r>
-              <a:rPr lang="en-US" sz="3500" dirty="0" smtClean="0"/>
-              <a:t>Permanent Magnet Brushless DC (PM-BLDC) motor</a:t>
-            </a:r>
-            <a:endParaRPr lang="en-US" sz="3500" dirty="0" smtClean="0">
-              <a:latin typeface="+mj-lt"/>
-            </a:endParaRPr>
-          </a:p>
-        </p:txBody>
-      </p:sp>
-      <p:sp>
-        <p:nvSpPr>
-          <p:cNvPr id="70" name="Text Box 9"/>
-          <p:cNvSpPr txBox="1">
-            <a:spLocks noChangeArrowheads="1"/>
-          </p:cNvSpPr>
-          <p:nvPr/>
-        </p:nvSpPr>
-        <p:spPr bwMode="auto">
-          <a:xfrm>
-            <a:off x="22656014" y="27900001"/>
-            <a:ext cx="6514138" cy="707886"/>
-          </a:xfrm>
-          <a:prstGeom prst="rect">
-            <a:avLst/>
-          </a:prstGeom>
-          <a:noFill/>
-          <a:ln w="9525">
-            <a:noFill/>
-            <a:miter lim="800000"/>
-            <a:headEnd/>
-            <a:tailEnd/>
-          </a:ln>
-          <a:effectLst/>
-        </p:spPr>
-        <p:txBody>
-          <a:bodyPr wrap="square">
-            <a:spAutoFit/>
-          </a:bodyPr>
-          <a:lstStyle/>
-          <a:p>
-            <a:r>
-              <a:rPr lang="en-US" sz="4000" b="1" dirty="0" smtClean="0"/>
-              <a:t>Loss </a:t>
-            </a:r>
-            <a:r>
-              <a:rPr lang="en-US" sz="4000" b="1" dirty="0" smtClean="0"/>
-              <a:t>Characterization</a:t>
-            </a:r>
-            <a:endParaRPr lang="en-US" sz="4000" dirty="0" smtClean="0">
-              <a:latin typeface="+mj-lt"/>
-            </a:endParaRPr>
-          </a:p>
-        </p:txBody>
-      </p:sp>
-      <p:sp>
-        <p:nvSpPr>
-          <p:cNvPr id="71" name="Text Box 9"/>
-          <p:cNvSpPr txBox="1">
-            <a:spLocks noChangeArrowheads="1"/>
-          </p:cNvSpPr>
-          <p:nvPr/>
-        </p:nvSpPr>
-        <p:spPr bwMode="auto">
-          <a:xfrm>
-            <a:off x="16012504" y="28696205"/>
-            <a:ext cx="6207849" cy="3323987"/>
-          </a:xfrm>
-          <a:prstGeom prst="rect">
-            <a:avLst/>
-          </a:prstGeom>
-          <a:noFill/>
-          <a:ln w="9525">
-            <a:noFill/>
-            <a:miter lim="800000"/>
-            <a:headEnd/>
-            <a:tailEnd/>
-          </a:ln>
-          <a:effectLst/>
-        </p:spPr>
-        <p:txBody>
-          <a:bodyPr wrap="square">
-            <a:spAutoFit/>
-          </a:bodyPr>
-          <a:lstStyle/>
-          <a:p>
-            <a:pPr marL="457200" indent="-457200" algn="l">
-              <a:buFont typeface="Arial" panose="020B0604020202020204" pitchFamily="34" charset="0"/>
-              <a:buChar char="•"/>
-            </a:pPr>
-            <a:r>
-              <a:rPr lang="tr-TR" sz="3500" dirty="0">
+              <a:rPr lang="tr-TR" sz="3500" b="1" dirty="0" err="1" smtClean="0">
                 <a:latin typeface="+mj-lt"/>
               </a:rPr>
-              <a:t>F</a:t>
-            </a:r>
-            <a:r>
-              <a:rPr lang="tr-TR" sz="3500" dirty="0" smtClean="0">
+              <a:t>Turn</a:t>
+            </a:r>
+            <a:r>
+              <a:rPr lang="tr-TR" sz="3500" b="1" dirty="0" err="1">
                 <a:latin typeface="+mj-lt"/>
               </a:rPr>
-              <a:t>our</a:t>
-            </a:r>
-            <a:r>
-              <a:rPr lang="en-US" sz="3500" dirty="0" smtClean="0">
+              <a:t>-</a:t>
+            </a:r>
+            <a:r>
+              <a:rPr lang="tr-TR" sz="3500" b="1" dirty="0" err="1" smtClean="0">
                 <a:latin typeface="+mj-lt"/>
               </a:rPr>
+              <a:t>off</a:t>
+            </a:r>
+            <a:r>
+              <a:rPr lang="tr-TR" sz="3500" b="1" dirty="0" smtClean="0">
+                <a:latin typeface="+mj-lt"/>
+              </a:rPr>
               <a:t> </a:t>
             </a:r>
             <a:r>
-              <a:rPr lang="en-US" sz="3500" dirty="0" smtClean="0">
+              <a:rPr lang="tr-TR" sz="3500" b="1" dirty="0" err="1" smtClean="0">
                 <a:latin typeface="+mj-lt"/>
               </a:rPr>
-              <a:t>three-phase modules</a:t>
-            </a:r>
-          </a:p>
-          <a:p>
-            <a:pPr marL="457200" indent="-457200" algn="l">
-              <a:buFont typeface="Arial" panose="020B0604020202020204" pitchFamily="34" charset="0"/>
-              <a:buChar char="•"/>
-            </a:pPr>
-            <a:r>
-              <a:rPr lang="en-US" sz="3500" dirty="0" smtClean="0">
+              <a:t>characteristics</a:t>
+            </a:r>
+            <a:r>
+              <a:rPr lang="tr-TR" sz="3500" b="1" dirty="0" smtClean="0">
                 <a:latin typeface="+mj-lt"/>
               </a:rPr>
-              <a:t>7kW total output power</a:t>
-            </a:r>
-            <a:endParaRPr lang="en-US" sz="3500" dirty="0" smtClean="0">
-              <a:latin typeface="+mj-lt"/>
-            </a:endParaRPr>
-          </a:p>
-          <a:p>
-            <a:pPr marL="457200" indent="-457200" algn="l">
-              <a:buFont typeface="Arial" panose="020B0604020202020204" pitchFamily="34" charset="0"/>
-              <a:buChar char="•"/>
-            </a:pPr>
-            <a:r>
-              <a:rPr lang="en-US" sz="3500" dirty="0" smtClean="0">
+              <a:t> of a </a:t>
+            </a:r>
+            <a:r>
+              <a:rPr lang="tr-TR" sz="3500" b="1" dirty="0" err="1" smtClean="0">
                 <a:latin typeface="+mj-lt"/>
               </a:rPr>
-              <a:t>24 </a:t>
-            </a:r>
-            <a:r>
-              <a:rPr lang="en-US" sz="3500" dirty="0" smtClean="0">
+              <a:t>power</a:t>
+            </a:r>
+            <a:r>
+              <a:rPr lang="tr-TR" sz="3500" b="1" dirty="0" smtClean="0">
                 <a:latin typeface="+mj-lt"/>
               </a:rPr>
-              <a:t>slot double layer stator</a:t>
-            </a:r>
-          </a:p>
-          <a:p>
-            <a:pPr marL="457200" indent="-457200" algn="l">
-              <a:buFont typeface="Arial" panose="020B0604020202020204" pitchFamily="34" charset="0"/>
-              <a:buChar char="•"/>
-            </a:pPr>
-            <a:r>
-              <a:rPr lang="en-US" sz="3500" dirty="0" smtClean="0">
+              <a:t> </a:t>
+            </a:r>
+            <a:r>
+              <a:rPr lang="tr-TR" sz="3500" b="1" dirty="0" err="1" smtClean="0">
                 <a:latin typeface="+mj-lt"/>
               </a:rPr>
-              <a:t>20 pole rotor</a:t>
-            </a:r>
-          </a:p>
-          <a:p>
-            <a:pPr marL="457200" indent="-457200" algn="l">
-              <a:buFont typeface="Arial" panose="020B0604020202020204" pitchFamily="34" charset="0"/>
-              <a:buChar char="•"/>
-            </a:pPr>
-            <a:r>
-              <a:rPr lang="en-US" sz="3500" dirty="0" smtClean="0">
+              <a:t>devic</a:t>
+            </a:r>
+            <a:r>
+              <a:rPr lang="tr-TR" sz="3500" b="1" dirty="0" err="1">
                 <a:latin typeface="+mj-lt"/>
               </a:rPr>
-              <a:t>600V – 20A GaN FETs</a:t>
-            </a:r>
-          </a:p>
-          <a:p>
-            <a:pPr marL="457200" indent="-457200" algn="l">
-              <a:buFont typeface="Arial" panose="020B0604020202020204" pitchFamily="34" charset="0"/>
-              <a:buChar char="•"/>
-            </a:pPr>
-            <a:r>
-              <a:rPr lang="tr-TR" sz="3500" dirty="0" smtClean="0">
-                <a:latin typeface="+mj-lt"/>
-              </a:rPr>
-              <a:t>Four</a:t>
-            </a:r>
-            <a:r>
-              <a:rPr lang="en-US" sz="3500" dirty="0" smtClean="0">
-                <a:latin typeface="+mj-lt"/>
-              </a:rPr>
-              <a:t> </a:t>
-            </a:r>
-            <a:r>
-              <a:rPr lang="en-US" sz="3500" dirty="0" smtClean="0">
-                <a:latin typeface="+mj-lt"/>
-              </a:rPr>
-              <a:t>20uF, 450V </a:t>
-            </a:r>
-            <a:r>
-              <a:rPr lang="en-US" sz="3500" dirty="0" smtClean="0">
-                <a:latin typeface="+mj-lt"/>
-              </a:rPr>
-              <a:t>capacitors</a:t>
-            </a:r>
-            <a:endParaRPr lang="en-US" sz="3500" dirty="0" smtClean="0">
-              <a:latin typeface="+mj-lt"/>
-            </a:endParaRPr>
-          </a:p>
-        </p:txBody>
-      </p:sp>
-      <p:sp>
-        <p:nvSpPr>
-          <p:cNvPr id="72" name="Text Box 9"/>
-          <p:cNvSpPr txBox="1">
-            <a:spLocks noChangeArrowheads="1"/>
-          </p:cNvSpPr>
-          <p:nvPr/>
-        </p:nvSpPr>
-        <p:spPr bwMode="auto">
-          <a:xfrm>
-            <a:off x="15860694" y="27866590"/>
-            <a:ext cx="6514138" cy="707886"/>
-          </a:xfrm>
-          <a:prstGeom prst="rect">
-            <a:avLst/>
-          </a:prstGeom>
-          <a:noFill/>
-          <a:ln w="9525">
-            <a:noFill/>
-            <a:miter lim="800000"/>
-            <a:headEnd/>
-            <a:tailEnd/>
-          </a:ln>
-          <a:effectLst/>
-        </p:spPr>
-        <p:txBody>
-          <a:bodyPr wrap="square">
-            <a:spAutoFit/>
-          </a:bodyPr>
-          <a:lstStyle/>
-          <a:p>
-            <a:r>
-              <a:rPr lang="en-US" sz="4000" b="1" dirty="0" smtClean="0"/>
-              <a:t>Specifications</a:t>
-            </a:r>
-            <a:endParaRPr lang="en-US" sz="4000" dirty="0" smtClean="0">
-              <a:latin typeface="+mj-lt"/>
-            </a:endParaRPr>
-          </a:p>
-        </p:txBody>
-      </p:sp>
-      <p:sp>
-        <p:nvSpPr>
-          <p:cNvPr id="46" name="Text Box 9"/>
-          <p:cNvSpPr txBox="1">
-            <a:spLocks noChangeArrowheads="1"/>
-          </p:cNvSpPr>
-          <p:nvPr/>
-        </p:nvSpPr>
-        <p:spPr bwMode="auto">
-          <a:xfrm>
-            <a:off x="15513315" y="12579892"/>
-            <a:ext cx="6861517" cy="1169551"/>
-          </a:xfrm>
-          <a:prstGeom prst="rect">
-            <a:avLst/>
-          </a:prstGeom>
-          <a:noFill/>
-          <a:ln w="9525">
-            <a:noFill/>
-            <a:miter lim="800000"/>
-            <a:headEnd/>
-            <a:tailEnd/>
-          </a:ln>
-          <a:effectLst/>
-        </p:spPr>
-        <p:txBody>
-          <a:bodyPr wrap="square">
-            <a:spAutoFit/>
-          </a:bodyPr>
-          <a:lstStyle/>
-          <a:p>
-            <a:r>
-              <a:rPr lang="en-US" sz="3500" b="1" dirty="0" smtClean="0"/>
-              <a:t>DC link capacitor selection algorithm</a:t>
-            </a:r>
-            <a:endParaRPr lang="en-US" sz="3500" b="1" dirty="0" smtClean="0">
-              <a:latin typeface="+mj-lt"/>
-            </a:endParaRPr>
-          </a:p>
-        </p:txBody>
-      </p:sp>
-      <p:sp>
-        <p:nvSpPr>
-          <p:cNvPr id="51" name="Text Box 42"/>
-          <p:cNvSpPr txBox="1">
-            <a:spLocks noChangeArrowheads="1"/>
-          </p:cNvSpPr>
-          <p:nvPr/>
-        </p:nvSpPr>
-        <p:spPr bwMode="auto">
-          <a:xfrm>
-            <a:off x="16145239" y="35591562"/>
-            <a:ext cx="13115925" cy="1015663"/>
-          </a:xfrm>
-          <a:prstGeom prst="rect">
-            <a:avLst/>
-          </a:prstGeom>
-          <a:noFill/>
-          <a:ln w="9525">
-            <a:noFill/>
-            <a:miter lim="800000"/>
-            <a:headEnd/>
-            <a:tailEnd/>
-          </a:ln>
-          <a:effectLst/>
-        </p:spPr>
-        <p:txBody>
-          <a:bodyPr wrap="square">
-            <a:spAutoFit/>
-          </a:bodyPr>
-          <a:lstStyle/>
-          <a:p>
-            <a:pPr algn="l" defTabSz="4389438">
-              <a:spcBef>
-                <a:spcPct val="50000"/>
-              </a:spcBef>
-            </a:pPr>
-            <a:r>
-              <a:rPr lang="en-US" sz="6000" b="1" dirty="0" smtClean="0">
-                <a:solidFill>
-                  <a:srgbClr val="003399"/>
-                </a:solidFill>
-              </a:rPr>
-              <a:t>Conclusions &amp; Planned Work</a:t>
-            </a:r>
-            <a:endParaRPr lang="en-US" sz="6000" b="1" dirty="0">
-              <a:solidFill>
-                <a:srgbClr val="003399"/>
-              </a:solidFill>
-            </a:endParaRPr>
-          </a:p>
-        </p:txBody>
-      </p:sp>
-      <p:sp>
-        <p:nvSpPr>
-          <p:cNvPr id="57" name="Text Box 9"/>
-          <p:cNvSpPr txBox="1">
-            <a:spLocks noChangeArrowheads="1"/>
-          </p:cNvSpPr>
-          <p:nvPr/>
-        </p:nvSpPr>
-        <p:spPr bwMode="auto">
-          <a:xfrm>
-            <a:off x="16140691" y="33155049"/>
-            <a:ext cx="6207849" cy="1708160"/>
-          </a:xfrm>
-          <a:prstGeom prst="rect">
-            <a:avLst/>
-          </a:prstGeom>
-          <a:noFill/>
-          <a:ln w="9525">
-            <a:noFill/>
-            <a:miter lim="800000"/>
-            <a:headEnd/>
-            <a:tailEnd/>
-          </a:ln>
-          <a:effectLst/>
-        </p:spPr>
-        <p:txBody>
-          <a:bodyPr wrap="square">
-            <a:spAutoFit/>
-          </a:bodyPr>
-          <a:lstStyle/>
-          <a:p>
-            <a:pPr marL="457200" indent="-457200" algn="l">
-              <a:buFont typeface="Wingdings" panose="05000000000000000000" pitchFamily="2" charset="2"/>
-              <a:buChar char="q"/>
-            </a:pPr>
-            <a:r>
-              <a:rPr lang="en-US" sz="3500" dirty="0" smtClean="0">
-                <a:latin typeface="+mj-lt"/>
-              </a:rPr>
-              <a:t>Drive efficiency</a:t>
-            </a:r>
-            <a:r>
-              <a:rPr lang="en-US" sz="3500" b="1" dirty="0" smtClean="0">
-                <a:latin typeface="+mj-lt"/>
-              </a:rPr>
-              <a:t>: 99%</a:t>
-            </a:r>
-            <a:endParaRPr lang="en-US" sz="3500" b="1" dirty="0" smtClean="0">
-              <a:latin typeface="+mj-lt"/>
-            </a:endParaRPr>
-          </a:p>
-          <a:p>
-            <a:pPr marL="457200" indent="-457200" algn="l">
-              <a:buFont typeface="Wingdings" panose="05000000000000000000" pitchFamily="2" charset="2"/>
-              <a:buChar char="q"/>
-            </a:pPr>
-            <a:r>
-              <a:rPr lang="en-US" sz="3500" dirty="0" smtClean="0">
-                <a:latin typeface="+mj-lt"/>
-              </a:rPr>
-              <a:t>Power density</a:t>
-            </a:r>
-            <a:r>
-              <a:rPr lang="en-US" sz="3500" b="1" dirty="0" smtClean="0">
-                <a:latin typeface="+mj-lt"/>
-              </a:rPr>
-              <a:t>: 40 W/cm</a:t>
-            </a:r>
-            <a:r>
-              <a:rPr lang="en-US" sz="3500" b="1" baseline="30000" dirty="0" smtClean="0">
-                <a:latin typeface="+mj-lt"/>
-              </a:rPr>
-              <a:t>3</a:t>
-            </a:r>
-          </a:p>
-          <a:p>
-            <a:pPr marL="457200" indent="-457200" algn="l">
-              <a:buFont typeface="Wingdings" panose="05000000000000000000" pitchFamily="2" charset="2"/>
-              <a:buChar char="q"/>
-            </a:pPr>
-            <a:r>
-              <a:rPr lang="en-US" sz="3500" dirty="0" smtClean="0">
-                <a:solidFill>
-                  <a:srgbClr val="FF0000"/>
-                </a:solidFill>
-                <a:latin typeface="+mj-lt"/>
-              </a:rPr>
-              <a:t>What else ???</a:t>
-            </a:r>
-            <a:endParaRPr lang="en-US" sz="3500" dirty="0" smtClean="0">
-              <a:solidFill>
-                <a:srgbClr val="FF0000"/>
-              </a:solidFill>
-              <a:latin typeface="+mj-lt"/>
-            </a:endParaRPr>
-          </a:p>
-        </p:txBody>
-      </p:sp>
-      <p:sp>
-        <p:nvSpPr>
-          <p:cNvPr id="60" name="Text Box 9"/>
-          <p:cNvSpPr txBox="1">
-            <a:spLocks noChangeArrowheads="1"/>
-          </p:cNvSpPr>
-          <p:nvPr/>
-        </p:nvSpPr>
-        <p:spPr bwMode="auto">
-          <a:xfrm>
-            <a:off x="15999023" y="32240528"/>
-            <a:ext cx="6514138" cy="707886"/>
-          </a:xfrm>
-          <a:prstGeom prst="rect">
-            <a:avLst/>
-          </a:prstGeom>
-          <a:noFill/>
-          <a:ln w="9525">
-            <a:noFill/>
-            <a:miter lim="800000"/>
-            <a:headEnd/>
-            <a:tailEnd/>
-          </a:ln>
-          <a:effectLst/>
-        </p:spPr>
-        <p:txBody>
-          <a:bodyPr wrap="square">
-            <a:spAutoFit/>
-          </a:bodyPr>
-          <a:lstStyle/>
-          <a:p>
-            <a:r>
-              <a:rPr lang="en-US" sz="4000" b="1" dirty="0" smtClean="0"/>
-              <a:t>Results</a:t>
-            </a:r>
-            <a:endParaRPr lang="en-US" sz="4000" dirty="0" smtClean="0">
-              <a:latin typeface="+mj-lt"/>
-            </a:endParaRPr>
-          </a:p>
-        </p:txBody>
-      </p:sp>
-      <p:sp>
-        <p:nvSpPr>
-          <p:cNvPr id="61" name="Text Box 9"/>
-          <p:cNvSpPr txBox="1">
-            <a:spLocks noChangeArrowheads="1"/>
-          </p:cNvSpPr>
-          <p:nvPr/>
-        </p:nvSpPr>
-        <p:spPr bwMode="auto">
-          <a:xfrm>
-            <a:off x="16140691" y="36854017"/>
-            <a:ext cx="13232902" cy="630942"/>
-          </a:xfrm>
-          <a:prstGeom prst="rect">
-            <a:avLst/>
-          </a:prstGeom>
-          <a:noFill/>
-          <a:ln w="9525">
-            <a:noFill/>
-            <a:miter lim="800000"/>
-            <a:headEnd/>
-            <a:tailEnd/>
-          </a:ln>
-          <a:effectLst/>
-        </p:spPr>
-        <p:txBody>
-          <a:bodyPr wrap="square">
-            <a:spAutoFit/>
-          </a:bodyPr>
-          <a:lstStyle/>
-          <a:p>
-            <a:pPr algn="l"/>
-            <a:r>
-              <a:rPr lang="en-US" sz="3500" dirty="0" smtClean="0">
-                <a:solidFill>
-                  <a:srgbClr val="FF0000"/>
-                </a:solidFill>
-                <a:latin typeface="+mj-lt"/>
-              </a:rPr>
-              <a:t>A laboratory prototype is being developed</a:t>
-            </a:r>
-            <a:endParaRPr lang="en-US" sz="3500" dirty="0" smtClean="0">
-              <a:solidFill>
-                <a:srgbClr val="FF0000"/>
-              </a:solidFill>
+              <a:t>e</a:t>
+            </a:r>
+            <a:endParaRPr lang="en-US" sz="3500" dirty="0">
               <a:latin typeface="+mj-lt"/>
             </a:endParaRPr>
           </a:p>
@@ -4088,27 +4169,28 @@
       </p:sp>
       <p:pic>
         <p:nvPicPr>
-          <p:cNvPr id="10" name="Picture 9"/>
+          <p:cNvPr id="7" name="Picture 6"/>
           <p:cNvPicPr>
             <a:picLocks noChangeAspect="1"/>
           </p:cNvPicPr>
           <p:nvPr/>
         </p:nvPicPr>
-        <p:blipFill rotWithShape="1">
-          <a:blip r:embed="rId17">
+        <p:blipFill>
+          <a:blip r:embed="rId18">
             <a:extLst>
               <a:ext uri="{28A0092B-C50C-407E-A947-70E740481C1C}">
                 <a14:useLocalDpi xmlns:a14="http://schemas.microsoft.com/office/drawing/2010/main" val="0"/>
               </a:ext>
             </a:extLst>
           </a:blip>
-          <a:srcRect l="6064" t="6193" r="4585" b="6103"/>
-          <a:stretch/>
+          <a:stretch>
+            <a:fillRect/>
+          </a:stretch>
         </p:blipFill>
         <p:spPr>
           <a:xfrm>
-            <a:off x="22651075" y="28626311"/>
-            <a:ext cx="6153150" cy="5638800"/>
+            <a:off x="8578748" y="36501368"/>
+            <a:ext cx="5541341" cy="4894851"/>
           </a:xfrm>
           <a:prstGeom prst="rect">
             <a:avLst/>
